--- a/P_05_AlgorithmiqueProgrammation/01_Recursivite/Presentation/P_05_01_Recursivite_Cours_PPT.pptx
+++ b/P_05_AlgorithmiqueProgrammation/01_Recursivite/Presentation/P_05_01_Recursivite_Cours_PPT.pptx
@@ -1,16 +1,28 @@
 
 <file path=ppt/presentation.xml><?xml version="1.0" encoding="utf-8"?>
-<p:presentation xmlns:a="http://schemas.openxmlformats.org/drawingml/2006/main" xmlns:r="http://schemas.openxmlformats.org/officeDocument/2006/relationships" xmlns:p="http://schemas.openxmlformats.org/presentationml/2006/main" saveSubsetFonts="1">
+<p:presentation xmlns:a="http://schemas.openxmlformats.org/drawingml/2006/main" xmlns:r="http://schemas.openxmlformats.org/officeDocument/2006/relationships" xmlns:p="http://schemas.openxmlformats.org/presentationml/2006/main" showSpecialPlsOnTitleSld="0" saveSubsetFonts="1">
   <p:sldMasterIdLst>
     <p:sldMasterId id="2147483684" r:id="rId1"/>
   </p:sldMasterIdLst>
   <p:notesMasterIdLst>
-    <p:notesMasterId r:id="rId5"/>
+    <p:notesMasterId r:id="rId17"/>
   </p:notesMasterIdLst>
   <p:sldIdLst>
     <p:sldId id="256" r:id="rId2"/>
     <p:sldId id="257" r:id="rId3"/>
     <p:sldId id="258" r:id="rId4"/>
+    <p:sldId id="259" r:id="rId5"/>
+    <p:sldId id="260" r:id="rId6"/>
+    <p:sldId id="261" r:id="rId7"/>
+    <p:sldId id="262" r:id="rId8"/>
+    <p:sldId id="263" r:id="rId9"/>
+    <p:sldId id="264" r:id="rId10"/>
+    <p:sldId id="265" r:id="rId11"/>
+    <p:sldId id="266" r:id="rId12"/>
+    <p:sldId id="267" r:id="rId13"/>
+    <p:sldId id="268" r:id="rId14"/>
+    <p:sldId id="269" r:id="rId15"/>
+    <p:sldId id="270" r:id="rId16"/>
   </p:sldIdLst>
   <p:sldSz cx="9144000" cy="6858000" type="screen4x3"/>
   <p:notesSz cx="6858000" cy="9144000"/>
@@ -109,6 +121,31 @@
       </a:defRPr>
     </a:lvl9pPr>
   </p:defaultTextStyle>
+  <p:extLst>
+    <p:ext uri="{521415D9-36F7-43E2-AB2F-B90AF26B5E84}">
+      <p14:sectionLst xmlns:p14="http://schemas.microsoft.com/office/powerpoint/2010/main">
+        <p14:section name="Section par défaut" id="{C9B3DD92-045B-4322-9572-161E3425DD55}">
+          <p14:sldIdLst>
+            <p14:sldId id="256"/>
+            <p14:sldId id="257"/>
+            <p14:sldId id="258"/>
+            <p14:sldId id="259"/>
+            <p14:sldId id="260"/>
+            <p14:sldId id="261"/>
+            <p14:sldId id="262"/>
+            <p14:sldId id="263"/>
+            <p14:sldId id="264"/>
+            <p14:sldId id="265"/>
+            <p14:sldId id="266"/>
+            <p14:sldId id="267"/>
+            <p14:sldId id="268"/>
+            <p14:sldId id="269"/>
+            <p14:sldId id="270"/>
+          </p14:sldIdLst>
+        </p14:section>
+      </p14:sectionLst>
+    </p:ext>
+  </p:extLst>
 </p:presentation>
 </file>
 
@@ -195,7 +232,7 @@
             <a:fld id="{E494A05E-DEA9-4CEA-A63B-3593EEF3AC45}" type="datetimeFigureOut">
               <a:rPr lang="fr-FR" smtClean="0"/>
               <a:pPr/>
-              <a:t>03/10/2015</a:t>
+              <a:t>04/10/2015</a:t>
             </a:fld>
             <a:endParaRPr lang="fr-FR"/>
           </a:p>
@@ -565,6 +602,93 @@
           <a:chExt cx="0" cy="0"/>
         </a:xfrm>
       </p:grpSpPr>
+      <p:pic>
+        <p:nvPicPr>
+          <p:cNvPr id="11" name="Picture 2" descr="C:\Enseignement\GitHub\Informatique\P_05_AlgorithmiqueProgrammation\01_Recursivite\Cours\png\Fond_ALG.png"/>
+          <p:cNvPicPr>
+            <a:picLocks noChangeAspect="1" noChangeArrowheads="1"/>
+          </p:cNvPicPr>
+          <p:nvPr userDrawn="1"/>
+        </p:nvPicPr>
+        <p:blipFill rotWithShape="1">
+          <a:blip r:embed="rId2">
+            <a:extLst>
+              <a:ext uri="{28A0092B-C50C-407E-A947-70E740481C1C}">
+                <a14:useLocalDpi xmlns:a14="http://schemas.microsoft.com/office/drawing/2010/main" val="0"/>
+              </a:ext>
+            </a:extLst>
+          </a:blip>
+          <a:srcRect r="9599"/>
+          <a:stretch/>
+        </p:blipFill>
+        <p:spPr bwMode="auto">
+          <a:xfrm>
+            <a:off x="-16024" y="44624"/>
+            <a:ext cx="9160023" cy="4850816"/>
+          </a:xfrm>
+          <a:prstGeom prst="rect">
+            <a:avLst/>
+          </a:prstGeom>
+          <a:noFill/>
+          <a:extLst>
+            <a:ext uri="{909E8E84-426E-40DD-AFC4-6F175D3DCCD1}">
+              <a14:hiddenFill xmlns:a14="http://schemas.microsoft.com/office/drawing/2010/main">
+                <a:solidFill>
+                  <a:srgbClr val="FFFFFF"/>
+                </a:solidFill>
+              </a14:hiddenFill>
+            </a:ext>
+          </a:extLst>
+        </p:spPr>
+      </p:pic>
+      <p:sp>
+        <p:nvSpPr>
+          <p:cNvPr id="12" name="Rectangle 11"/>
+          <p:cNvSpPr/>
+          <p:nvPr userDrawn="1"/>
+        </p:nvSpPr>
+        <p:spPr>
+          <a:xfrm>
+            <a:off x="0" y="0"/>
+            <a:ext cx="9144000" cy="6858000"/>
+          </a:xfrm>
+          <a:prstGeom prst="rect">
+            <a:avLst/>
+          </a:prstGeom>
+          <a:solidFill>
+            <a:schemeClr val="bg1">
+              <a:alpha val="75000"/>
+            </a:schemeClr>
+          </a:solidFill>
+          <a:ln>
+            <a:noFill/>
+          </a:ln>
+        </p:spPr>
+        <p:style>
+          <a:lnRef idx="2">
+            <a:schemeClr val="accent1">
+              <a:shade val="50000"/>
+            </a:schemeClr>
+          </a:lnRef>
+          <a:fillRef idx="1">
+            <a:schemeClr val="accent1"/>
+          </a:fillRef>
+          <a:effectRef idx="0">
+            <a:schemeClr val="accent1"/>
+          </a:effectRef>
+          <a:fontRef idx="minor">
+            <a:schemeClr val="lt1"/>
+          </a:fontRef>
+        </p:style>
+        <p:txBody>
+          <a:bodyPr rtlCol="0" anchor="ctr"/>
+          <a:lstStyle/>
+          <a:p>
+            <a:pPr algn="ctr"/>
+            <a:endParaRPr lang="fr-FR"/>
+          </a:p>
+        </p:txBody>
+      </p:sp>
       <p:sp>
         <p:nvSpPr>
           <p:cNvPr id="8" name="Titre 7"/>
@@ -693,10 +817,9 @@
             </a:lvl1pPr>
           </a:lstStyle>
           <a:p>
-            <a:fld id="{3A961F90-11F6-4966-B0E5-2BB20F714B78}" type="datetime1">
-              <a:rPr lang="fr-FR" smtClean="0"/>
-              <a:pPr/>
-              <a:t>03/10/2015</a:t>
+            <a:fld id="{6F3208CB-8F26-4BC3-8552-71446892877A}" type="datetime1">
+              <a:rPr lang="fr-FR" smtClean="0"/>
+              <a:t>04/10/2015</a:t>
             </a:fld>
             <a:endParaRPr lang="fr-FR"/>
           </a:p>
@@ -722,6 +845,10 @@
           <a:bodyPr/>
           <a:lstStyle/>
           <a:p>
+            <a:r>
+              <a:rPr lang="fr-FR" smtClean="0"/>
+              <a:t>Programmation récursive - Xavier PESSOLES</a:t>
+            </a:r>
             <a:endParaRPr lang="fr-FR"/>
           </a:p>
         </p:txBody>
@@ -944,6 +1071,13 @@
   <p:clrMapOvr>
     <a:masterClrMapping/>
   </p:clrMapOvr>
+  <p:timing>
+    <p:tnLst>
+      <p:par>
+        <p:cTn id="1" dur="indefinite" restart="never" nodeType="tmRoot"/>
+      </p:par>
+    </p:tnLst>
+  </p:timing>
 </p:sldLayout>
 </file>
 
@@ -1054,10 +1188,9 @@
           <a:bodyPr/>
           <a:lstStyle/>
           <a:p>
-            <a:fld id="{59700BD1-A4B5-444B-B773-B4FDD97DF200}" type="datetime1">
-              <a:rPr lang="fr-FR" smtClean="0"/>
-              <a:pPr/>
-              <a:t>03/10/2015</a:t>
+            <a:fld id="{AB2537EC-3472-4E92-A8DF-A6D471C1F02A}" type="datetime1">
+              <a:rPr lang="fr-FR" smtClean="0"/>
+              <a:t>04/10/2015</a:t>
             </a:fld>
             <a:endParaRPr lang="fr-FR"/>
           </a:p>
@@ -1078,6 +1211,10 @@
           <a:bodyPr/>
           <a:lstStyle/>
           <a:p>
+            <a:r>
+              <a:rPr lang="fr-FR" smtClean="0"/>
+              <a:t>Programmation récursive - Xavier PESSOLES</a:t>
+            </a:r>
             <a:endParaRPr lang="fr-FR"/>
           </a:p>
         </p:txBody>
@@ -1231,10 +1368,9 @@
           <a:bodyPr/>
           <a:lstStyle/>
           <a:p>
-            <a:fld id="{A354AF49-C35E-40F6-8345-CA866716EE79}" type="datetime1">
-              <a:rPr lang="fr-FR" smtClean="0"/>
-              <a:pPr/>
-              <a:t>03/10/2015</a:t>
+            <a:fld id="{E9E4FAC4-F9E9-485C-9DAD-4241257C02F3}" type="datetime1">
+              <a:rPr lang="fr-FR" smtClean="0"/>
+              <a:t>04/10/2015</a:t>
             </a:fld>
             <a:endParaRPr lang="fr-FR"/>
           </a:p>
@@ -1255,6 +1391,10 @@
           <a:bodyPr/>
           <a:lstStyle/>
           <a:p>
+            <a:r>
+              <a:rPr lang="fr-FR" smtClean="0"/>
+              <a:t>Programmation récursive - Xavier PESSOLES</a:t>
+            </a:r>
             <a:endParaRPr lang="fr-FR"/>
           </a:p>
         </p:txBody>
@@ -1440,38 +1580,48 @@
             <p:ph type="title"/>
           </p:nvPr>
         </p:nvSpPr>
+        <p:spPr>
+          <a:xfrm>
+            <a:off x="457200" y="152400"/>
+            <a:ext cx="6995120" cy="990600"/>
+          </a:xfrm>
+        </p:spPr>
+        <p:txBody>
+          <a:bodyPr>
+            <a:normAutofit/>
+          </a:bodyPr>
+          <a:lstStyle>
+            <a:lvl1pPr>
+              <a:defRPr sz="2800" b="1"/>
+            </a:lvl1pPr>
+          </a:lstStyle>
+          <a:p>
+            <a:r>
+              <a:rPr kumimoji="0" lang="fr-FR" dirty="0" smtClean="0"/>
+              <a:t>Cliquez pour modifier le style du titre</a:t>
+            </a:r>
+            <a:endParaRPr kumimoji="0" lang="en-US" dirty="0"/>
+          </a:p>
+        </p:txBody>
+      </p:sp>
+      <p:sp>
+        <p:nvSpPr>
+          <p:cNvPr id="4" name="Espace réservé de la date 3"/>
+          <p:cNvSpPr>
+            <a:spLocks noGrp="1"/>
+          </p:cNvSpPr>
+          <p:nvPr>
+            <p:ph type="dt" sz="half" idx="10"/>
+          </p:nvPr>
+        </p:nvSpPr>
         <p:spPr/>
         <p:txBody>
           <a:bodyPr/>
           <a:lstStyle/>
           <a:p>
-            <a:r>
-              <a:rPr kumimoji="0" lang="fr-FR" smtClean="0"/>
-              <a:t>Cliquez pour modifier le style du titre</a:t>
-            </a:r>
-            <a:endParaRPr kumimoji="0" lang="en-US"/>
-          </a:p>
-        </p:txBody>
-      </p:sp>
-      <p:sp>
-        <p:nvSpPr>
-          <p:cNvPr id="4" name="Espace réservé de la date 3"/>
-          <p:cNvSpPr>
-            <a:spLocks noGrp="1"/>
-          </p:cNvSpPr>
-          <p:nvPr>
-            <p:ph type="dt" sz="half" idx="10"/>
-          </p:nvPr>
-        </p:nvSpPr>
-        <p:spPr/>
-        <p:txBody>
-          <a:bodyPr/>
-          <a:lstStyle/>
-          <a:p>
-            <a:fld id="{EAFEF7E1-4A71-4560-AA4D-33BBAAF32357}" type="datetime1">
-              <a:rPr lang="fr-FR" smtClean="0"/>
-              <a:pPr/>
-              <a:t>03/10/2015</a:t>
+            <a:fld id="{5DBBE032-2739-41E9-BFFA-D79554DBCF20}" type="datetime1">
+              <a:rPr lang="fr-FR" smtClean="0"/>
+              <a:t>04/10/2015</a:t>
             </a:fld>
             <a:endParaRPr lang="fr-FR"/>
           </a:p>
@@ -1487,12 +1637,21 @@
             <p:ph type="ftr" sz="quarter" idx="11"/>
           </p:nvPr>
         </p:nvSpPr>
-        <p:spPr/>
+        <p:spPr>
+          <a:xfrm>
+            <a:off x="2555776" y="6356350"/>
+            <a:ext cx="6588224" cy="365760"/>
+          </a:xfrm>
+        </p:spPr>
         <p:txBody>
           <a:bodyPr/>
           <a:lstStyle/>
           <a:p>
-            <a:endParaRPr lang="fr-FR"/>
+            <a:r>
+              <a:rPr lang="fr-FR" smtClean="0"/>
+              <a:t>Programmation récursive - Xavier PESSOLES</a:t>
+            </a:r>
+            <a:endParaRPr lang="fr-FR" dirty="0"/>
           </a:p>
         </p:txBody>
       </p:sp>
@@ -1577,11 +1736,59 @@
           </a:p>
         </p:txBody>
       </p:sp>
+      <p:pic>
+        <p:nvPicPr>
+          <p:cNvPr id="2050" name="Picture 2" descr="C:\Enseignement\GitHub\Informatique\P_05_AlgorithmiqueProgrammation\01_Recursivite\Cours\png\logo_lycee.png"/>
+          <p:cNvPicPr>
+            <a:picLocks noChangeAspect="1" noChangeArrowheads="1"/>
+          </p:cNvPicPr>
+          <p:nvPr userDrawn="1"/>
+        </p:nvPicPr>
+        <p:blipFill>
+          <a:blip r:embed="rId2" cstate="print">
+            <a:extLst>
+              <a:ext uri="{28A0092B-C50C-407E-A947-70E740481C1C}">
+                <a14:useLocalDpi xmlns:a14="http://schemas.microsoft.com/office/drawing/2010/main" val="0"/>
+              </a:ext>
+            </a:extLst>
+          </a:blip>
+          <a:srcRect/>
+          <a:stretch>
+            <a:fillRect/>
+          </a:stretch>
+        </p:blipFill>
+        <p:spPr bwMode="auto">
+          <a:xfrm>
+            <a:off x="7986755" y="21599"/>
+            <a:ext cx="1124756" cy="908720"/>
+          </a:xfrm>
+          <a:prstGeom prst="rect">
+            <a:avLst/>
+          </a:prstGeom>
+          <a:noFill/>
+          <a:extLst>
+            <a:ext uri="{909E8E84-426E-40DD-AFC4-6F175D3DCCD1}">
+              <a14:hiddenFill xmlns:a14="http://schemas.microsoft.com/office/drawing/2010/main">
+                <a:solidFill>
+                  <a:srgbClr val="FFFFFF"/>
+                </a:solidFill>
+              </a14:hiddenFill>
+            </a:ext>
+          </a:extLst>
+        </p:spPr>
+      </p:pic>
     </p:spTree>
   </p:cSld>
   <p:clrMapOvr>
     <a:masterClrMapping/>
   </p:clrMapOvr>
+  <p:timing>
+    <p:tnLst>
+      <p:par>
+        <p:cTn id="1" dur="indefinite" restart="never" nodeType="tmRoot"/>
+      </p:par>
+    </p:tnLst>
+  </p:timing>
 </p:sldLayout>
 </file>
 
@@ -1739,10 +1946,9 @@
           <a:bodyPr/>
           <a:lstStyle/>
           <a:p>
-            <a:fld id="{9BE6CECE-C4BA-493A-9F45-8F69D8200EC9}" type="datetime1">
-              <a:rPr lang="fr-FR" smtClean="0"/>
-              <a:pPr/>
-              <a:t>03/10/2015</a:t>
+            <a:fld id="{0F398640-5EA9-4205-B4E8-4A460D500E75}" type="datetime1">
+              <a:rPr lang="fr-FR" smtClean="0"/>
+              <a:t>04/10/2015</a:t>
             </a:fld>
             <a:endParaRPr lang="fr-FR"/>
           </a:p>
@@ -1768,6 +1974,10 @@
           <a:bodyPr/>
           <a:lstStyle/>
           <a:p>
+            <a:r>
+              <a:rPr lang="fr-FR" smtClean="0"/>
+              <a:t>Programmation récursive - Xavier PESSOLES</a:t>
+            </a:r>
             <a:endParaRPr lang="fr-FR"/>
           </a:p>
         </p:txBody>
@@ -1961,10 +2171,9 @@
           <a:bodyPr/>
           <a:lstStyle/>
           <a:p>
-            <a:fld id="{6B400324-51BB-4021-B482-6C084AB66459}" type="datetime1">
-              <a:rPr lang="fr-FR" smtClean="0"/>
-              <a:pPr/>
-              <a:t>03/10/2015</a:t>
+            <a:fld id="{9D59B31E-2A1F-4679-9525-5D5C5E70AA1B}" type="datetime1">
+              <a:rPr lang="fr-FR" smtClean="0"/>
+              <a:t>04/10/2015</a:t>
             </a:fld>
             <a:endParaRPr lang="fr-FR"/>
           </a:p>
@@ -1985,6 +2194,10 @@
           <a:bodyPr/>
           <a:lstStyle/>
           <a:p>
+            <a:r>
+              <a:rPr lang="fr-FR" smtClean="0"/>
+              <a:t>Programmation récursive - Xavier PESSOLES</a:t>
+            </a:r>
             <a:endParaRPr lang="fr-FR"/>
           </a:p>
         </p:txBody>
@@ -2315,10 +2528,9 @@
           <a:bodyPr/>
           <a:lstStyle/>
           <a:p>
-            <a:fld id="{87C4A39B-E1E0-4B19-A965-1E1097FB3AF3}" type="datetime1">
-              <a:rPr lang="fr-FR" smtClean="0"/>
-              <a:pPr/>
-              <a:t>03/10/2015</a:t>
+            <a:fld id="{C8F5E3A9-B003-4E22-B657-208D1CAF043C}" type="datetime1">
+              <a:rPr lang="fr-FR" smtClean="0"/>
+              <a:t>04/10/2015</a:t>
             </a:fld>
             <a:endParaRPr lang="fr-FR"/>
           </a:p>
@@ -2339,6 +2551,10 @@
           <a:bodyPr/>
           <a:lstStyle/>
           <a:p>
+            <a:r>
+              <a:rPr lang="fr-FR" smtClean="0"/>
+              <a:t>Programmation récursive - Xavier PESSOLES</a:t>
+            </a:r>
             <a:endParaRPr lang="fr-FR"/>
           </a:p>
         </p:txBody>
@@ -2549,10 +2765,9 @@
           <a:bodyPr/>
           <a:lstStyle/>
           <a:p>
-            <a:fld id="{CEF5A761-699F-4B94-BA43-1E8C0C9C554B}" type="datetime1">
-              <a:rPr lang="fr-FR" smtClean="0"/>
-              <a:pPr/>
-              <a:t>03/10/2015</a:t>
+            <a:fld id="{6CE811C2-721D-4ADE-A8E5-DB9CA684F9A0}" type="datetime1">
+              <a:rPr lang="fr-FR" smtClean="0"/>
+              <a:t>04/10/2015</a:t>
             </a:fld>
             <a:endParaRPr lang="fr-FR"/>
           </a:p>
@@ -2573,6 +2788,10 @@
           <a:bodyPr/>
           <a:lstStyle/>
           <a:p>
+            <a:r>
+              <a:rPr lang="fr-FR" smtClean="0"/>
+              <a:t>Programmation récursive - Xavier PESSOLES</a:t>
+            </a:r>
             <a:endParaRPr lang="fr-FR"/>
           </a:p>
         </p:txBody>
@@ -2691,10 +2910,9 @@
           <a:bodyPr/>
           <a:lstStyle/>
           <a:p>
-            <a:fld id="{E407DE65-0759-4C9C-9804-8C4C0AC5F8D7}" type="datetime1">
-              <a:rPr lang="fr-FR" smtClean="0"/>
-              <a:pPr/>
-              <a:t>03/10/2015</a:t>
+            <a:fld id="{069DEDAF-1EB9-4A8E-B613-32778F5A70AC}" type="datetime1">
+              <a:rPr lang="fr-FR" smtClean="0"/>
+              <a:t>04/10/2015</a:t>
             </a:fld>
             <a:endParaRPr lang="fr-FR"/>
           </a:p>
@@ -2715,6 +2933,10 @@
           <a:bodyPr/>
           <a:lstStyle/>
           <a:p>
+            <a:r>
+              <a:rPr lang="fr-FR" smtClean="0"/>
+              <a:t>Programmation récursive - Xavier PESSOLES</a:t>
+            </a:r>
             <a:endParaRPr lang="fr-FR"/>
           </a:p>
         </p:txBody>
@@ -2970,10 +3192,9 @@
           <a:bodyPr/>
           <a:lstStyle/>
           <a:p>
-            <a:fld id="{6DCAF433-E5EB-4B74-B8BB-3F6D9EEAE800}" type="datetime1">
-              <a:rPr lang="fr-FR" smtClean="0"/>
-              <a:pPr/>
-              <a:t>03/10/2015</a:t>
+            <a:fld id="{A8E390A0-3CAB-45E0-9DB0-49D4ED1C3ED3}" type="datetime1">
+              <a:rPr lang="fr-FR" smtClean="0"/>
+              <a:t>04/10/2015</a:t>
             </a:fld>
             <a:endParaRPr lang="fr-FR"/>
           </a:p>
@@ -2994,6 +3215,10 @@
           <a:bodyPr/>
           <a:lstStyle/>
           <a:p>
+            <a:r>
+              <a:rPr lang="fr-FR" smtClean="0"/>
+              <a:t>Programmation récursive - Xavier PESSOLES</a:t>
+            </a:r>
             <a:endParaRPr lang="fr-FR"/>
           </a:p>
         </p:txBody>
@@ -3379,10 +3604,9 @@
           <a:bodyPr/>
           <a:lstStyle/>
           <a:p>
-            <a:fld id="{E5AEAC06-18E9-471A-B77A-CDA5C363BF1F}" type="datetime1">
-              <a:rPr lang="fr-FR" smtClean="0"/>
-              <a:pPr/>
-              <a:t>03/10/2015</a:t>
+            <a:fld id="{138D6DEB-EE8C-4DFD-8DA3-F3E9B3C4A181}" type="datetime1">
+              <a:rPr lang="fr-FR" smtClean="0"/>
+              <a:t>04/10/2015</a:t>
             </a:fld>
             <a:endParaRPr lang="fr-FR"/>
           </a:p>
@@ -3403,6 +3627,10 @@
           <a:bodyPr/>
           <a:lstStyle/>
           <a:p>
+            <a:r>
+              <a:rPr lang="fr-FR" smtClean="0"/>
+              <a:t>Programmation récursive - Xavier PESSOLES</a:t>
+            </a:r>
             <a:endParaRPr lang="fr-FR"/>
           </a:p>
         </p:txBody>
@@ -3719,10 +3947,9 @@
             </a:lvl1pPr>
           </a:lstStyle>
           <a:p>
-            <a:fld id="{B9178431-C703-4FD6-9F6F-E8F5512852E2}" type="datetime1">
-              <a:rPr lang="fr-FR" smtClean="0"/>
-              <a:pPr/>
-              <a:t>03/10/2015</a:t>
+            <a:fld id="{A21BA41E-DF15-46EA-A955-C13EC325515C}" type="datetime1">
+              <a:rPr lang="fr-FR" smtClean="0"/>
+              <a:t>04/10/2015</a:t>
             </a:fld>
             <a:endParaRPr lang="fr-FR"/>
           </a:p>
@@ -3759,6 +3986,10 @@
             </a:lvl1pPr>
           </a:lstStyle>
           <a:p>
+            <a:r>
+              <a:rPr lang="fr-FR" smtClean="0"/>
+              <a:t>Programmation récursive - Xavier PESSOLES</a:t>
+            </a:r>
             <a:endParaRPr lang="fr-FR"/>
           </a:p>
         </p:txBody>
@@ -3941,7 +4172,14 @@
     <p:sldLayoutId id="2147483694" r:id="rId10"/>
     <p:sldLayoutId id="2147483695" r:id="rId11"/>
   </p:sldLayoutIdLst>
-  <p:hf hdr="0" ftr="0" dt="0"/>
+  <p:timing>
+    <p:tnLst>
+      <p:par>
+        <p:cTn id="1" dur="indefinite" restart="never" nodeType="tmRoot"/>
+      </p:par>
+    </p:tnLst>
+  </p:timing>
+  <p:hf hdr="0" dt="0"/>
   <p:txStyles>
     <p:titleStyle>
       <a:lvl1pPr algn="l" rtl="0" eaLnBrk="1" latinLnBrk="0" hangingPunct="1">
@@ -4274,13 +4512,24 @@
           <a:p>
             <a:r>
               <a:rPr lang="fr-FR" dirty="0" smtClean="0"/>
-              <a:t>Partie 5</a:t>
+              <a:t/>
             </a:r>
             <a:br>
               <a:rPr lang="fr-FR" dirty="0" smtClean="0"/>
             </a:br>
             <a:r>
               <a:rPr lang="fr-FR" dirty="0" smtClean="0"/>
+              <a:t>Partie </a:t>
+            </a:r>
+            <a:r>
+              <a:rPr lang="fr-FR" dirty="0" smtClean="0"/>
+              <a:t>5</a:t>
+            </a:r>
+            <a:br>
+              <a:rPr lang="fr-FR" dirty="0" smtClean="0"/>
+            </a:br>
+            <a:r>
+              <a:rPr lang="fr-FR" dirty="0" smtClean="0"/>
               <a:t>Algorithme &amp; Programmation II</a:t>
             </a:r>
             <a:endParaRPr lang="fr-FR" dirty="0"/>
@@ -4310,7 +4559,1656 @@
           </a:p>
         </p:txBody>
       </p:sp>
+      <mc:AlternateContent xmlns:mc="http://schemas.openxmlformats.org/markup-compatibility/2006">
+        <mc:Choice xmlns:a14="http://schemas.microsoft.com/office/drawing/2010/main" Requires="a14">
+          <p:sp>
+            <p:nvSpPr>
+              <p:cNvPr id="4" name="Sous-titre 2"/>
+              <p:cNvSpPr txBox="1">
+                <a:spLocks/>
+              </p:cNvSpPr>
+              <p:nvPr/>
+            </p:nvSpPr>
+            <p:spPr>
+              <a:xfrm>
+                <a:off x="-16024" y="6324600"/>
+                <a:ext cx="9160024" cy="533400"/>
+              </a:xfrm>
+              <a:prstGeom prst="rect">
+                <a:avLst/>
+              </a:prstGeom>
+            </p:spPr>
+            <p:txBody>
+              <a:bodyPr vert="horz">
+                <a:normAutofit fontScale="85000" lnSpcReduction="20000"/>
+              </a:bodyPr>
+              <a:lstStyle>
+                <a:lvl1pPr marL="0" indent="0" algn="r" rtl="0" eaLnBrk="1" latinLnBrk="0" hangingPunct="1">
+                  <a:spcBef>
+                    <a:spcPts val="600"/>
+                  </a:spcBef>
+                  <a:buClr>
+                    <a:schemeClr val="accent1"/>
+                  </a:buClr>
+                  <a:buSzPct val="76000"/>
+                  <a:buFont typeface="Wingdings 3"/>
+                  <a:buNone/>
+                  <a:defRPr kumimoji="0" sz="1800" kern="1200">
+                    <a:solidFill>
+                      <a:schemeClr val="tx2"/>
+                    </a:solidFill>
+                    <a:latin typeface="+mj-lt"/>
+                    <a:ea typeface="+mj-ea"/>
+                    <a:cs typeface="+mj-cs"/>
+                  </a:defRPr>
+                </a:lvl1pPr>
+                <a:lvl2pPr marL="457200" indent="0" algn="ctr" rtl="0" eaLnBrk="1" latinLnBrk="0" hangingPunct="1">
+                  <a:spcBef>
+                    <a:spcPts val="500"/>
+                  </a:spcBef>
+                  <a:buClr>
+                    <a:schemeClr val="accent2"/>
+                  </a:buClr>
+                  <a:buSzPct val="76000"/>
+                  <a:buFont typeface="Wingdings 3"/>
+                  <a:buNone/>
+                  <a:defRPr kumimoji="0" sz="2000" kern="1200">
+                    <a:solidFill>
+                      <a:schemeClr val="tx2"/>
+                    </a:solidFill>
+                    <a:latin typeface="+mn-lt"/>
+                    <a:ea typeface="+mn-ea"/>
+                    <a:cs typeface="+mn-cs"/>
+                  </a:defRPr>
+                </a:lvl2pPr>
+                <a:lvl3pPr marL="914400" indent="0" algn="ctr" rtl="0" eaLnBrk="1" latinLnBrk="0" hangingPunct="1">
+                  <a:spcBef>
+                    <a:spcPts val="500"/>
+                  </a:spcBef>
+                  <a:buClr>
+                    <a:schemeClr val="bg1">
+                      <a:shade val="50000"/>
+                    </a:schemeClr>
+                  </a:buClr>
+                  <a:buSzPct val="76000"/>
+                  <a:buFont typeface="Wingdings 3"/>
+                  <a:buNone/>
+                  <a:defRPr kumimoji="0" sz="1800" kern="1200">
+                    <a:solidFill>
+                      <a:schemeClr val="tx1"/>
+                    </a:solidFill>
+                    <a:latin typeface="+mn-lt"/>
+                    <a:ea typeface="+mn-ea"/>
+                    <a:cs typeface="+mn-cs"/>
+                  </a:defRPr>
+                </a:lvl3pPr>
+                <a:lvl4pPr marL="1371600" indent="0" algn="ctr" rtl="0" eaLnBrk="1" latinLnBrk="0" hangingPunct="1">
+                  <a:spcBef>
+                    <a:spcPts val="400"/>
+                  </a:spcBef>
+                  <a:buClr>
+                    <a:schemeClr val="accent2">
+                      <a:shade val="75000"/>
+                    </a:schemeClr>
+                  </a:buClr>
+                  <a:buSzPct val="70000"/>
+                  <a:buFont typeface="Wingdings"/>
+                  <a:buNone/>
+                  <a:defRPr kumimoji="0" sz="1600" kern="1200">
+                    <a:solidFill>
+                      <a:schemeClr val="tx1"/>
+                    </a:solidFill>
+                    <a:latin typeface="+mn-lt"/>
+                    <a:ea typeface="+mn-ea"/>
+                    <a:cs typeface="+mn-cs"/>
+                  </a:defRPr>
+                </a:lvl4pPr>
+                <a:lvl5pPr marL="1828800" indent="0" algn="ctr" rtl="0" eaLnBrk="1" latinLnBrk="0" hangingPunct="1">
+                  <a:spcBef>
+                    <a:spcPts val="300"/>
+                  </a:spcBef>
+                  <a:buClr>
+                    <a:schemeClr val="accent2"/>
+                  </a:buClr>
+                  <a:buSzPct val="70000"/>
+                  <a:buFont typeface="Wingdings"/>
+                  <a:buNone/>
+                  <a:defRPr kumimoji="0" sz="1400" kern="1200">
+                    <a:solidFill>
+                      <a:schemeClr val="tx1"/>
+                    </a:solidFill>
+                    <a:latin typeface="+mn-lt"/>
+                    <a:ea typeface="+mn-ea"/>
+                    <a:cs typeface="+mn-cs"/>
+                  </a:defRPr>
+                </a:lvl5pPr>
+                <a:lvl6pPr marL="2286000" indent="0" algn="ctr" rtl="0" eaLnBrk="1" latinLnBrk="0" hangingPunct="1">
+                  <a:spcBef>
+                    <a:spcPts val="300"/>
+                  </a:spcBef>
+                  <a:buClr>
+                    <a:srgbClr val="9FB8CD">
+                      <a:shade val="75000"/>
+                    </a:srgbClr>
+                  </a:buClr>
+                  <a:buSzPct val="75000"/>
+                  <a:buFont typeface="Wingdings 3"/>
+                  <a:buNone/>
+                  <a:defRPr kumimoji="0" lang="en-US" sz="1600" kern="1200" smtClean="0">
+                    <a:solidFill>
+                      <a:schemeClr val="tx1"/>
+                    </a:solidFill>
+                    <a:latin typeface="+mn-lt"/>
+                    <a:ea typeface="+mn-ea"/>
+                    <a:cs typeface="+mn-cs"/>
+                  </a:defRPr>
+                </a:lvl6pPr>
+                <a:lvl7pPr marL="2743200" indent="0" algn="ctr" rtl="0" eaLnBrk="1" latinLnBrk="0" hangingPunct="1">
+                  <a:spcBef>
+                    <a:spcPts val="300"/>
+                  </a:spcBef>
+                  <a:buClr>
+                    <a:srgbClr val="727CA3">
+                      <a:shade val="75000"/>
+                    </a:srgbClr>
+                  </a:buClr>
+                  <a:buSzPct val="75000"/>
+                  <a:buFont typeface="Wingdings 3"/>
+                  <a:buNone/>
+                  <a:defRPr kumimoji="0" lang="en-US" sz="1400" kern="1200" smtClean="0">
+                    <a:solidFill>
+                      <a:schemeClr val="tx1"/>
+                    </a:solidFill>
+                    <a:latin typeface="+mn-lt"/>
+                    <a:ea typeface="+mn-ea"/>
+                    <a:cs typeface="+mn-cs"/>
+                  </a:defRPr>
+                </a:lvl7pPr>
+                <a:lvl8pPr marL="3200400" indent="0" algn="ctr" rtl="0" eaLnBrk="1" latinLnBrk="0" hangingPunct="1">
+                  <a:spcBef>
+                    <a:spcPts val="300"/>
+                  </a:spcBef>
+                  <a:buClr>
+                    <a:prstClr val="white">
+                      <a:shade val="50000"/>
+                    </a:prstClr>
+                  </a:buClr>
+                  <a:buSzPct val="75000"/>
+                  <a:buFont typeface="Wingdings 3"/>
+                  <a:buNone/>
+                  <a:defRPr kumimoji="0" lang="en-US" sz="1400" kern="1200" smtClean="0">
+                    <a:solidFill>
+                      <a:schemeClr val="tx1"/>
+                    </a:solidFill>
+                    <a:latin typeface="+mn-lt"/>
+                    <a:ea typeface="+mn-ea"/>
+                    <a:cs typeface="+mn-cs"/>
+                  </a:defRPr>
+                </a:lvl8pPr>
+                <a:lvl9pPr marL="3657600" indent="0" algn="ctr" rtl="0" eaLnBrk="1" latinLnBrk="0" hangingPunct="1">
+                  <a:spcBef>
+                    <a:spcPts val="300"/>
+                  </a:spcBef>
+                  <a:buClr>
+                    <a:srgbClr val="9FB8CD"/>
+                  </a:buClr>
+                  <a:buSzPct val="75000"/>
+                  <a:buFont typeface="Wingdings 3"/>
+                  <a:buNone/>
+                  <a:defRPr kumimoji="0" lang="en-US" sz="1200" kern="1200" smtClean="0">
+                    <a:solidFill>
+                      <a:schemeClr val="tx1"/>
+                    </a:solidFill>
+                    <a:latin typeface="+mn-lt"/>
+                    <a:ea typeface="+mn-ea"/>
+                    <a:cs typeface="+mn-cs"/>
+                  </a:defRPr>
+                </a:lvl9pPr>
+              </a:lstStyle>
+              <a:p>
+                <a:pPr algn="ctr"/>
+                <a:r>
+                  <a:rPr lang="fr-FR" dirty="0" smtClean="0"/>
+                  <a:t>Lycée de La Martinière </a:t>
+                </a:r>
+                <a:r>
+                  <a:rPr lang="fr-FR" dirty="0" err="1" smtClean="0"/>
+                  <a:t>Monplaisir</a:t>
+                </a:r>
+                <a:r>
+                  <a:rPr lang="fr-FR" dirty="0"/>
+                  <a:t> </a:t>
+                </a:r>
+                <a:r>
+                  <a:rPr lang="fr-FR" dirty="0" smtClean="0"/>
+                  <a:t>– PT – PT</a:t>
+                </a:r>
+                <a14:m>
+                  <m:oMath xmlns:m="http://schemas.openxmlformats.org/officeDocument/2006/math">
+                    <m:r>
+                      <a:rPr lang="fr-FR" b="0" i="1" smtClean="0">
+                        <a:latin typeface="Cambria Math"/>
+                      </a:rPr>
+                      <m:t>⋆</m:t>
+                    </m:r>
+                  </m:oMath>
+                </a14:m>
+                <a:endParaRPr lang="fr-FR" dirty="0"/>
+              </a:p>
+              <a:p>
+                <a:pPr algn="ctr"/>
+                <a:r>
+                  <a:rPr lang="fr-FR" dirty="0" smtClean="0"/>
+                  <a:t>Xavier PESSOLES </a:t>
+                </a:r>
+                <a:endParaRPr lang="fr-FR" dirty="0"/>
+              </a:p>
+            </p:txBody>
+          </p:sp>
+        </mc:Choice>
+        <mc:Fallback>
+          <p:sp>
+            <p:nvSpPr>
+              <p:cNvPr id="4" name="Sous-titre 2"/>
+              <p:cNvSpPr txBox="1">
+                <a:spLocks noRot="1" noChangeAspect="1" noMove="1" noResize="1" noEditPoints="1" noAdjustHandles="1" noChangeArrowheads="1" noChangeShapeType="1" noTextEdit="1"/>
+              </p:cNvSpPr>
+              <p:nvPr/>
+            </p:nvSpPr>
+            <p:spPr>
+              <a:xfrm>
+                <a:off x="-16024" y="6324600"/>
+                <a:ext cx="9160024" cy="533400"/>
+              </a:xfrm>
+              <a:prstGeom prst="rect">
+                <a:avLst/>
+              </a:prstGeom>
+              <a:blipFill rotWithShape="1">
+                <a:blip r:embed="rId3"/>
+                <a:stretch>
+                  <a:fillRect t="-10345" b="-11494"/>
+                </a:stretch>
+              </a:blipFill>
+            </p:spPr>
+            <p:txBody>
+              <a:bodyPr/>
+              <a:lstStyle/>
+              <a:p>
+                <a:r>
+                  <a:rPr lang="fr-FR">
+                    <a:noFill/>
+                  </a:rPr>
+                  <a:t> </a:t>
+                </a:r>
+              </a:p>
+            </p:txBody>
+          </p:sp>
+        </mc:Fallback>
+      </mc:AlternateContent>
+      <p:pic>
+        <p:nvPicPr>
+          <p:cNvPr id="1027" name="Picture 3" descr="C:\Enseignement\GitHub\Informatique\P_05_AlgorithmiqueProgrammation\01_Recursivite\Cours\images\mandel.jpg"/>
+          <p:cNvPicPr>
+            <a:picLocks noChangeAspect="1" noChangeArrowheads="1"/>
+          </p:cNvPicPr>
+          <p:nvPr/>
+        </p:nvPicPr>
+        <p:blipFill>
+          <a:blip r:embed="rId4" cstate="print">
+            <a:extLst>
+              <a:ext uri="{28A0092B-C50C-407E-A947-70E740481C1C}">
+                <a14:useLocalDpi xmlns:a14="http://schemas.microsoft.com/office/drawing/2010/main" val="0"/>
+              </a:ext>
+            </a:extLst>
+          </a:blip>
+          <a:srcRect/>
+          <a:stretch>
+            <a:fillRect/>
+          </a:stretch>
+        </p:blipFill>
+        <p:spPr bwMode="auto">
+          <a:xfrm>
+            <a:off x="1403648" y="3284984"/>
+            <a:ext cx="1951038" cy="1463675"/>
+          </a:xfrm>
+          <a:prstGeom prst="rect">
+            <a:avLst/>
+          </a:prstGeom>
+          <a:noFill/>
+          <a:extLst>
+            <a:ext uri="{909E8E84-426E-40DD-AFC4-6F175D3DCCD1}">
+              <a14:hiddenFill xmlns:a14="http://schemas.microsoft.com/office/drawing/2010/main">
+                <a:solidFill>
+                  <a:srgbClr val="FFFFFF"/>
+                </a:solidFill>
+              </a14:hiddenFill>
+            </a:ext>
+          </a:extLst>
+        </p:spPr>
+      </p:pic>
     </p:spTree>
+  </p:cSld>
+  <p:clrMapOvr>
+    <a:masterClrMapping/>
+  </p:clrMapOvr>
+  <p:timing>
+    <p:tnLst>
+      <p:par>
+        <p:cTn id="1" dur="indefinite" restart="never" nodeType="tmRoot"/>
+      </p:par>
+    </p:tnLst>
+  </p:timing>
+</p:sld>
+</file>
+
+<file path=ppt/slides/slide10.xml><?xml version="1.0" encoding="utf-8"?>
+<p:sld xmlns:a="http://schemas.openxmlformats.org/drawingml/2006/main" xmlns:r="http://schemas.openxmlformats.org/officeDocument/2006/relationships" xmlns:p="http://schemas.openxmlformats.org/presentationml/2006/main">
+  <p:cSld>
+    <p:spTree>
+      <p:nvGrpSpPr>
+        <p:cNvPr id="1" name=""/>
+        <p:cNvGrpSpPr/>
+        <p:nvPr/>
+      </p:nvGrpSpPr>
+      <p:grpSpPr>
+        <a:xfrm>
+          <a:off x="0" y="0"/>
+          <a:ext cx="0" cy="0"/>
+          <a:chOff x="0" y="0"/>
+          <a:chExt cx="0" cy="0"/>
+        </a:xfrm>
+      </p:grpSpPr>
+      <p:sp>
+        <p:nvSpPr>
+          <p:cNvPr id="2" name="Titre 1"/>
+          <p:cNvSpPr>
+            <a:spLocks noGrp="1"/>
+          </p:cNvSpPr>
+          <p:nvPr>
+            <p:ph type="title"/>
+          </p:nvPr>
+        </p:nvSpPr>
+        <p:spPr/>
+        <p:txBody>
+          <a:bodyPr/>
+          <a:lstStyle/>
+          <a:p>
+            <a:r>
+              <a:rPr lang="fr-FR" dirty="0"/>
+              <a:t>Analyse des algorithmes récursifs</a:t>
+            </a:r>
+            <a:br>
+              <a:rPr lang="fr-FR" dirty="0"/>
+            </a:br>
+            <a:r>
+              <a:rPr lang="fr-FR" dirty="0" smtClean="0"/>
+              <a:t>Notion de pile d’exécution</a:t>
+            </a:r>
+            <a:endParaRPr lang="fr-FR" dirty="0"/>
+          </a:p>
+        </p:txBody>
+      </p:sp>
+      <p:sp>
+        <p:nvSpPr>
+          <p:cNvPr id="3" name="Espace réservé du pied de page 2"/>
+          <p:cNvSpPr>
+            <a:spLocks noGrp="1"/>
+          </p:cNvSpPr>
+          <p:nvPr>
+            <p:ph type="ftr" sz="quarter" idx="11"/>
+          </p:nvPr>
+        </p:nvSpPr>
+        <p:spPr/>
+        <p:txBody>
+          <a:bodyPr/>
+          <a:lstStyle/>
+          <a:p>
+            <a:r>
+              <a:rPr lang="fr-FR" smtClean="0"/>
+              <a:t>Programmation récursive - Xavier PESSOLES</a:t>
+            </a:r>
+            <a:endParaRPr lang="fr-FR" dirty="0"/>
+          </a:p>
+        </p:txBody>
+      </p:sp>
+      <p:sp>
+        <p:nvSpPr>
+          <p:cNvPr id="4" name="Espace réservé du numéro de diapositive 3"/>
+          <p:cNvSpPr>
+            <a:spLocks noGrp="1"/>
+          </p:cNvSpPr>
+          <p:nvPr>
+            <p:ph type="sldNum" sz="quarter" idx="12"/>
+          </p:nvPr>
+        </p:nvSpPr>
+        <p:spPr/>
+        <p:txBody>
+          <a:bodyPr/>
+          <a:lstStyle/>
+          <a:p>
+            <a:fld id="{3F1D8263-54E8-442D-88B4-DA252C595E3D}" type="slidenum">
+              <a:rPr lang="fr-FR" smtClean="0"/>
+              <a:pPr/>
+              <a:t>10</a:t>
+            </a:fld>
+            <a:endParaRPr lang="fr-FR"/>
+          </a:p>
+        </p:txBody>
+      </p:sp>
+      <p:sp>
+        <p:nvSpPr>
+          <p:cNvPr id="5" name="Espace réservé du contenu 4"/>
+          <p:cNvSpPr>
+            <a:spLocks noGrp="1"/>
+          </p:cNvSpPr>
+          <p:nvPr>
+            <p:ph sz="quarter" idx="1"/>
+          </p:nvPr>
+        </p:nvSpPr>
+        <p:spPr/>
+        <p:txBody>
+          <a:bodyPr/>
+          <a:lstStyle/>
+          <a:p>
+            <a:endParaRPr lang="fr-FR" dirty="0"/>
+          </a:p>
+        </p:txBody>
+      </p:sp>
+      <p:pic>
+        <p:nvPicPr>
+          <p:cNvPr id="9218" name="Picture 2"/>
+          <p:cNvPicPr>
+            <a:picLocks noChangeAspect="1" noChangeArrowheads="1"/>
+          </p:cNvPicPr>
+          <p:nvPr/>
+        </p:nvPicPr>
+        <p:blipFill>
+          <a:blip r:embed="rId2">
+            <a:extLst>
+              <a:ext uri="{28A0092B-C50C-407E-A947-70E740481C1C}">
+                <a14:useLocalDpi xmlns:a14="http://schemas.microsoft.com/office/drawing/2010/main" val="0"/>
+              </a:ext>
+            </a:extLst>
+          </a:blip>
+          <a:srcRect/>
+          <a:stretch>
+            <a:fillRect/>
+          </a:stretch>
+        </p:blipFill>
+        <p:spPr bwMode="auto">
+          <a:xfrm>
+            <a:off x="0" y="1988840"/>
+            <a:ext cx="9052927" cy="3330873"/>
+          </a:xfrm>
+          <a:prstGeom prst="rect">
+            <a:avLst/>
+          </a:prstGeom>
+          <a:noFill/>
+          <a:ln>
+            <a:noFill/>
+          </a:ln>
+          <a:effectLst/>
+          <a:extLst>
+            <a:ext uri="{909E8E84-426E-40DD-AFC4-6F175D3DCCD1}">
+              <a14:hiddenFill xmlns:a14="http://schemas.microsoft.com/office/drawing/2010/main">
+                <a:solidFill>
+                  <a:schemeClr val="accent1"/>
+                </a:solidFill>
+              </a14:hiddenFill>
+            </a:ext>
+            <a:ext uri="{91240B29-F687-4F45-9708-019B960494DF}">
+              <a14:hiddenLine xmlns:a14="http://schemas.microsoft.com/office/drawing/2010/main" w="9525">
+                <a:solidFill>
+                  <a:schemeClr val="tx1"/>
+                </a:solidFill>
+                <a:miter lim="800000"/>
+                <a:headEnd/>
+                <a:tailEnd/>
+              </a14:hiddenLine>
+            </a:ext>
+            <a:ext uri="{AF507438-7753-43E0-B8FC-AC1667EBCBE1}">
+              <a14:hiddenEffects xmlns:a14="http://schemas.microsoft.com/office/drawing/2010/main">
+                <a:effectLst>
+                  <a:outerShdw dist="35921" dir="2700000" algn="ctr" rotWithShape="0">
+                    <a:schemeClr val="bg2"/>
+                  </a:outerShdw>
+                </a:effectLst>
+              </a14:hiddenEffects>
+            </a:ext>
+          </a:extLst>
+        </p:spPr>
+      </p:pic>
+    </p:spTree>
+    <p:extLst>
+      <p:ext uri="{BB962C8B-B14F-4D97-AF65-F5344CB8AC3E}">
+        <p14:creationId xmlns:p14="http://schemas.microsoft.com/office/powerpoint/2010/main" val="334669248"/>
+      </p:ext>
+    </p:extLst>
+  </p:cSld>
+  <p:clrMapOvr>
+    <a:masterClrMapping/>
+  </p:clrMapOvr>
+  <p:timing>
+    <p:tnLst>
+      <p:par>
+        <p:cTn id="1" dur="indefinite" restart="never" nodeType="tmRoot"/>
+      </p:par>
+    </p:tnLst>
+  </p:timing>
+</p:sld>
+</file>
+
+<file path=ppt/slides/slide11.xml><?xml version="1.0" encoding="utf-8"?>
+<p:sld xmlns:a="http://schemas.openxmlformats.org/drawingml/2006/main" xmlns:r="http://schemas.openxmlformats.org/officeDocument/2006/relationships" xmlns:p="http://schemas.openxmlformats.org/presentationml/2006/main">
+  <p:cSld>
+    <p:spTree>
+      <p:nvGrpSpPr>
+        <p:cNvPr id="1" name=""/>
+        <p:cNvGrpSpPr/>
+        <p:nvPr/>
+      </p:nvGrpSpPr>
+      <p:grpSpPr>
+        <a:xfrm>
+          <a:off x="0" y="0"/>
+          <a:ext cx="0" cy="0"/>
+          <a:chOff x="0" y="0"/>
+          <a:chExt cx="0" cy="0"/>
+        </a:xfrm>
+      </p:grpSpPr>
+      <p:sp>
+        <p:nvSpPr>
+          <p:cNvPr id="2" name="Titre 1"/>
+          <p:cNvSpPr>
+            <a:spLocks noGrp="1"/>
+          </p:cNvSpPr>
+          <p:nvPr>
+            <p:ph type="title"/>
+          </p:nvPr>
+        </p:nvSpPr>
+        <p:spPr/>
+        <p:txBody>
+          <a:bodyPr/>
+          <a:lstStyle/>
+          <a:p>
+            <a:r>
+              <a:rPr lang="fr-FR" dirty="0"/>
+              <a:t>Analyse des algorithmes récursifs</a:t>
+            </a:r>
+            <a:br>
+              <a:rPr lang="fr-FR" dirty="0"/>
+            </a:br>
+            <a:r>
+              <a:rPr lang="fr-FR" dirty="0" smtClean="0"/>
+              <a:t>Exponentiation rapide</a:t>
+            </a:r>
+            <a:endParaRPr lang="fr-FR" dirty="0"/>
+          </a:p>
+        </p:txBody>
+      </p:sp>
+      <p:sp>
+        <p:nvSpPr>
+          <p:cNvPr id="3" name="Espace réservé du pied de page 2"/>
+          <p:cNvSpPr>
+            <a:spLocks noGrp="1"/>
+          </p:cNvSpPr>
+          <p:nvPr>
+            <p:ph type="ftr" sz="quarter" idx="11"/>
+          </p:nvPr>
+        </p:nvSpPr>
+        <p:spPr/>
+        <p:txBody>
+          <a:bodyPr/>
+          <a:lstStyle/>
+          <a:p>
+            <a:r>
+              <a:rPr lang="fr-FR" smtClean="0"/>
+              <a:t>Programmation récursive - Xavier PESSOLES</a:t>
+            </a:r>
+            <a:endParaRPr lang="fr-FR" dirty="0"/>
+          </a:p>
+        </p:txBody>
+      </p:sp>
+      <p:sp>
+        <p:nvSpPr>
+          <p:cNvPr id="4" name="Espace réservé du numéro de diapositive 3"/>
+          <p:cNvSpPr>
+            <a:spLocks noGrp="1"/>
+          </p:cNvSpPr>
+          <p:nvPr>
+            <p:ph type="sldNum" sz="quarter" idx="12"/>
+          </p:nvPr>
+        </p:nvSpPr>
+        <p:spPr/>
+        <p:txBody>
+          <a:bodyPr/>
+          <a:lstStyle/>
+          <a:p>
+            <a:fld id="{3F1D8263-54E8-442D-88B4-DA252C595E3D}" type="slidenum">
+              <a:rPr lang="fr-FR" smtClean="0"/>
+              <a:pPr/>
+              <a:t>11</a:t>
+            </a:fld>
+            <a:endParaRPr lang="fr-FR"/>
+          </a:p>
+        </p:txBody>
+      </p:sp>
+      <p:sp>
+        <p:nvSpPr>
+          <p:cNvPr id="5" name="Espace réservé du contenu 4"/>
+          <p:cNvSpPr>
+            <a:spLocks noGrp="1"/>
+          </p:cNvSpPr>
+          <p:nvPr>
+            <p:ph sz="quarter" idx="1"/>
+          </p:nvPr>
+        </p:nvSpPr>
+        <p:spPr/>
+        <p:txBody>
+          <a:bodyPr/>
+          <a:lstStyle/>
+          <a:p>
+            <a:endParaRPr lang="fr-FR" dirty="0"/>
+          </a:p>
+        </p:txBody>
+      </p:sp>
+      <p:pic>
+        <p:nvPicPr>
+          <p:cNvPr id="10242" name="Picture 2"/>
+          <p:cNvPicPr>
+            <a:picLocks noChangeAspect="1" noChangeArrowheads="1"/>
+          </p:cNvPicPr>
+          <p:nvPr/>
+        </p:nvPicPr>
+        <p:blipFill>
+          <a:blip r:embed="rId2">
+            <a:extLst>
+              <a:ext uri="{28A0092B-C50C-407E-A947-70E740481C1C}">
+                <a14:useLocalDpi xmlns:a14="http://schemas.microsoft.com/office/drawing/2010/main" val="0"/>
+              </a:ext>
+            </a:extLst>
+          </a:blip>
+          <a:srcRect/>
+          <a:stretch>
+            <a:fillRect/>
+          </a:stretch>
+        </p:blipFill>
+        <p:spPr bwMode="auto">
+          <a:xfrm>
+            <a:off x="72008" y="1484784"/>
+            <a:ext cx="9036496" cy="4441812"/>
+          </a:xfrm>
+          <a:prstGeom prst="rect">
+            <a:avLst/>
+          </a:prstGeom>
+          <a:noFill/>
+          <a:ln>
+            <a:noFill/>
+          </a:ln>
+          <a:effectLst/>
+          <a:extLst>
+            <a:ext uri="{909E8E84-426E-40DD-AFC4-6F175D3DCCD1}">
+              <a14:hiddenFill xmlns:a14="http://schemas.microsoft.com/office/drawing/2010/main">
+                <a:solidFill>
+                  <a:schemeClr val="accent1"/>
+                </a:solidFill>
+              </a14:hiddenFill>
+            </a:ext>
+            <a:ext uri="{91240B29-F687-4F45-9708-019B960494DF}">
+              <a14:hiddenLine xmlns:a14="http://schemas.microsoft.com/office/drawing/2010/main" w="9525">
+                <a:solidFill>
+                  <a:schemeClr val="tx1"/>
+                </a:solidFill>
+                <a:miter lim="800000"/>
+                <a:headEnd/>
+                <a:tailEnd/>
+              </a14:hiddenLine>
+            </a:ext>
+            <a:ext uri="{AF507438-7753-43E0-B8FC-AC1667EBCBE1}">
+              <a14:hiddenEffects xmlns:a14="http://schemas.microsoft.com/office/drawing/2010/main">
+                <a:effectLst>
+                  <a:outerShdw dist="35921" dir="2700000" algn="ctr" rotWithShape="0">
+                    <a:schemeClr val="bg2"/>
+                  </a:outerShdw>
+                </a:effectLst>
+              </a14:hiddenEffects>
+            </a:ext>
+          </a:extLst>
+        </p:spPr>
+      </p:pic>
+    </p:spTree>
+    <p:extLst>
+      <p:ext uri="{BB962C8B-B14F-4D97-AF65-F5344CB8AC3E}">
+        <p14:creationId xmlns:p14="http://schemas.microsoft.com/office/powerpoint/2010/main" val="3289554832"/>
+      </p:ext>
+    </p:extLst>
+  </p:cSld>
+  <p:clrMapOvr>
+    <a:masterClrMapping/>
+  </p:clrMapOvr>
+  <p:timing>
+    <p:tnLst>
+      <p:par>
+        <p:cTn id="1" dur="indefinite" restart="never" nodeType="tmRoot"/>
+      </p:par>
+    </p:tnLst>
+  </p:timing>
+</p:sld>
+</file>
+
+<file path=ppt/slides/slide12.xml><?xml version="1.0" encoding="utf-8"?>
+<p:sld xmlns:a="http://schemas.openxmlformats.org/drawingml/2006/main" xmlns:r="http://schemas.openxmlformats.org/officeDocument/2006/relationships" xmlns:p="http://schemas.openxmlformats.org/presentationml/2006/main">
+  <p:cSld>
+    <p:spTree>
+      <p:nvGrpSpPr>
+        <p:cNvPr id="1" name=""/>
+        <p:cNvGrpSpPr/>
+        <p:nvPr/>
+      </p:nvGrpSpPr>
+      <p:grpSpPr>
+        <a:xfrm>
+          <a:off x="0" y="0"/>
+          <a:ext cx="0" cy="0"/>
+          <a:chOff x="0" y="0"/>
+          <a:chExt cx="0" cy="0"/>
+        </a:xfrm>
+      </p:grpSpPr>
+      <p:sp>
+        <p:nvSpPr>
+          <p:cNvPr id="2" name="Titre 1"/>
+          <p:cNvSpPr>
+            <a:spLocks noGrp="1"/>
+          </p:cNvSpPr>
+          <p:nvPr>
+            <p:ph type="title"/>
+          </p:nvPr>
+        </p:nvSpPr>
+        <p:spPr/>
+        <p:txBody>
+          <a:bodyPr/>
+          <a:lstStyle/>
+          <a:p>
+            <a:r>
+              <a:rPr lang="fr-FR" dirty="0"/>
+              <a:t>Analyse des algorithmes récursifs</a:t>
+            </a:r>
+            <a:br>
+              <a:rPr lang="fr-FR" dirty="0"/>
+            </a:br>
+            <a:r>
+              <a:rPr lang="fr-FR" dirty="0" smtClean="0"/>
+              <a:t>Pile d’exécution – Power </a:t>
+            </a:r>
+            <a:r>
+              <a:rPr lang="fr-FR" dirty="0" err="1" smtClean="0"/>
+              <a:t>Tree</a:t>
+            </a:r>
+            <a:endParaRPr lang="fr-FR" dirty="0"/>
+          </a:p>
+        </p:txBody>
+      </p:sp>
+      <p:sp>
+        <p:nvSpPr>
+          <p:cNvPr id="3" name="Espace réservé du pied de page 2"/>
+          <p:cNvSpPr>
+            <a:spLocks noGrp="1"/>
+          </p:cNvSpPr>
+          <p:nvPr>
+            <p:ph type="ftr" sz="quarter" idx="11"/>
+          </p:nvPr>
+        </p:nvSpPr>
+        <p:spPr/>
+        <p:txBody>
+          <a:bodyPr/>
+          <a:lstStyle/>
+          <a:p>
+            <a:r>
+              <a:rPr lang="fr-FR" smtClean="0"/>
+              <a:t>Programmation récursive - Xavier PESSOLES</a:t>
+            </a:r>
+            <a:endParaRPr lang="fr-FR" dirty="0"/>
+          </a:p>
+        </p:txBody>
+      </p:sp>
+      <p:sp>
+        <p:nvSpPr>
+          <p:cNvPr id="4" name="Espace réservé du numéro de diapositive 3"/>
+          <p:cNvSpPr>
+            <a:spLocks noGrp="1"/>
+          </p:cNvSpPr>
+          <p:nvPr>
+            <p:ph type="sldNum" sz="quarter" idx="12"/>
+          </p:nvPr>
+        </p:nvSpPr>
+        <p:spPr/>
+        <p:txBody>
+          <a:bodyPr/>
+          <a:lstStyle/>
+          <a:p>
+            <a:fld id="{3F1D8263-54E8-442D-88B4-DA252C595E3D}" type="slidenum">
+              <a:rPr lang="fr-FR" smtClean="0"/>
+              <a:pPr/>
+              <a:t>12</a:t>
+            </a:fld>
+            <a:endParaRPr lang="fr-FR"/>
+          </a:p>
+        </p:txBody>
+      </p:sp>
+      <p:pic>
+        <p:nvPicPr>
+          <p:cNvPr id="11266" name="Picture 2"/>
+          <p:cNvPicPr>
+            <a:picLocks noChangeAspect="1" noChangeArrowheads="1"/>
+          </p:cNvPicPr>
+          <p:nvPr/>
+        </p:nvPicPr>
+        <p:blipFill>
+          <a:blip r:embed="rId2">
+            <a:extLst>
+              <a:ext uri="{28A0092B-C50C-407E-A947-70E740481C1C}">
+                <a14:useLocalDpi xmlns:a14="http://schemas.microsoft.com/office/drawing/2010/main" val="0"/>
+              </a:ext>
+            </a:extLst>
+          </a:blip>
+          <a:srcRect/>
+          <a:stretch>
+            <a:fillRect/>
+          </a:stretch>
+        </p:blipFill>
+        <p:spPr bwMode="auto">
+          <a:xfrm>
+            <a:off x="323528" y="2046071"/>
+            <a:ext cx="3141994" cy="3069232"/>
+          </a:xfrm>
+          <a:prstGeom prst="rect">
+            <a:avLst/>
+          </a:prstGeom>
+          <a:noFill/>
+          <a:ln>
+            <a:noFill/>
+          </a:ln>
+          <a:effectLst/>
+          <a:extLst>
+            <a:ext uri="{909E8E84-426E-40DD-AFC4-6F175D3DCCD1}">
+              <a14:hiddenFill xmlns:a14="http://schemas.microsoft.com/office/drawing/2010/main">
+                <a:solidFill>
+                  <a:schemeClr val="accent1"/>
+                </a:solidFill>
+              </a14:hiddenFill>
+            </a:ext>
+            <a:ext uri="{91240B29-F687-4F45-9708-019B960494DF}">
+              <a14:hiddenLine xmlns:a14="http://schemas.microsoft.com/office/drawing/2010/main" w="9525">
+                <a:solidFill>
+                  <a:schemeClr val="tx1"/>
+                </a:solidFill>
+                <a:miter lim="800000"/>
+                <a:headEnd/>
+                <a:tailEnd/>
+              </a14:hiddenLine>
+            </a:ext>
+            <a:ext uri="{AF507438-7753-43E0-B8FC-AC1667EBCBE1}">
+              <a14:hiddenEffects xmlns:a14="http://schemas.microsoft.com/office/drawing/2010/main">
+                <a:effectLst>
+                  <a:outerShdw dist="35921" dir="2700000" algn="ctr" rotWithShape="0">
+                    <a:schemeClr val="bg2"/>
+                  </a:outerShdw>
+                </a:effectLst>
+              </a14:hiddenEffects>
+            </a:ext>
+          </a:extLst>
+        </p:spPr>
+      </p:pic>
+      <p:pic>
+        <p:nvPicPr>
+          <p:cNvPr id="11268" name="Picture 4" descr="https://comeoncodeon.files.wordpress.com/2009/03/power-tree.jpg"/>
+          <p:cNvPicPr>
+            <a:picLocks noChangeAspect="1" noChangeArrowheads="1"/>
+          </p:cNvPicPr>
+          <p:nvPr/>
+        </p:nvPicPr>
+        <p:blipFill>
+          <a:blip r:embed="rId3" cstate="print">
+            <a:extLst>
+              <a:ext uri="{28A0092B-C50C-407E-A947-70E740481C1C}">
+                <a14:useLocalDpi xmlns:a14="http://schemas.microsoft.com/office/drawing/2010/main" val="0"/>
+              </a:ext>
+            </a:extLst>
+          </a:blip>
+          <a:srcRect/>
+          <a:stretch>
+            <a:fillRect/>
+          </a:stretch>
+        </p:blipFill>
+        <p:spPr bwMode="auto">
+          <a:xfrm>
+            <a:off x="3995935" y="2262095"/>
+            <a:ext cx="5032359" cy="2679073"/>
+          </a:xfrm>
+          <a:prstGeom prst="rect">
+            <a:avLst/>
+          </a:prstGeom>
+          <a:noFill/>
+          <a:extLst>
+            <a:ext uri="{909E8E84-426E-40DD-AFC4-6F175D3DCCD1}">
+              <a14:hiddenFill xmlns:a14="http://schemas.microsoft.com/office/drawing/2010/main">
+                <a:solidFill>
+                  <a:srgbClr val="FFFFFF"/>
+                </a:solidFill>
+              </a14:hiddenFill>
+            </a:ext>
+          </a:extLst>
+        </p:spPr>
+      </p:pic>
+    </p:spTree>
+    <p:extLst>
+      <p:ext uri="{BB962C8B-B14F-4D97-AF65-F5344CB8AC3E}">
+        <p14:creationId xmlns:p14="http://schemas.microsoft.com/office/powerpoint/2010/main" val="1694728138"/>
+      </p:ext>
+    </p:extLst>
+  </p:cSld>
+  <p:clrMapOvr>
+    <a:masterClrMapping/>
+  </p:clrMapOvr>
+  <p:timing>
+    <p:tnLst>
+      <p:par>
+        <p:cTn id="1" dur="indefinite" restart="never" nodeType="tmRoot"/>
+      </p:par>
+    </p:tnLst>
+  </p:timing>
+</p:sld>
+</file>
+
+<file path=ppt/slides/slide13.xml><?xml version="1.0" encoding="utf-8"?>
+<p:sld xmlns:a="http://schemas.openxmlformats.org/drawingml/2006/main" xmlns:r="http://schemas.openxmlformats.org/officeDocument/2006/relationships" xmlns:p="http://schemas.openxmlformats.org/presentationml/2006/main">
+  <p:cSld>
+    <p:spTree>
+      <p:nvGrpSpPr>
+        <p:cNvPr id="1" name=""/>
+        <p:cNvGrpSpPr/>
+        <p:nvPr/>
+      </p:nvGrpSpPr>
+      <p:grpSpPr>
+        <a:xfrm>
+          <a:off x="0" y="0"/>
+          <a:ext cx="0" cy="0"/>
+          <a:chOff x="0" y="0"/>
+          <a:chExt cx="0" cy="0"/>
+        </a:xfrm>
+      </p:grpSpPr>
+      <p:sp>
+        <p:nvSpPr>
+          <p:cNvPr id="2" name="Titre 1"/>
+          <p:cNvSpPr>
+            <a:spLocks noGrp="1"/>
+          </p:cNvSpPr>
+          <p:nvPr>
+            <p:ph type="title"/>
+          </p:nvPr>
+        </p:nvSpPr>
+        <p:spPr/>
+        <p:txBody>
+          <a:bodyPr/>
+          <a:lstStyle/>
+          <a:p>
+            <a:r>
+              <a:rPr lang="fr-FR" dirty="0"/>
+              <a:t>Analyse des algorithmes récursifs</a:t>
+            </a:r>
+            <a:br>
+              <a:rPr lang="fr-FR" dirty="0"/>
+            </a:br>
+            <a:r>
+              <a:rPr lang="fr-FR" dirty="0" smtClean="0"/>
+              <a:t>Complexité algorithmique</a:t>
+            </a:r>
+            <a:endParaRPr lang="fr-FR" dirty="0"/>
+          </a:p>
+        </p:txBody>
+      </p:sp>
+      <p:sp>
+        <p:nvSpPr>
+          <p:cNvPr id="3" name="Espace réservé du pied de page 2"/>
+          <p:cNvSpPr>
+            <a:spLocks noGrp="1"/>
+          </p:cNvSpPr>
+          <p:nvPr>
+            <p:ph type="ftr" sz="quarter" idx="11"/>
+          </p:nvPr>
+        </p:nvSpPr>
+        <p:spPr/>
+        <p:txBody>
+          <a:bodyPr/>
+          <a:lstStyle/>
+          <a:p>
+            <a:r>
+              <a:rPr lang="fr-FR" smtClean="0"/>
+              <a:t>Programmation récursive - Xavier PESSOLES</a:t>
+            </a:r>
+            <a:endParaRPr lang="fr-FR" dirty="0"/>
+          </a:p>
+        </p:txBody>
+      </p:sp>
+      <p:sp>
+        <p:nvSpPr>
+          <p:cNvPr id="4" name="Espace réservé du numéro de diapositive 3"/>
+          <p:cNvSpPr>
+            <a:spLocks noGrp="1"/>
+          </p:cNvSpPr>
+          <p:nvPr>
+            <p:ph type="sldNum" sz="quarter" idx="12"/>
+          </p:nvPr>
+        </p:nvSpPr>
+        <p:spPr/>
+        <p:txBody>
+          <a:bodyPr/>
+          <a:lstStyle/>
+          <a:p>
+            <a:fld id="{3F1D8263-54E8-442D-88B4-DA252C595E3D}" type="slidenum">
+              <a:rPr lang="fr-FR" smtClean="0"/>
+              <a:pPr/>
+              <a:t>13</a:t>
+            </a:fld>
+            <a:endParaRPr lang="fr-FR"/>
+          </a:p>
+        </p:txBody>
+      </p:sp>
+      <p:sp>
+        <p:nvSpPr>
+          <p:cNvPr id="5" name="Espace réservé du contenu 4"/>
+          <p:cNvSpPr>
+            <a:spLocks noGrp="1"/>
+          </p:cNvSpPr>
+          <p:nvPr>
+            <p:ph sz="quarter" idx="1"/>
+          </p:nvPr>
+        </p:nvSpPr>
+        <p:spPr/>
+        <p:txBody>
+          <a:bodyPr/>
+          <a:lstStyle/>
+          <a:p>
+            <a:endParaRPr lang="fr-FR" dirty="0"/>
+          </a:p>
+        </p:txBody>
+      </p:sp>
+      <p:pic>
+        <p:nvPicPr>
+          <p:cNvPr id="14338" name="Picture 2"/>
+          <p:cNvPicPr>
+            <a:picLocks noChangeAspect="1" noChangeArrowheads="1"/>
+          </p:cNvPicPr>
+          <p:nvPr/>
+        </p:nvPicPr>
+        <p:blipFill>
+          <a:blip r:embed="rId2">
+            <a:extLst>
+              <a:ext uri="{28A0092B-C50C-407E-A947-70E740481C1C}">
+                <a14:useLocalDpi xmlns:a14="http://schemas.microsoft.com/office/drawing/2010/main" val="0"/>
+              </a:ext>
+            </a:extLst>
+          </a:blip>
+          <a:srcRect/>
+          <a:stretch>
+            <a:fillRect/>
+          </a:stretch>
+        </p:blipFill>
+        <p:spPr bwMode="auto">
+          <a:xfrm>
+            <a:off x="0" y="2140771"/>
+            <a:ext cx="3076493" cy="2576457"/>
+          </a:xfrm>
+          <a:prstGeom prst="rect">
+            <a:avLst/>
+          </a:prstGeom>
+          <a:noFill/>
+          <a:ln>
+            <a:noFill/>
+          </a:ln>
+          <a:effectLst/>
+          <a:extLst>
+            <a:ext uri="{909E8E84-426E-40DD-AFC4-6F175D3DCCD1}">
+              <a14:hiddenFill xmlns:a14="http://schemas.microsoft.com/office/drawing/2010/main">
+                <a:solidFill>
+                  <a:schemeClr val="accent1"/>
+                </a:solidFill>
+              </a14:hiddenFill>
+            </a:ext>
+            <a:ext uri="{91240B29-F687-4F45-9708-019B960494DF}">
+              <a14:hiddenLine xmlns:a14="http://schemas.microsoft.com/office/drawing/2010/main" w="9525">
+                <a:solidFill>
+                  <a:schemeClr val="tx1"/>
+                </a:solidFill>
+                <a:miter lim="800000"/>
+                <a:headEnd/>
+                <a:tailEnd/>
+              </a14:hiddenLine>
+            </a:ext>
+            <a:ext uri="{AF507438-7753-43E0-B8FC-AC1667EBCBE1}">
+              <a14:hiddenEffects xmlns:a14="http://schemas.microsoft.com/office/drawing/2010/main">
+                <a:effectLst>
+                  <a:outerShdw dist="35921" dir="2700000" algn="ctr" rotWithShape="0">
+                    <a:schemeClr val="bg2"/>
+                  </a:outerShdw>
+                </a:effectLst>
+              </a14:hiddenEffects>
+            </a:ext>
+          </a:extLst>
+        </p:spPr>
+      </p:pic>
+      <p:pic>
+        <p:nvPicPr>
+          <p:cNvPr id="14339" name="Picture 3"/>
+          <p:cNvPicPr>
+            <a:picLocks noChangeAspect="1" noChangeArrowheads="1"/>
+          </p:cNvPicPr>
+          <p:nvPr/>
+        </p:nvPicPr>
+        <p:blipFill>
+          <a:blip r:embed="rId3">
+            <a:extLst>
+              <a:ext uri="{28A0092B-C50C-407E-A947-70E740481C1C}">
+                <a14:useLocalDpi xmlns:a14="http://schemas.microsoft.com/office/drawing/2010/main" val="0"/>
+              </a:ext>
+            </a:extLst>
+          </a:blip>
+          <a:srcRect/>
+          <a:stretch>
+            <a:fillRect/>
+          </a:stretch>
+        </p:blipFill>
+        <p:spPr bwMode="auto">
+          <a:xfrm>
+            <a:off x="3090882" y="2356889"/>
+            <a:ext cx="3025642" cy="2144222"/>
+          </a:xfrm>
+          <a:prstGeom prst="rect">
+            <a:avLst/>
+          </a:prstGeom>
+          <a:noFill/>
+          <a:ln>
+            <a:noFill/>
+          </a:ln>
+          <a:effectLst/>
+          <a:extLst>
+            <a:ext uri="{909E8E84-426E-40DD-AFC4-6F175D3DCCD1}">
+              <a14:hiddenFill xmlns:a14="http://schemas.microsoft.com/office/drawing/2010/main">
+                <a:solidFill>
+                  <a:schemeClr val="accent1"/>
+                </a:solidFill>
+              </a14:hiddenFill>
+            </a:ext>
+            <a:ext uri="{91240B29-F687-4F45-9708-019B960494DF}">
+              <a14:hiddenLine xmlns:a14="http://schemas.microsoft.com/office/drawing/2010/main" w="9525">
+                <a:solidFill>
+                  <a:schemeClr val="tx1"/>
+                </a:solidFill>
+                <a:miter lim="800000"/>
+                <a:headEnd/>
+                <a:tailEnd/>
+              </a14:hiddenLine>
+            </a:ext>
+            <a:ext uri="{AF507438-7753-43E0-B8FC-AC1667EBCBE1}">
+              <a14:hiddenEffects xmlns:a14="http://schemas.microsoft.com/office/drawing/2010/main">
+                <a:effectLst>
+                  <a:outerShdw dist="35921" dir="2700000" algn="ctr" rotWithShape="0">
+                    <a:schemeClr val="bg2"/>
+                  </a:outerShdw>
+                </a:effectLst>
+              </a14:hiddenEffects>
+            </a:ext>
+          </a:extLst>
+        </p:spPr>
+      </p:pic>
+      <p:pic>
+        <p:nvPicPr>
+          <p:cNvPr id="14340" name="Picture 4"/>
+          <p:cNvPicPr>
+            <a:picLocks noChangeAspect="1" noChangeArrowheads="1"/>
+          </p:cNvPicPr>
+          <p:nvPr/>
+        </p:nvPicPr>
+        <p:blipFill>
+          <a:blip r:embed="rId4">
+            <a:extLst>
+              <a:ext uri="{28A0092B-C50C-407E-A947-70E740481C1C}">
+                <a14:useLocalDpi xmlns:a14="http://schemas.microsoft.com/office/drawing/2010/main" val="0"/>
+              </a:ext>
+            </a:extLst>
+          </a:blip>
+          <a:srcRect/>
+          <a:stretch>
+            <a:fillRect/>
+          </a:stretch>
+        </p:blipFill>
+        <p:spPr bwMode="auto">
+          <a:xfrm>
+            <a:off x="6101408" y="1916179"/>
+            <a:ext cx="3042592" cy="3025642"/>
+          </a:xfrm>
+          <a:prstGeom prst="rect">
+            <a:avLst/>
+          </a:prstGeom>
+          <a:noFill/>
+          <a:ln>
+            <a:noFill/>
+          </a:ln>
+          <a:effectLst/>
+          <a:extLst>
+            <a:ext uri="{909E8E84-426E-40DD-AFC4-6F175D3DCCD1}">
+              <a14:hiddenFill xmlns:a14="http://schemas.microsoft.com/office/drawing/2010/main">
+                <a:solidFill>
+                  <a:schemeClr val="accent1"/>
+                </a:solidFill>
+              </a14:hiddenFill>
+            </a:ext>
+            <a:ext uri="{91240B29-F687-4F45-9708-019B960494DF}">
+              <a14:hiddenLine xmlns:a14="http://schemas.microsoft.com/office/drawing/2010/main" w="9525">
+                <a:solidFill>
+                  <a:schemeClr val="tx1"/>
+                </a:solidFill>
+                <a:miter lim="800000"/>
+                <a:headEnd/>
+                <a:tailEnd/>
+              </a14:hiddenLine>
+            </a:ext>
+            <a:ext uri="{AF507438-7753-43E0-B8FC-AC1667EBCBE1}">
+              <a14:hiddenEffects xmlns:a14="http://schemas.microsoft.com/office/drawing/2010/main">
+                <a:effectLst>
+                  <a:outerShdw dist="35921" dir="2700000" algn="ctr" rotWithShape="0">
+                    <a:schemeClr val="bg2"/>
+                  </a:outerShdw>
+                </a:effectLst>
+              </a14:hiddenEffects>
+            </a:ext>
+          </a:extLst>
+        </p:spPr>
+      </p:pic>
+    </p:spTree>
+    <p:extLst>
+      <p:ext uri="{BB962C8B-B14F-4D97-AF65-F5344CB8AC3E}">
+        <p14:creationId xmlns:p14="http://schemas.microsoft.com/office/powerpoint/2010/main" val="3393330719"/>
+      </p:ext>
+    </p:extLst>
+  </p:cSld>
+  <p:clrMapOvr>
+    <a:masterClrMapping/>
+  </p:clrMapOvr>
+  <p:timing>
+    <p:tnLst>
+      <p:par>
+        <p:cTn id="1" dur="indefinite" restart="never" nodeType="tmRoot"/>
+      </p:par>
+    </p:tnLst>
+  </p:timing>
+</p:sld>
+</file>
+
+<file path=ppt/slides/slide14.xml><?xml version="1.0" encoding="utf-8"?>
+<p:sld xmlns:a="http://schemas.openxmlformats.org/drawingml/2006/main" xmlns:r="http://schemas.openxmlformats.org/officeDocument/2006/relationships" xmlns:p="http://schemas.openxmlformats.org/presentationml/2006/main">
+  <p:cSld>
+    <p:spTree>
+      <p:nvGrpSpPr>
+        <p:cNvPr id="1" name=""/>
+        <p:cNvGrpSpPr/>
+        <p:nvPr/>
+      </p:nvGrpSpPr>
+      <p:grpSpPr>
+        <a:xfrm>
+          <a:off x="0" y="0"/>
+          <a:ext cx="0" cy="0"/>
+          <a:chOff x="0" y="0"/>
+          <a:chExt cx="0" cy="0"/>
+        </a:xfrm>
+      </p:grpSpPr>
+      <p:sp>
+        <p:nvSpPr>
+          <p:cNvPr id="2" name="Titre 1"/>
+          <p:cNvSpPr>
+            <a:spLocks noGrp="1"/>
+          </p:cNvSpPr>
+          <p:nvPr>
+            <p:ph type="title"/>
+          </p:nvPr>
+        </p:nvSpPr>
+        <p:spPr/>
+        <p:txBody>
+          <a:bodyPr/>
+          <a:lstStyle/>
+          <a:p>
+            <a:r>
+              <a:rPr lang="fr-FR" dirty="0" smtClean="0"/>
+              <a:t>Exemple d’algorithme récursif</a:t>
+            </a:r>
+            <a:endParaRPr lang="fr-FR" dirty="0"/>
+          </a:p>
+        </p:txBody>
+      </p:sp>
+      <p:sp>
+        <p:nvSpPr>
+          <p:cNvPr id="3" name="Espace réservé du pied de page 2"/>
+          <p:cNvSpPr>
+            <a:spLocks noGrp="1"/>
+          </p:cNvSpPr>
+          <p:nvPr>
+            <p:ph type="ftr" sz="quarter" idx="11"/>
+          </p:nvPr>
+        </p:nvSpPr>
+        <p:spPr/>
+        <p:txBody>
+          <a:bodyPr/>
+          <a:lstStyle/>
+          <a:p>
+            <a:r>
+              <a:rPr lang="fr-FR" smtClean="0"/>
+              <a:t>Programmation récursive - Xavier PESSOLES</a:t>
+            </a:r>
+            <a:endParaRPr lang="fr-FR" dirty="0"/>
+          </a:p>
+        </p:txBody>
+      </p:sp>
+      <p:sp>
+        <p:nvSpPr>
+          <p:cNvPr id="4" name="Espace réservé du numéro de diapositive 3"/>
+          <p:cNvSpPr>
+            <a:spLocks noGrp="1"/>
+          </p:cNvSpPr>
+          <p:nvPr>
+            <p:ph type="sldNum" sz="quarter" idx="12"/>
+          </p:nvPr>
+        </p:nvSpPr>
+        <p:spPr/>
+        <p:txBody>
+          <a:bodyPr/>
+          <a:lstStyle/>
+          <a:p>
+            <a:fld id="{3F1D8263-54E8-442D-88B4-DA252C595E3D}" type="slidenum">
+              <a:rPr lang="fr-FR" smtClean="0"/>
+              <a:pPr/>
+              <a:t>14</a:t>
+            </a:fld>
+            <a:endParaRPr lang="fr-FR"/>
+          </a:p>
+        </p:txBody>
+      </p:sp>
+      <p:sp>
+        <p:nvSpPr>
+          <p:cNvPr id="5" name="Espace réservé du contenu 4"/>
+          <p:cNvSpPr>
+            <a:spLocks noGrp="1"/>
+          </p:cNvSpPr>
+          <p:nvPr>
+            <p:ph sz="quarter" idx="1"/>
+          </p:nvPr>
+        </p:nvSpPr>
+        <p:spPr/>
+        <p:txBody>
+          <a:bodyPr/>
+          <a:lstStyle/>
+          <a:p>
+            <a:endParaRPr lang="fr-FR" dirty="0"/>
+          </a:p>
+        </p:txBody>
+      </p:sp>
+      <p:pic>
+        <p:nvPicPr>
+          <p:cNvPr id="15362" name="Picture 2"/>
+          <p:cNvPicPr>
+            <a:picLocks noChangeAspect="1" noChangeArrowheads="1"/>
+          </p:cNvPicPr>
+          <p:nvPr/>
+        </p:nvPicPr>
+        <p:blipFill>
+          <a:blip r:embed="rId2">
+            <a:extLst>
+              <a:ext uri="{28A0092B-C50C-407E-A947-70E740481C1C}">
+                <a14:useLocalDpi xmlns:a14="http://schemas.microsoft.com/office/drawing/2010/main" val="0"/>
+              </a:ext>
+            </a:extLst>
+          </a:blip>
+          <a:srcRect/>
+          <a:stretch>
+            <a:fillRect/>
+          </a:stretch>
+        </p:blipFill>
+        <p:spPr bwMode="auto">
+          <a:xfrm>
+            <a:off x="666750" y="1340767"/>
+            <a:ext cx="7810500" cy="4886325"/>
+          </a:xfrm>
+          <a:prstGeom prst="rect">
+            <a:avLst/>
+          </a:prstGeom>
+          <a:noFill/>
+          <a:ln>
+            <a:noFill/>
+          </a:ln>
+          <a:effectLst/>
+          <a:extLst>
+            <a:ext uri="{909E8E84-426E-40DD-AFC4-6F175D3DCCD1}">
+              <a14:hiddenFill xmlns:a14="http://schemas.microsoft.com/office/drawing/2010/main">
+                <a:solidFill>
+                  <a:schemeClr val="accent1"/>
+                </a:solidFill>
+              </a14:hiddenFill>
+            </a:ext>
+            <a:ext uri="{91240B29-F687-4F45-9708-019B960494DF}">
+              <a14:hiddenLine xmlns:a14="http://schemas.microsoft.com/office/drawing/2010/main" w="9525">
+                <a:solidFill>
+                  <a:schemeClr val="tx1"/>
+                </a:solidFill>
+                <a:miter lim="800000"/>
+                <a:headEnd/>
+                <a:tailEnd/>
+              </a14:hiddenLine>
+            </a:ext>
+            <a:ext uri="{AF507438-7753-43E0-B8FC-AC1667EBCBE1}">
+              <a14:hiddenEffects xmlns:a14="http://schemas.microsoft.com/office/drawing/2010/main">
+                <a:effectLst>
+                  <a:outerShdw dist="35921" dir="2700000" algn="ctr" rotWithShape="0">
+                    <a:schemeClr val="bg2"/>
+                  </a:outerShdw>
+                </a:effectLst>
+              </a14:hiddenEffects>
+            </a:ext>
+          </a:extLst>
+        </p:spPr>
+      </p:pic>
+    </p:spTree>
+    <p:extLst>
+      <p:ext uri="{BB962C8B-B14F-4D97-AF65-F5344CB8AC3E}">
+        <p14:creationId xmlns:p14="http://schemas.microsoft.com/office/powerpoint/2010/main" val="409261688"/>
+      </p:ext>
+    </p:extLst>
+  </p:cSld>
+  <p:clrMapOvr>
+    <a:masterClrMapping/>
+  </p:clrMapOvr>
+  <p:timing>
+    <p:tnLst>
+      <p:par>
+        <p:cTn id="1" dur="indefinite" restart="never" nodeType="tmRoot"/>
+      </p:par>
+    </p:tnLst>
+  </p:timing>
+</p:sld>
+</file>
+
+<file path=ppt/slides/slide15.xml><?xml version="1.0" encoding="utf-8"?>
+<p:sld xmlns:a="http://schemas.openxmlformats.org/drawingml/2006/main" xmlns:r="http://schemas.openxmlformats.org/officeDocument/2006/relationships" xmlns:p="http://schemas.openxmlformats.org/presentationml/2006/main">
+  <p:cSld>
+    <p:spTree>
+      <p:nvGrpSpPr>
+        <p:cNvPr id="1" name=""/>
+        <p:cNvGrpSpPr/>
+        <p:nvPr/>
+      </p:nvGrpSpPr>
+      <p:grpSpPr>
+        <a:xfrm>
+          <a:off x="0" y="0"/>
+          <a:ext cx="0" cy="0"/>
+          <a:chOff x="0" y="0"/>
+          <a:chExt cx="0" cy="0"/>
+        </a:xfrm>
+      </p:grpSpPr>
+      <p:sp>
+        <p:nvSpPr>
+          <p:cNvPr id="2" name="Titre 1"/>
+          <p:cNvSpPr>
+            <a:spLocks noGrp="1"/>
+          </p:cNvSpPr>
+          <p:nvPr>
+            <p:ph type="title"/>
+          </p:nvPr>
+        </p:nvSpPr>
+        <p:spPr/>
+        <p:txBody>
+          <a:bodyPr/>
+          <a:lstStyle/>
+          <a:p>
+            <a:r>
+              <a:rPr lang="fr-FR" smtClean="0"/>
+              <a:t>Exemple d’algorithme récursif</a:t>
+            </a:r>
+            <a:endParaRPr lang="fr-FR" dirty="0"/>
+          </a:p>
+        </p:txBody>
+      </p:sp>
+      <p:sp>
+        <p:nvSpPr>
+          <p:cNvPr id="3" name="Espace réservé du pied de page 2"/>
+          <p:cNvSpPr>
+            <a:spLocks noGrp="1"/>
+          </p:cNvSpPr>
+          <p:nvPr>
+            <p:ph type="ftr" sz="quarter" idx="11"/>
+          </p:nvPr>
+        </p:nvSpPr>
+        <p:spPr/>
+        <p:txBody>
+          <a:bodyPr/>
+          <a:lstStyle/>
+          <a:p>
+            <a:r>
+              <a:rPr lang="fr-FR" smtClean="0"/>
+              <a:t>Programmation récursive - Xavier PESSOLES</a:t>
+            </a:r>
+            <a:endParaRPr lang="fr-FR" dirty="0"/>
+          </a:p>
+        </p:txBody>
+      </p:sp>
+      <p:sp>
+        <p:nvSpPr>
+          <p:cNvPr id="4" name="Espace réservé du numéro de diapositive 3"/>
+          <p:cNvSpPr>
+            <a:spLocks noGrp="1"/>
+          </p:cNvSpPr>
+          <p:nvPr>
+            <p:ph type="sldNum" sz="quarter" idx="12"/>
+          </p:nvPr>
+        </p:nvSpPr>
+        <p:spPr/>
+        <p:txBody>
+          <a:bodyPr/>
+          <a:lstStyle/>
+          <a:p>
+            <a:fld id="{3F1D8263-54E8-442D-88B4-DA252C595E3D}" type="slidenum">
+              <a:rPr lang="fr-FR" smtClean="0"/>
+              <a:pPr/>
+              <a:t>15</a:t>
+            </a:fld>
+            <a:endParaRPr lang="fr-FR"/>
+          </a:p>
+        </p:txBody>
+      </p:sp>
+      <p:sp>
+        <p:nvSpPr>
+          <p:cNvPr id="5" name="Espace réservé du contenu 4"/>
+          <p:cNvSpPr>
+            <a:spLocks noGrp="1"/>
+          </p:cNvSpPr>
+          <p:nvPr>
+            <p:ph sz="quarter" idx="1"/>
+          </p:nvPr>
+        </p:nvSpPr>
+        <p:spPr/>
+        <p:txBody>
+          <a:bodyPr/>
+          <a:lstStyle/>
+          <a:p>
+            <a:endParaRPr lang="fr-FR" dirty="0"/>
+          </a:p>
+        </p:txBody>
+      </p:sp>
+      <p:pic>
+        <p:nvPicPr>
+          <p:cNvPr id="16386" name="Picture 2"/>
+          <p:cNvPicPr>
+            <a:picLocks noChangeAspect="1" noChangeArrowheads="1"/>
+          </p:cNvPicPr>
+          <p:nvPr/>
+        </p:nvPicPr>
+        <p:blipFill>
+          <a:blip r:embed="rId2">
+            <a:extLst>
+              <a:ext uri="{28A0092B-C50C-407E-A947-70E740481C1C}">
+                <a14:useLocalDpi xmlns:a14="http://schemas.microsoft.com/office/drawing/2010/main" val="0"/>
+              </a:ext>
+            </a:extLst>
+          </a:blip>
+          <a:srcRect/>
+          <a:stretch>
+            <a:fillRect/>
+          </a:stretch>
+        </p:blipFill>
+        <p:spPr bwMode="auto">
+          <a:xfrm>
+            <a:off x="831497" y="1268760"/>
+            <a:ext cx="7439025" cy="4667250"/>
+          </a:xfrm>
+          <a:prstGeom prst="rect">
+            <a:avLst/>
+          </a:prstGeom>
+          <a:noFill/>
+          <a:ln>
+            <a:noFill/>
+          </a:ln>
+          <a:effectLst/>
+          <a:extLst>
+            <a:ext uri="{909E8E84-426E-40DD-AFC4-6F175D3DCCD1}">
+              <a14:hiddenFill xmlns:a14="http://schemas.microsoft.com/office/drawing/2010/main">
+                <a:solidFill>
+                  <a:schemeClr val="accent1"/>
+                </a:solidFill>
+              </a14:hiddenFill>
+            </a:ext>
+            <a:ext uri="{91240B29-F687-4F45-9708-019B960494DF}">
+              <a14:hiddenLine xmlns:a14="http://schemas.microsoft.com/office/drawing/2010/main" w="9525">
+                <a:solidFill>
+                  <a:schemeClr val="tx1"/>
+                </a:solidFill>
+                <a:miter lim="800000"/>
+                <a:headEnd/>
+                <a:tailEnd/>
+              </a14:hiddenLine>
+            </a:ext>
+            <a:ext uri="{AF507438-7753-43E0-B8FC-AC1667EBCBE1}">
+              <a14:hiddenEffects xmlns:a14="http://schemas.microsoft.com/office/drawing/2010/main">
+                <a:effectLst>
+                  <a:outerShdw dist="35921" dir="2700000" algn="ctr" rotWithShape="0">
+                    <a:schemeClr val="bg2"/>
+                  </a:outerShdw>
+                </a:effectLst>
+              </a14:hiddenEffects>
+            </a:ext>
+          </a:extLst>
+        </p:spPr>
+      </p:pic>
+    </p:spTree>
+    <p:extLst>
+      <p:ext uri="{BB962C8B-B14F-4D97-AF65-F5344CB8AC3E}">
+        <p14:creationId xmlns:p14="http://schemas.microsoft.com/office/powerpoint/2010/main" val="4204790866"/>
+      </p:ext>
+    </p:extLst>
   </p:cSld>
   <p:clrMapOvr>
     <a:masterClrMapping/>
@@ -4352,10 +6250,15 @@
             <p:ph type="title"/>
           </p:nvPr>
         </p:nvSpPr>
-        <p:spPr/>
+        <p:spPr>
+          <a:xfrm>
+            <a:off x="457200" y="152400"/>
+            <a:ext cx="7067128" cy="990600"/>
+          </a:xfrm>
+        </p:spPr>
         <p:txBody>
           <a:bodyPr>
-            <a:normAutofit fontScale="90000"/>
+            <a:normAutofit/>
           </a:bodyPr>
           <a:lstStyle/>
           <a:p>
@@ -4363,169 +6266,7 @@
               <a:rPr lang="fr-FR" b="1" dirty="0" smtClean="0"/>
               <a:t>Présentation</a:t>
             </a:r>
-            <a:br>
-              <a:rPr lang="fr-FR" b="1" dirty="0" smtClean="0"/>
-            </a:br>
-            <a:r>
-              <a:rPr lang="fr-FR" dirty="0" smtClean="0"/>
-              <a:t>Validation de l’exigence 1.1</a:t>
-            </a:r>
-            <a:br>
-              <a:rPr lang="fr-FR" dirty="0" smtClean="0"/>
-            </a:br>
-            <a:r>
-              <a:rPr lang="fr-FR" dirty="0" smtClean="0"/>
-              <a:t>Validation de l’exigence 1.2</a:t>
-            </a:r>
-            <a:br>
-              <a:rPr lang="fr-FR" dirty="0" smtClean="0"/>
-            </a:br>
-            <a:r>
-              <a:rPr lang="fr-FR" dirty="0" smtClean="0"/>
-              <a:t>Conclusion</a:t>
-            </a:r>
             <a:endParaRPr lang="fr-FR" dirty="0"/>
-          </a:p>
-        </p:txBody>
-      </p:sp>
-      <p:sp>
-        <p:nvSpPr>
-          <p:cNvPr id="3" name="Espace réservé du contenu 2"/>
-          <p:cNvSpPr>
-            <a:spLocks noGrp="1"/>
-          </p:cNvSpPr>
-          <p:nvPr>
-            <p:ph sz="quarter" idx="1"/>
-          </p:nvPr>
-        </p:nvSpPr>
-        <p:spPr/>
-        <p:txBody>
-          <a:bodyPr/>
-          <a:lstStyle/>
-          <a:p>
-            <a:r>
-              <a:rPr lang="fr-FR" dirty="0" smtClean="0"/>
-              <a:t>Présentation</a:t>
-            </a:r>
-            <a:endParaRPr lang="fr-FR" dirty="0"/>
-          </a:p>
-        </p:txBody>
-      </p:sp>
-      <p:sp>
-        <p:nvSpPr>
-          <p:cNvPr id="5" name="Titre 1"/>
-          <p:cNvSpPr txBox="1">
-            <a:spLocks/>
-          </p:cNvSpPr>
-          <p:nvPr/>
-        </p:nvSpPr>
-        <p:spPr>
-          <a:xfrm>
-            <a:off x="4643438" y="142852"/>
-            <a:ext cx="4043362" cy="990600"/>
-          </a:xfrm>
-          <a:prstGeom prst="rect">
-            <a:avLst/>
-          </a:prstGeom>
-        </p:spPr>
-        <p:txBody>
-          <a:bodyPr vert="horz" anchor="ctr" anchorCtr="0">
-            <a:normAutofit fontScale="97500"/>
-          </a:bodyPr>
-          <a:lstStyle/>
-          <a:p>
-            <a:pPr marL="0" marR="0" lvl="0" indent="0" algn="l" defTabSz="914400" rtl="0" eaLnBrk="1" fontAlgn="auto" latinLnBrk="0" hangingPunct="1">
-              <a:lnSpc>
-                <a:spcPct val="100000"/>
-              </a:lnSpc>
-              <a:spcBef>
-                <a:spcPct val="0"/>
-              </a:spcBef>
-              <a:spcAft>
-                <a:spcPts val="0"/>
-              </a:spcAft>
-              <a:buClrTx/>
-              <a:buSzTx/>
-              <a:buFontTx/>
-              <a:buNone/>
-              <a:tabLst/>
-              <a:defRPr/>
-            </a:pPr>
-            <a:r>
-              <a:rPr kumimoji="0" lang="fr-FR" sz="1400" b="1" i="0" u="none" strike="noStrike" kern="1200" cap="none" spc="0" normalizeH="0" baseline="0" noProof="0" dirty="0" smtClean="0">
-                <a:ln>
-                  <a:noFill/>
-                </a:ln>
-                <a:solidFill>
-                  <a:schemeClr val="tx2"/>
-                </a:solidFill>
-                <a:effectLst/>
-                <a:uLnTx/>
-                <a:uFillTx/>
-                <a:latin typeface="Calibri" pitchFamily="34" charset="0"/>
-                <a:ea typeface="+mj-ea"/>
-                <a:cs typeface="+mj-cs"/>
-              </a:rPr>
-              <a:t>Présentation</a:t>
-            </a:r>
-            <a:endParaRPr kumimoji="0" lang="fr-FR" sz="1400" i="0" u="none" strike="noStrike" kern="1200" cap="none" spc="0" normalizeH="0" baseline="0" noProof="0" dirty="0" smtClean="0">
-              <a:ln>
-                <a:noFill/>
-              </a:ln>
-              <a:solidFill>
-                <a:schemeClr val="tx2"/>
-              </a:solidFill>
-              <a:effectLst/>
-              <a:uLnTx/>
-              <a:uFillTx/>
-              <a:latin typeface="Calibri" pitchFamily="34" charset="0"/>
-              <a:ea typeface="+mj-ea"/>
-              <a:cs typeface="+mj-cs"/>
-            </a:endParaRPr>
-          </a:p>
-          <a:p>
-            <a:pPr marL="0" marR="0" lvl="0" indent="0" algn="l" defTabSz="914400" rtl="0" eaLnBrk="1" fontAlgn="auto" latinLnBrk="0" hangingPunct="1">
-              <a:lnSpc>
-                <a:spcPct val="100000"/>
-              </a:lnSpc>
-              <a:spcBef>
-                <a:spcPct val="0"/>
-              </a:spcBef>
-              <a:spcAft>
-                <a:spcPts val="0"/>
-              </a:spcAft>
-              <a:buClrTx/>
-              <a:buSzTx/>
-              <a:buFontTx/>
-              <a:buNone/>
-              <a:tabLst/>
-              <a:defRPr/>
-            </a:pPr>
-            <a:r>
-              <a:rPr lang="fr-FR" sz="1400" dirty="0" smtClean="0">
-                <a:solidFill>
-                  <a:schemeClr val="tx2"/>
-                </a:solidFill>
-                <a:latin typeface="Calibri" pitchFamily="34" charset="0"/>
-                <a:ea typeface="+mj-ea"/>
-                <a:cs typeface="+mj-cs"/>
-              </a:rPr>
-              <a:t>Cas d’utilisation</a:t>
-            </a:r>
-            <a:endParaRPr kumimoji="0" lang="fr-FR" sz="1400" i="0" u="none" strike="noStrike" kern="1200" cap="none" spc="0" normalizeH="0" baseline="0" noProof="0" dirty="0" smtClean="0">
-              <a:ln>
-                <a:noFill/>
-              </a:ln>
-              <a:solidFill>
-                <a:schemeClr val="tx2"/>
-              </a:solidFill>
-              <a:effectLst/>
-              <a:uLnTx/>
-              <a:uFillTx/>
-              <a:latin typeface="Calibri" pitchFamily="34" charset="0"/>
-              <a:ea typeface="+mj-ea"/>
-              <a:cs typeface="+mj-cs"/>
-            </a:endParaRPr>
           </a:p>
         </p:txBody>
       </p:sp>
@@ -4555,79 +6296,110 @@
       </p:sp>
       <p:sp>
         <p:nvSpPr>
-          <p:cNvPr id="7" name="ZoneTexte 6"/>
-          <p:cNvSpPr txBox="1"/>
+          <p:cNvPr id="4" name="Espace réservé du pied de page 3"/>
+          <p:cNvSpPr>
+            <a:spLocks noGrp="1"/>
+          </p:cNvSpPr>
+          <p:nvPr>
+            <p:ph type="ftr" sz="quarter" idx="11"/>
+          </p:nvPr>
+        </p:nvSpPr>
+        <p:spPr/>
+        <p:txBody>
+          <a:bodyPr/>
+          <a:lstStyle/>
+          <a:p>
+            <a:r>
+              <a:rPr lang="fr-FR" smtClean="0"/>
+              <a:t>Programmation récursive - Xavier PESSOLES</a:t>
+            </a:r>
+            <a:endParaRPr lang="fr-FR"/>
+          </a:p>
+        </p:txBody>
+      </p:sp>
+      <p:sp>
+        <p:nvSpPr>
+          <p:cNvPr id="8" name="Espace réservé du contenu 7"/>
+          <p:cNvSpPr>
+            <a:spLocks noGrp="1"/>
+          </p:cNvSpPr>
+          <p:nvPr>
+            <p:ph sz="quarter" idx="1"/>
+          </p:nvPr>
+        </p:nvSpPr>
+        <p:spPr/>
+        <p:txBody>
+          <a:bodyPr/>
+          <a:lstStyle/>
+          <a:p>
+            <a:endParaRPr lang="fr-FR"/>
+          </a:p>
+        </p:txBody>
+      </p:sp>
+      <p:pic>
+        <p:nvPicPr>
+          <p:cNvPr id="3074" name="Picture 2"/>
+          <p:cNvPicPr>
+            <a:picLocks noChangeAspect="1" noChangeArrowheads="1"/>
+          </p:cNvPicPr>
           <p:nvPr/>
-        </p:nvSpPr>
-        <p:spPr>
+        </p:nvPicPr>
+        <p:blipFill>
+          <a:blip r:embed="rId2">
+            <a:extLst>
+              <a:ext uri="{28A0092B-C50C-407E-A947-70E740481C1C}">
+                <a14:useLocalDpi xmlns:a14="http://schemas.microsoft.com/office/drawing/2010/main" val="0"/>
+              </a:ext>
+            </a:extLst>
+          </a:blip>
+          <a:srcRect/>
+          <a:stretch>
+            <a:fillRect/>
+          </a:stretch>
+        </p:blipFill>
+        <p:spPr bwMode="auto">
           <a:xfrm>
-            <a:off x="571472" y="4357694"/>
-            <a:ext cx="7929618" cy="1200329"/>
+            <a:off x="467544" y="1725999"/>
+            <a:ext cx="8175484" cy="4007257"/>
           </a:xfrm>
           <a:prstGeom prst="rect">
             <a:avLst/>
           </a:prstGeom>
           <a:noFill/>
-        </p:spPr>
-        <p:txBody>
-          <a:bodyPr wrap="square" rtlCol="0">
-            <a:spAutoFit/>
-          </a:bodyPr>
-          <a:lstStyle/>
-          <a:p>
-            <a:r>
-              <a:rPr lang="fr-FR" b="1" dirty="0" smtClean="0">
+          <a:ln>
+            <a:noFill/>
+          </a:ln>
+          <a:effectLst/>
+          <a:extLst>
+            <a:ext uri="{909E8E84-426E-40DD-AFC4-6F175D3DCCD1}">
+              <a14:hiddenFill xmlns:a14="http://schemas.microsoft.com/office/drawing/2010/main">
                 <a:solidFill>
-                  <a:srgbClr val="FF0000"/>
+                  <a:schemeClr val="accent1"/>
                 </a:solidFill>
-              </a:rPr>
-              <a:t>Consignes : </a:t>
-            </a:r>
-          </a:p>
-          <a:p>
-            <a:pPr>
-              <a:buFont typeface="Arial" pitchFamily="34" charset="0"/>
-              <a:buChar char="•"/>
-            </a:pPr>
-            <a:r>
-              <a:rPr lang="fr-FR" b="1" dirty="0" smtClean="0">
+              </a14:hiddenFill>
+            </a:ext>
+            <a:ext uri="{91240B29-F687-4F45-9708-019B960494DF}">
+              <a14:hiddenLine xmlns:a14="http://schemas.microsoft.com/office/drawing/2010/main" w="9525">
                 <a:solidFill>
-                  <a:srgbClr val="FF0000"/>
+                  <a:schemeClr val="tx1"/>
                 </a:solidFill>
-              </a:rPr>
-              <a:t>Ajouter une photo du système de laboratoire</a:t>
-            </a:r>
-          </a:p>
-          <a:p>
-            <a:pPr>
-              <a:buFont typeface="Arial" pitchFamily="34" charset="0"/>
-              <a:buChar char="•"/>
-            </a:pPr>
-            <a:r>
-              <a:rPr lang="fr-FR" b="1" dirty="0" smtClean="0">
-                <a:solidFill>
-                  <a:srgbClr val="FF0000"/>
-                </a:solidFill>
-              </a:rPr>
-              <a:t>Présenter le système dans le contexte réel d’utilisation</a:t>
-            </a:r>
-          </a:p>
-          <a:p>
-            <a:pPr>
-              <a:buFont typeface="Arial" pitchFamily="34" charset="0"/>
-              <a:buChar char="•"/>
-            </a:pPr>
-            <a:r>
-              <a:rPr lang="fr-FR" b="1" dirty="0" smtClean="0">
-                <a:solidFill>
-                  <a:srgbClr val="FF0000"/>
-                </a:solidFill>
-              </a:rPr>
-              <a:t>Présenter les modes de fonctionnement du perforateur</a:t>
-            </a:r>
-          </a:p>
-        </p:txBody>
-      </p:sp>
+                <a:miter lim="800000"/>
+                <a:headEnd/>
+                <a:tailEnd/>
+              </a14:hiddenLine>
+            </a:ext>
+            <a:ext uri="{AF507438-7753-43E0-B8FC-AC1667EBCBE1}">
+              <a14:hiddenEffects xmlns:a14="http://schemas.microsoft.com/office/drawing/2010/main">
+                <a:effectLst>
+                  <a:outerShdw dist="35921" dir="2700000" algn="ctr" rotWithShape="0">
+                    <a:schemeClr val="bg2"/>
+                  </a:outerShdw>
+                </a:effectLst>
+              </a14:hiddenEffects>
+            </a:ext>
+          </a:extLst>
+        </p:spPr>
+      </p:pic>
     </p:spTree>
   </p:cSld>
   <p:clrMapOvr>
@@ -4662,7 +6434,60 @@
       </p:grpSpPr>
       <p:sp>
         <p:nvSpPr>
-          <p:cNvPr id="6" name="Espace réservé du numéro de diapositive 5"/>
+          <p:cNvPr id="2" name="Titre 1"/>
+          <p:cNvSpPr>
+            <a:spLocks noGrp="1"/>
+          </p:cNvSpPr>
+          <p:nvPr>
+            <p:ph type="title"/>
+          </p:nvPr>
+        </p:nvSpPr>
+        <p:spPr/>
+        <p:txBody>
+          <a:bodyPr/>
+          <a:lstStyle/>
+          <a:p>
+            <a:r>
+              <a:rPr lang="fr-FR" dirty="0" smtClean="0"/>
+              <a:t>Exemple d’un algorithme récursif</a:t>
+            </a:r>
+            <a:br>
+              <a:rPr lang="fr-FR" dirty="0" smtClean="0"/>
+            </a:br>
+            <a:r>
+              <a:rPr lang="fr-FR" dirty="0" smtClean="0"/>
+              <a:t>Calcul explicite des puissances de 2</a:t>
+            </a:r>
+            <a:endParaRPr lang="fr-FR" dirty="0"/>
+          </a:p>
+        </p:txBody>
+      </p:sp>
+      <p:sp>
+        <p:nvSpPr>
+          <p:cNvPr id="3" name="Espace réservé du pied de page 2"/>
+          <p:cNvSpPr>
+            <a:spLocks noGrp="1"/>
+          </p:cNvSpPr>
+          <p:nvPr>
+            <p:ph type="ftr" sz="quarter" idx="11"/>
+          </p:nvPr>
+        </p:nvSpPr>
+        <p:spPr/>
+        <p:txBody>
+          <a:bodyPr/>
+          <a:lstStyle/>
+          <a:p>
+            <a:r>
+              <a:rPr lang="fr-FR" smtClean="0"/>
+              <a:t>Programmation récursive - Xavier PESSOLES</a:t>
+            </a:r>
+            <a:endParaRPr lang="fr-FR" dirty="0"/>
+          </a:p>
+        </p:txBody>
+      </p:sp>
+      <p:sp>
+        <p:nvSpPr>
+          <p:cNvPr id="4" name="Espace réservé du numéro de diapositive 3"/>
           <p:cNvSpPr>
             <a:spLocks noGrp="1"/>
           </p:cNvSpPr>
@@ -4686,61 +6511,33 @@
       </p:sp>
       <p:sp>
         <p:nvSpPr>
-          <p:cNvPr id="7" name="ZoneTexte 6"/>
-          <p:cNvSpPr txBox="1"/>
-          <p:nvPr/>
-        </p:nvSpPr>
-        <p:spPr>
-          <a:xfrm>
-            <a:off x="563364" y="5805264"/>
-            <a:ext cx="7929618" cy="646331"/>
-          </a:xfrm>
-          <a:prstGeom prst="rect">
-            <a:avLst/>
-          </a:prstGeom>
-          <a:noFill/>
-        </p:spPr>
-        <p:txBody>
-          <a:bodyPr wrap="square" rtlCol="0">
-            <a:spAutoFit/>
-          </a:bodyPr>
-          <a:lstStyle/>
-          <a:p>
-            <a:r>
-              <a:rPr lang="fr-FR" b="1" dirty="0" smtClean="0">
-                <a:solidFill>
-                  <a:srgbClr val="FF0000"/>
-                </a:solidFill>
-              </a:rPr>
-              <a:t>Consigne : </a:t>
-            </a:r>
-          </a:p>
-          <a:p>
-            <a:pPr>
-              <a:buFont typeface="Arial" pitchFamily="34" charset="0"/>
-              <a:buChar char="•"/>
-            </a:pPr>
-            <a:r>
-              <a:rPr lang="fr-FR" b="1" dirty="0" smtClean="0">
-                <a:solidFill>
-                  <a:srgbClr val="FF0000"/>
-                </a:solidFill>
-              </a:rPr>
-              <a:t> Compléter / Modifier le diagramme des cas d’utilisation</a:t>
-            </a:r>
+          <p:cNvPr id="5" name="Espace réservé du contenu 4"/>
+          <p:cNvSpPr>
+            <a:spLocks noGrp="1"/>
+          </p:cNvSpPr>
+          <p:nvPr>
+            <p:ph sz="quarter" idx="1"/>
+          </p:nvPr>
+        </p:nvSpPr>
+        <p:spPr/>
+        <p:txBody>
+          <a:bodyPr/>
+          <a:lstStyle/>
+          <a:p>
+            <a:endParaRPr lang="fr-FR" dirty="0"/>
           </a:p>
         </p:txBody>
       </p:sp>
       <p:pic>
         <p:nvPicPr>
-          <p:cNvPr id="1026" name="Picture 2" descr="C:\Users\pt_ptsi\Desktop\$R7FNROW.png"/>
+          <p:cNvPr id="4098" name="Picture 2"/>
           <p:cNvPicPr>
             <a:picLocks noChangeAspect="1" noChangeArrowheads="1"/>
           </p:cNvPicPr>
           <p:nvPr/>
         </p:nvPicPr>
         <p:blipFill>
-          <a:blip r:embed="rId2" cstate="print">
+          <a:blip r:embed="rId2">
             <a:extLst>
               <a:ext uri="{28A0092B-C50C-407E-A947-70E740481C1C}">
                 <a14:useLocalDpi xmlns:a14="http://schemas.microsoft.com/office/drawing/2010/main" val="0"/>
@@ -4754,390 +6551,2280 @@
         </p:blipFill>
         <p:spPr bwMode="auto">
           <a:xfrm>
-            <a:off x="827584" y="3479284"/>
-            <a:ext cx="436518" cy="619512"/>
+            <a:off x="604838" y="1971675"/>
+            <a:ext cx="7934325" cy="2914650"/>
           </a:xfrm>
           <a:prstGeom prst="rect">
             <a:avLst/>
           </a:prstGeom>
           <a:noFill/>
+          <a:ln>
+            <a:noFill/>
+          </a:ln>
+          <a:effectLst/>
           <a:extLst>
             <a:ext uri="{909E8E84-426E-40DD-AFC4-6F175D3DCCD1}">
               <a14:hiddenFill xmlns:a14="http://schemas.microsoft.com/office/drawing/2010/main">
                 <a:solidFill>
-                  <a:srgbClr val="FFFFFF"/>
+                  <a:schemeClr val="accent1"/>
                 </a:solidFill>
               </a14:hiddenFill>
             </a:ext>
+            <a:ext uri="{91240B29-F687-4F45-9708-019B960494DF}">
+              <a14:hiddenLine xmlns:a14="http://schemas.microsoft.com/office/drawing/2010/main" w="9525">
+                <a:solidFill>
+                  <a:schemeClr val="tx1"/>
+                </a:solidFill>
+                <a:miter lim="800000"/>
+                <a:headEnd/>
+                <a:tailEnd/>
+              </a14:hiddenLine>
+            </a:ext>
+            <a:ext uri="{AF507438-7753-43E0-B8FC-AC1667EBCBE1}">
+              <a14:hiddenEffects xmlns:a14="http://schemas.microsoft.com/office/drawing/2010/main">
+                <a:effectLst>
+                  <a:outerShdw dist="35921" dir="2700000" algn="ctr" rotWithShape="0">
+                    <a:schemeClr val="bg2"/>
+                  </a:outerShdw>
+                </a:effectLst>
+              </a14:hiddenEffects>
+            </a:ext>
           </a:extLst>
         </p:spPr>
       </p:pic>
-      <p:sp>
-        <p:nvSpPr>
-          <p:cNvPr id="4" name="Rectangle 3"/>
-          <p:cNvSpPr/>
+    </p:spTree>
+    <p:extLst>
+      <p:ext uri="{BB962C8B-B14F-4D97-AF65-F5344CB8AC3E}">
+        <p14:creationId xmlns:p14="http://schemas.microsoft.com/office/powerpoint/2010/main" val="455155370"/>
+      </p:ext>
+    </p:extLst>
+  </p:cSld>
+  <p:clrMapOvr>
+    <a:masterClrMapping/>
+  </p:clrMapOvr>
+  <p:timing>
+    <p:tnLst>
+      <p:par>
+        <p:cTn id="1" dur="indefinite" restart="never" nodeType="tmRoot"/>
+      </p:par>
+    </p:tnLst>
+  </p:timing>
+</p:sld>
+</file>
+
+<file path=ppt/slides/slide4.xml><?xml version="1.0" encoding="utf-8"?>
+<p:sld xmlns:a="http://schemas.openxmlformats.org/drawingml/2006/main" xmlns:r="http://schemas.openxmlformats.org/officeDocument/2006/relationships" xmlns:p="http://schemas.openxmlformats.org/presentationml/2006/main">
+  <p:cSld>
+    <p:spTree>
+      <p:nvGrpSpPr>
+        <p:cNvPr id="1" name=""/>
+        <p:cNvGrpSpPr/>
+        <p:nvPr/>
+      </p:nvGrpSpPr>
+      <p:grpSpPr>
+        <a:xfrm>
+          <a:off x="0" y="0"/>
+          <a:ext cx="0" cy="0"/>
+          <a:chOff x="0" y="0"/>
+          <a:chExt cx="0" cy="0"/>
+        </a:xfrm>
+      </p:grpSpPr>
+      <p:sp>
+        <p:nvSpPr>
+          <p:cNvPr id="2" name="Titre 1"/>
+          <p:cNvSpPr>
+            <a:spLocks noGrp="1"/>
+          </p:cNvSpPr>
+          <p:nvPr>
+            <p:ph type="title"/>
+          </p:nvPr>
+        </p:nvSpPr>
+        <p:spPr/>
+        <p:txBody>
+          <a:bodyPr/>
+          <a:lstStyle/>
+          <a:p>
+            <a:r>
+              <a:rPr lang="fr-FR" dirty="0"/>
+              <a:t>Exemple d’un algorithme récursif</a:t>
+            </a:r>
+            <a:br>
+              <a:rPr lang="fr-FR" dirty="0"/>
+            </a:br>
+            <a:r>
+              <a:rPr lang="fr-FR" dirty="0"/>
+              <a:t>Calcul </a:t>
+            </a:r>
+            <a:r>
+              <a:rPr lang="fr-FR" dirty="0" smtClean="0"/>
+              <a:t>récursif des </a:t>
+            </a:r>
+            <a:r>
+              <a:rPr lang="fr-FR" dirty="0"/>
+              <a:t>puissances de 2</a:t>
+            </a:r>
+          </a:p>
+        </p:txBody>
+      </p:sp>
+      <p:sp>
+        <p:nvSpPr>
+          <p:cNvPr id="3" name="Espace réservé du pied de page 2"/>
+          <p:cNvSpPr>
+            <a:spLocks noGrp="1"/>
+          </p:cNvSpPr>
+          <p:nvPr>
+            <p:ph type="ftr" sz="quarter" idx="11"/>
+          </p:nvPr>
+        </p:nvSpPr>
+        <p:spPr/>
+        <p:txBody>
+          <a:bodyPr/>
+          <a:lstStyle/>
+          <a:p>
+            <a:r>
+              <a:rPr lang="fr-FR" smtClean="0"/>
+              <a:t>Programmation récursive - Xavier PESSOLES</a:t>
+            </a:r>
+            <a:endParaRPr lang="fr-FR" dirty="0"/>
+          </a:p>
+        </p:txBody>
+      </p:sp>
+      <p:sp>
+        <p:nvSpPr>
+          <p:cNvPr id="4" name="Espace réservé du numéro de diapositive 3"/>
+          <p:cNvSpPr>
+            <a:spLocks noGrp="1"/>
+          </p:cNvSpPr>
+          <p:nvPr>
+            <p:ph type="sldNum" sz="quarter" idx="12"/>
+          </p:nvPr>
+        </p:nvSpPr>
+        <p:spPr/>
+        <p:txBody>
+          <a:bodyPr/>
+          <a:lstStyle/>
+          <a:p>
+            <a:fld id="{3F1D8263-54E8-442D-88B4-DA252C595E3D}" type="slidenum">
+              <a:rPr lang="fr-FR" smtClean="0"/>
+              <a:pPr/>
+              <a:t>4</a:t>
+            </a:fld>
+            <a:endParaRPr lang="fr-FR"/>
+          </a:p>
+        </p:txBody>
+      </p:sp>
+      <p:sp>
+        <p:nvSpPr>
+          <p:cNvPr id="5" name="Espace réservé du contenu 4"/>
+          <p:cNvSpPr>
+            <a:spLocks noGrp="1"/>
+          </p:cNvSpPr>
+          <p:nvPr>
+            <p:ph sz="quarter" idx="1"/>
+          </p:nvPr>
+        </p:nvSpPr>
+        <p:spPr/>
+        <p:txBody>
+          <a:bodyPr/>
+          <a:lstStyle/>
+          <a:p>
+            <a:endParaRPr lang="fr-FR" dirty="0"/>
+          </a:p>
+        </p:txBody>
+      </p:sp>
+      <p:pic>
+        <p:nvPicPr>
+          <p:cNvPr id="5122" name="Picture 2"/>
+          <p:cNvPicPr>
+            <a:picLocks noChangeAspect="1" noChangeArrowheads="1"/>
+          </p:cNvPicPr>
           <p:nvPr/>
-        </p:nvSpPr>
-        <p:spPr>
+        </p:nvPicPr>
+        <p:blipFill>
+          <a:blip r:embed="rId2">
+            <a:extLst>
+              <a:ext uri="{28A0092B-C50C-407E-A947-70E740481C1C}">
+                <a14:useLocalDpi xmlns:a14="http://schemas.microsoft.com/office/drawing/2010/main" val="0"/>
+              </a:ext>
+            </a:extLst>
+          </a:blip>
+          <a:srcRect/>
+          <a:stretch>
+            <a:fillRect/>
+          </a:stretch>
+        </p:blipFill>
+        <p:spPr bwMode="auto">
           <a:xfrm>
-            <a:off x="1691680" y="1988840"/>
-            <a:ext cx="5760640" cy="3600400"/>
+            <a:off x="0" y="1340768"/>
+            <a:ext cx="9048750" cy="1733550"/>
           </a:xfrm>
           <a:prstGeom prst="rect">
             <a:avLst/>
           </a:prstGeom>
-        </p:spPr>
-        <p:style>
-          <a:lnRef idx="2">
-            <a:schemeClr val="accent1"/>
-          </a:lnRef>
-          <a:fillRef idx="1">
-            <a:schemeClr val="lt1"/>
-          </a:fillRef>
-          <a:effectRef idx="0">
-            <a:schemeClr val="accent1"/>
-          </a:effectRef>
-          <a:fontRef idx="minor">
-            <a:schemeClr val="dk1"/>
-          </a:fontRef>
-        </p:style>
-        <p:txBody>
-          <a:bodyPr rtlCol="0" anchor="t"/>
-          <a:lstStyle/>
-          <a:p>
-            <a:pPr algn="ctr"/>
-            <a:r>
-              <a:rPr lang="fr-FR" sz="1400" dirty="0" smtClean="0"/>
-              <a:t>Perforateur</a:t>
-            </a:r>
-            <a:endParaRPr lang="fr-FR" sz="1400" dirty="0"/>
-          </a:p>
-        </p:txBody>
-      </p:sp>
-      <p:sp>
-        <p:nvSpPr>
-          <p:cNvPr id="8" name="Ellipse 7"/>
-          <p:cNvSpPr/>
+          <a:noFill/>
+          <a:ln>
+            <a:noFill/>
+          </a:ln>
+          <a:effectLst/>
+          <a:extLst>
+            <a:ext uri="{909E8E84-426E-40DD-AFC4-6F175D3DCCD1}">
+              <a14:hiddenFill xmlns:a14="http://schemas.microsoft.com/office/drawing/2010/main">
+                <a:solidFill>
+                  <a:schemeClr val="accent1"/>
+                </a:solidFill>
+              </a14:hiddenFill>
+            </a:ext>
+            <a:ext uri="{91240B29-F687-4F45-9708-019B960494DF}">
+              <a14:hiddenLine xmlns:a14="http://schemas.microsoft.com/office/drawing/2010/main" w="9525">
+                <a:solidFill>
+                  <a:schemeClr val="tx1"/>
+                </a:solidFill>
+                <a:miter lim="800000"/>
+                <a:headEnd/>
+                <a:tailEnd/>
+              </a14:hiddenLine>
+            </a:ext>
+            <a:ext uri="{AF507438-7753-43E0-B8FC-AC1667EBCBE1}">
+              <a14:hiddenEffects xmlns:a14="http://schemas.microsoft.com/office/drawing/2010/main">
+                <a:effectLst>
+                  <a:outerShdw dist="35921" dir="2700000" algn="ctr" rotWithShape="0">
+                    <a:schemeClr val="bg2"/>
+                  </a:outerShdw>
+                </a:effectLst>
+              </a14:hiddenEffects>
+            </a:ext>
+          </a:extLst>
+        </p:spPr>
+      </p:pic>
+    </p:spTree>
+    <p:extLst>
+      <p:ext uri="{BB962C8B-B14F-4D97-AF65-F5344CB8AC3E}">
+        <p14:creationId xmlns:p14="http://schemas.microsoft.com/office/powerpoint/2010/main" val="1620383092"/>
+      </p:ext>
+    </p:extLst>
+  </p:cSld>
+  <p:clrMapOvr>
+    <a:masterClrMapping/>
+  </p:clrMapOvr>
+  <p:timing>
+    <p:tnLst>
+      <p:par>
+        <p:cTn id="1" dur="indefinite" restart="never" nodeType="tmRoot"/>
+      </p:par>
+    </p:tnLst>
+  </p:timing>
+</p:sld>
+</file>
+
+<file path=ppt/slides/slide5.xml><?xml version="1.0" encoding="utf-8"?>
+<p:sld xmlns:a="http://schemas.openxmlformats.org/drawingml/2006/main" xmlns:r="http://schemas.openxmlformats.org/officeDocument/2006/relationships" xmlns:p="http://schemas.openxmlformats.org/presentationml/2006/main">
+  <p:cSld>
+    <p:spTree>
+      <p:nvGrpSpPr>
+        <p:cNvPr id="1" name=""/>
+        <p:cNvGrpSpPr/>
+        <p:nvPr/>
+      </p:nvGrpSpPr>
+      <p:grpSpPr>
+        <a:xfrm>
+          <a:off x="0" y="0"/>
+          <a:ext cx="0" cy="0"/>
+          <a:chOff x="0" y="0"/>
+          <a:chExt cx="0" cy="0"/>
+        </a:xfrm>
+      </p:grpSpPr>
+      <p:sp>
+        <p:nvSpPr>
+          <p:cNvPr id="2" name="Titre 1"/>
+          <p:cNvSpPr>
+            <a:spLocks noGrp="1"/>
+          </p:cNvSpPr>
+          <p:nvPr>
+            <p:ph type="title"/>
+          </p:nvPr>
+        </p:nvSpPr>
+        <p:spPr/>
+        <p:txBody>
+          <a:bodyPr/>
+          <a:lstStyle/>
+          <a:p>
+            <a:r>
+              <a:rPr lang="fr-FR" dirty="0"/>
+              <a:t>Exemple d’un algorithme récursif</a:t>
+            </a:r>
+            <a:br>
+              <a:rPr lang="fr-FR" dirty="0"/>
+            </a:br>
+            <a:r>
+              <a:rPr lang="fr-FR" dirty="0"/>
+              <a:t>Calcul </a:t>
+            </a:r>
+            <a:r>
+              <a:rPr lang="fr-FR" dirty="0" smtClean="0"/>
+              <a:t>récursif des </a:t>
+            </a:r>
+            <a:r>
+              <a:rPr lang="fr-FR" dirty="0"/>
+              <a:t>puissances de 2</a:t>
+            </a:r>
+          </a:p>
+        </p:txBody>
+      </p:sp>
+      <p:sp>
+        <p:nvSpPr>
+          <p:cNvPr id="3" name="Espace réservé du pied de page 2"/>
+          <p:cNvSpPr>
+            <a:spLocks noGrp="1"/>
+          </p:cNvSpPr>
+          <p:nvPr>
+            <p:ph type="ftr" sz="quarter" idx="11"/>
+          </p:nvPr>
+        </p:nvSpPr>
+        <p:spPr/>
+        <p:txBody>
+          <a:bodyPr/>
+          <a:lstStyle/>
+          <a:p>
+            <a:r>
+              <a:rPr lang="fr-FR" smtClean="0"/>
+              <a:t>Programmation récursive - Xavier PESSOLES</a:t>
+            </a:r>
+            <a:endParaRPr lang="fr-FR" dirty="0"/>
+          </a:p>
+        </p:txBody>
+      </p:sp>
+      <p:sp>
+        <p:nvSpPr>
+          <p:cNvPr id="4" name="Espace réservé du numéro de diapositive 3"/>
+          <p:cNvSpPr>
+            <a:spLocks noGrp="1"/>
+          </p:cNvSpPr>
+          <p:nvPr>
+            <p:ph type="sldNum" sz="quarter" idx="12"/>
+          </p:nvPr>
+        </p:nvSpPr>
+        <p:spPr/>
+        <p:txBody>
+          <a:bodyPr/>
+          <a:lstStyle/>
+          <a:p>
+            <a:fld id="{3F1D8263-54E8-442D-88B4-DA252C595E3D}" type="slidenum">
+              <a:rPr lang="fr-FR" smtClean="0"/>
+              <a:pPr/>
+              <a:t>5</a:t>
+            </a:fld>
+            <a:endParaRPr lang="fr-FR"/>
+          </a:p>
+        </p:txBody>
+      </p:sp>
+      <p:sp>
+        <p:nvSpPr>
+          <p:cNvPr id="5" name="Espace réservé du contenu 4"/>
+          <p:cNvSpPr>
+            <a:spLocks noGrp="1"/>
+          </p:cNvSpPr>
+          <p:nvPr>
+            <p:ph sz="quarter" idx="1"/>
+          </p:nvPr>
+        </p:nvSpPr>
+        <p:spPr/>
+        <p:txBody>
+          <a:bodyPr/>
+          <a:lstStyle/>
+          <a:p>
+            <a:endParaRPr lang="fr-FR" dirty="0"/>
+          </a:p>
+        </p:txBody>
+      </p:sp>
+      <p:pic>
+        <p:nvPicPr>
+          <p:cNvPr id="5123" name="Picture 3"/>
+          <p:cNvPicPr>
+            <a:picLocks noChangeAspect="1" noChangeArrowheads="1"/>
+          </p:cNvPicPr>
           <p:nvPr/>
-        </p:nvSpPr>
-        <p:spPr>
+        </p:nvPicPr>
+        <p:blipFill>
+          <a:blip r:embed="rId2">
+            <a:extLst>
+              <a:ext uri="{28A0092B-C50C-407E-A947-70E740481C1C}">
+                <a14:useLocalDpi xmlns:a14="http://schemas.microsoft.com/office/drawing/2010/main" val="0"/>
+              </a:ext>
+            </a:extLst>
+          </a:blip>
+          <a:srcRect/>
+          <a:stretch>
+            <a:fillRect/>
+          </a:stretch>
+        </p:blipFill>
+        <p:spPr bwMode="auto">
           <a:xfrm>
-            <a:off x="2051720" y="2593524"/>
-            <a:ext cx="2224153" cy="889661"/>
-          </a:xfrm>
-          <a:prstGeom prst="ellipse">
-            <a:avLst/>
-          </a:prstGeom>
-        </p:spPr>
-        <p:style>
-          <a:lnRef idx="2">
-            <a:schemeClr val="accent1"/>
-          </a:lnRef>
-          <a:fillRef idx="1">
-            <a:schemeClr val="lt1"/>
-          </a:fillRef>
-          <a:effectRef idx="0">
-            <a:schemeClr val="accent1"/>
-          </a:effectRef>
-          <a:fontRef idx="minor">
-            <a:schemeClr val="dk1"/>
-          </a:fontRef>
-        </p:style>
-        <p:txBody>
-          <a:bodyPr rtlCol="0" anchor="ctr"/>
-          <a:lstStyle/>
-          <a:p>
-            <a:pPr algn="ctr"/>
-            <a:endParaRPr lang="fr-FR"/>
-          </a:p>
-        </p:txBody>
-      </p:sp>
-      <p:sp>
-        <p:nvSpPr>
-          <p:cNvPr id="11" name="Ellipse 10"/>
-          <p:cNvSpPr/>
-          <p:nvPr/>
-        </p:nvSpPr>
-        <p:spPr>
-          <a:xfrm>
-            <a:off x="2051720" y="4221088"/>
-            <a:ext cx="2224153" cy="889661"/>
-          </a:xfrm>
-          <a:prstGeom prst="ellipse">
-            <a:avLst/>
-          </a:prstGeom>
-        </p:spPr>
-        <p:style>
-          <a:lnRef idx="2">
-            <a:schemeClr val="accent1"/>
-          </a:lnRef>
-          <a:fillRef idx="1">
-            <a:schemeClr val="lt1"/>
-          </a:fillRef>
-          <a:effectRef idx="0">
-            <a:schemeClr val="accent1"/>
-          </a:effectRef>
-          <a:fontRef idx="minor">
-            <a:schemeClr val="dk1"/>
-          </a:fontRef>
-        </p:style>
-        <p:txBody>
-          <a:bodyPr rtlCol="0" anchor="ctr"/>
-          <a:lstStyle/>
-          <a:p>
-            <a:pPr algn="ctr"/>
-            <a:endParaRPr lang="fr-FR"/>
-          </a:p>
-        </p:txBody>
-      </p:sp>
-      <p:sp>
-        <p:nvSpPr>
-          <p:cNvPr id="12" name="Ellipse 11"/>
-          <p:cNvSpPr/>
-          <p:nvPr/>
-        </p:nvSpPr>
-        <p:spPr>
-          <a:xfrm>
-            <a:off x="4932040" y="4581128"/>
-            <a:ext cx="2224153" cy="889661"/>
-          </a:xfrm>
-          <a:prstGeom prst="ellipse">
-            <a:avLst/>
-          </a:prstGeom>
-        </p:spPr>
-        <p:style>
-          <a:lnRef idx="2">
-            <a:schemeClr val="accent1"/>
-          </a:lnRef>
-          <a:fillRef idx="1">
-            <a:schemeClr val="lt1"/>
-          </a:fillRef>
-          <a:effectRef idx="0">
-            <a:schemeClr val="accent1"/>
-          </a:effectRef>
-          <a:fontRef idx="minor">
-            <a:schemeClr val="dk1"/>
-          </a:fontRef>
-        </p:style>
-        <p:txBody>
-          <a:bodyPr rtlCol="0" anchor="ctr"/>
-          <a:lstStyle/>
-          <a:p>
-            <a:pPr algn="ctr"/>
-            <a:endParaRPr lang="fr-FR"/>
-          </a:p>
-        </p:txBody>
-      </p:sp>
-      <p:sp>
-        <p:nvSpPr>
-          <p:cNvPr id="13" name="Ellipse 12"/>
-          <p:cNvSpPr/>
-          <p:nvPr/>
-        </p:nvSpPr>
-        <p:spPr>
-          <a:xfrm>
-            <a:off x="4932040" y="3573016"/>
-            <a:ext cx="2224153" cy="889661"/>
-          </a:xfrm>
-          <a:prstGeom prst="ellipse">
-            <a:avLst/>
-          </a:prstGeom>
-        </p:spPr>
-        <p:style>
-          <a:lnRef idx="2">
-            <a:schemeClr val="accent1"/>
-          </a:lnRef>
-          <a:fillRef idx="1">
-            <a:schemeClr val="lt1"/>
-          </a:fillRef>
-          <a:effectRef idx="0">
-            <a:schemeClr val="accent1"/>
-          </a:effectRef>
-          <a:fontRef idx="minor">
-            <a:schemeClr val="dk1"/>
-          </a:fontRef>
-        </p:style>
-        <p:txBody>
-          <a:bodyPr rtlCol="0" anchor="ctr"/>
-          <a:lstStyle/>
-          <a:p>
-            <a:pPr algn="ctr"/>
-            <a:endParaRPr lang="fr-FR"/>
-          </a:p>
-        </p:txBody>
-      </p:sp>
-      <p:sp>
-        <p:nvSpPr>
-          <p:cNvPr id="9" name="Rectangle 8"/>
-          <p:cNvSpPr/>
-          <p:nvPr/>
-        </p:nvSpPr>
-        <p:spPr>
-          <a:xfrm>
-            <a:off x="628901" y="4185678"/>
-            <a:ext cx="833883" cy="276999"/>
+            <a:off x="393" y="1075512"/>
+            <a:ext cx="8712968" cy="4545515"/>
           </a:xfrm>
           <a:prstGeom prst="rect">
             <a:avLst/>
           </a:prstGeom>
-        </p:spPr>
-        <p:txBody>
-          <a:bodyPr wrap="none">
-            <a:spAutoFit/>
-          </a:bodyPr>
-          <a:lstStyle/>
-          <a:p>
-            <a:r>
-              <a:rPr lang="fr-FR" sz="1200" dirty="0" smtClean="0"/>
-              <a:t>Utilisateur</a:t>
-            </a:r>
-            <a:endParaRPr lang="fr-FR" sz="1200" dirty="0"/>
+          <a:noFill/>
+          <a:ln>
+            <a:noFill/>
+          </a:ln>
+          <a:effectLst/>
+          <a:extLst>
+            <a:ext uri="{909E8E84-426E-40DD-AFC4-6F175D3DCCD1}">
+              <a14:hiddenFill xmlns:a14="http://schemas.microsoft.com/office/drawing/2010/main">
+                <a:solidFill>
+                  <a:schemeClr val="accent1"/>
+                </a:solidFill>
+              </a14:hiddenFill>
+            </a:ext>
+            <a:ext uri="{91240B29-F687-4F45-9708-019B960494DF}">
+              <a14:hiddenLine xmlns:a14="http://schemas.microsoft.com/office/drawing/2010/main" w="9525">
+                <a:solidFill>
+                  <a:schemeClr val="tx1"/>
+                </a:solidFill>
+                <a:miter lim="800000"/>
+                <a:headEnd/>
+                <a:tailEnd/>
+              </a14:hiddenLine>
+            </a:ext>
+            <a:ext uri="{AF507438-7753-43E0-B8FC-AC1667EBCBE1}">
+              <a14:hiddenEffects xmlns:a14="http://schemas.microsoft.com/office/drawing/2010/main">
+                <a:effectLst>
+                  <a:outerShdw dist="35921" dir="2700000" algn="ctr" rotWithShape="0">
+                    <a:schemeClr val="bg2"/>
+                  </a:outerShdw>
+                </a:effectLst>
+              </a14:hiddenEffects>
+            </a:ext>
+          </a:extLst>
+        </p:spPr>
+      </p:pic>
+    </p:spTree>
+    <p:extLst>
+      <p:ext uri="{BB962C8B-B14F-4D97-AF65-F5344CB8AC3E}">
+        <p14:creationId xmlns:p14="http://schemas.microsoft.com/office/powerpoint/2010/main" val="3299853239"/>
+      </p:ext>
+    </p:extLst>
+  </p:cSld>
+  <p:clrMapOvr>
+    <a:masterClrMapping/>
+  </p:clrMapOvr>
+  <p:timing>
+    <p:tnLst>
+      <p:par>
+        <p:cTn id="1" dur="indefinite" restart="never" nodeType="tmRoot"/>
+      </p:par>
+    </p:tnLst>
+  </p:timing>
+</p:sld>
+</file>
+
+<file path=ppt/slides/slide6.xml><?xml version="1.0" encoding="utf-8"?>
+<p:sld xmlns:a="http://schemas.openxmlformats.org/drawingml/2006/main" xmlns:r="http://schemas.openxmlformats.org/officeDocument/2006/relationships" xmlns:p="http://schemas.openxmlformats.org/presentationml/2006/main">
+  <p:cSld>
+    <p:spTree>
+      <p:nvGrpSpPr>
+        <p:cNvPr id="1" name=""/>
+        <p:cNvGrpSpPr/>
+        <p:nvPr/>
+      </p:nvGrpSpPr>
+      <p:grpSpPr>
+        <a:xfrm>
+          <a:off x="0" y="0"/>
+          <a:ext cx="0" cy="0"/>
+          <a:chOff x="0" y="0"/>
+          <a:chExt cx="0" cy="0"/>
+        </a:xfrm>
+      </p:grpSpPr>
+      <p:sp>
+        <p:nvSpPr>
+          <p:cNvPr id="2" name="Titre 1"/>
+          <p:cNvSpPr>
+            <a:spLocks noGrp="1"/>
+          </p:cNvSpPr>
+          <p:nvPr>
+            <p:ph type="title"/>
+          </p:nvPr>
+        </p:nvSpPr>
+        <p:spPr/>
+        <p:txBody>
+          <a:bodyPr/>
+          <a:lstStyle/>
+          <a:p>
+            <a:r>
+              <a:rPr lang="fr-FR" dirty="0"/>
+              <a:t>Exemple d’un algorithme récursif</a:t>
+            </a:r>
+            <a:br>
+              <a:rPr lang="fr-FR" dirty="0"/>
+            </a:br>
+            <a:r>
+              <a:rPr lang="fr-FR" dirty="0"/>
+              <a:t>Calcul </a:t>
+            </a:r>
+            <a:r>
+              <a:rPr lang="fr-FR" dirty="0" smtClean="0"/>
+              <a:t>récursif des </a:t>
+            </a:r>
+            <a:r>
+              <a:rPr lang="fr-FR" dirty="0"/>
+              <a:t>puissances de 2</a:t>
+            </a:r>
+          </a:p>
+        </p:txBody>
+      </p:sp>
+      <p:sp>
+        <p:nvSpPr>
+          <p:cNvPr id="3" name="Espace réservé du pied de page 2"/>
+          <p:cNvSpPr>
+            <a:spLocks noGrp="1"/>
+          </p:cNvSpPr>
+          <p:nvPr>
+            <p:ph type="ftr" sz="quarter" idx="11"/>
+          </p:nvPr>
+        </p:nvSpPr>
+        <p:spPr/>
+        <p:txBody>
+          <a:bodyPr/>
+          <a:lstStyle/>
+          <a:p>
+            <a:r>
+              <a:rPr lang="fr-FR" smtClean="0"/>
+              <a:t>Programmation récursive - Xavier PESSOLES</a:t>
+            </a:r>
+            <a:endParaRPr lang="fr-FR" dirty="0"/>
+          </a:p>
+        </p:txBody>
+      </p:sp>
+      <p:sp>
+        <p:nvSpPr>
+          <p:cNvPr id="4" name="Espace réservé du numéro de diapositive 3"/>
+          <p:cNvSpPr>
+            <a:spLocks noGrp="1"/>
+          </p:cNvSpPr>
+          <p:nvPr>
+            <p:ph type="sldNum" sz="quarter" idx="12"/>
+          </p:nvPr>
+        </p:nvSpPr>
+        <p:spPr/>
+        <p:txBody>
+          <a:bodyPr/>
+          <a:lstStyle/>
+          <a:p>
+            <a:fld id="{3F1D8263-54E8-442D-88B4-DA252C595E3D}" type="slidenum">
+              <a:rPr lang="fr-FR" smtClean="0"/>
+              <a:pPr/>
+              <a:t>6</a:t>
+            </a:fld>
+            <a:endParaRPr lang="fr-FR"/>
+          </a:p>
+        </p:txBody>
+      </p:sp>
+      <mc:AlternateContent xmlns:mc="http://schemas.openxmlformats.org/markup-compatibility/2006">
+        <mc:Choice xmlns:a14="http://schemas.microsoft.com/office/drawing/2010/main" Requires="a14">
+          <p:sp>
+            <p:nvSpPr>
+              <p:cNvPr id="5" name="Espace réservé du contenu 4"/>
+              <p:cNvSpPr>
+                <a:spLocks noGrp="1"/>
+              </p:cNvSpPr>
+              <p:nvPr>
+                <p:ph sz="quarter" idx="1"/>
+              </p:nvPr>
+            </p:nvSpPr>
+            <p:spPr/>
+            <p:txBody>
+              <a:bodyPr/>
+              <a:lstStyle/>
+              <a:p>
+                <a:r>
+                  <a:rPr lang="fr-FR" dirty="0" smtClean="0"/>
+                  <a:t>Représentation de la pile d’exécution : calcul de </a:t>
+                </a:r>
+                <a14:m>
+                  <m:oMath xmlns:m="http://schemas.openxmlformats.org/officeDocument/2006/math">
+                    <m:sSup>
+                      <m:sSupPr>
+                        <m:ctrlPr>
+                          <a:rPr lang="fr-FR" b="0" i="1" smtClean="0">
+                            <a:latin typeface="Cambria Math"/>
+                          </a:rPr>
+                        </m:ctrlPr>
+                      </m:sSupPr>
+                      <m:e>
+                        <m:r>
+                          <a:rPr lang="fr-FR" b="0" i="1" smtClean="0">
+                            <a:latin typeface="Cambria Math"/>
+                          </a:rPr>
+                          <m:t>2</m:t>
+                        </m:r>
+                      </m:e>
+                      <m:sup>
+                        <m:r>
+                          <a:rPr lang="fr-FR" b="0" i="1" smtClean="0">
+                            <a:latin typeface="Cambria Math"/>
+                          </a:rPr>
+                          <m:t>4</m:t>
+                        </m:r>
+                      </m:sup>
+                    </m:sSup>
+                  </m:oMath>
+                </a14:m>
+                <a:r>
+                  <a:rPr lang="fr-FR" dirty="0" smtClean="0"/>
+                  <a:t> :</a:t>
+                </a:r>
+                <a:endParaRPr lang="fr-FR" dirty="0"/>
+              </a:p>
+            </p:txBody>
+          </p:sp>
+        </mc:Choice>
+        <mc:Fallback>
+          <p:sp>
+            <p:nvSpPr>
+              <p:cNvPr id="5" name="Espace réservé du contenu 4"/>
+              <p:cNvSpPr>
+                <a:spLocks noGrp="1" noRot="1" noChangeAspect="1" noMove="1" noResize="1" noEditPoints="1" noAdjustHandles="1" noChangeArrowheads="1" noChangeShapeType="1" noTextEdit="1"/>
+              </p:cNvSpPr>
+              <p:nvPr>
+                <p:ph sz="quarter" idx="1"/>
+              </p:nvPr>
+            </p:nvSpPr>
+            <p:spPr>
+              <a:blipFill rotWithShape="1">
+                <a:blip r:embed="rId2"/>
+                <a:stretch>
+                  <a:fillRect l="-444" t="-988"/>
+                </a:stretch>
+              </a:blipFill>
+            </p:spPr>
+            <p:txBody>
+              <a:bodyPr/>
+              <a:lstStyle/>
+              <a:p>
+                <a:r>
+                  <a:rPr lang="fr-FR">
+                    <a:noFill/>
+                  </a:rPr>
+                  <a:t> </a:t>
+                </a:r>
+              </a:p>
+            </p:txBody>
+          </p:sp>
+        </mc:Fallback>
+      </mc:AlternateContent>
+      <p:sp>
+        <p:nvSpPr>
+          <p:cNvPr id="32" name="Rectangle 31"/>
+          <p:cNvSpPr/>
+          <p:nvPr/>
+        </p:nvSpPr>
+        <p:spPr>
+          <a:xfrm>
+            <a:off x="4998304" y="4870644"/>
+            <a:ext cx="1443358" cy="718596"/>
+          </a:xfrm>
+          <a:prstGeom prst="rect">
+            <a:avLst/>
+          </a:prstGeom>
+          <a:solidFill>
+            <a:srgbClr val="4BACC6">
+              <a:lumMod val="20000"/>
+              <a:lumOff val="80000"/>
+            </a:srgbClr>
+          </a:solidFill>
+          <a:ln w="25400" cap="flat" cmpd="sng" algn="ctr">
+            <a:solidFill>
+              <a:srgbClr val="4BACC6">
+                <a:lumMod val="50000"/>
+              </a:srgbClr>
+            </a:solidFill>
+            <a:prstDash val="solid"/>
+          </a:ln>
+          <a:effectLst/>
+        </p:spPr>
+        <p:txBody>
+          <a:bodyPr rtlCol="0" anchor="ctr"/>
+          <a:lstStyle/>
+          <a:p>
+            <a:pPr marL="0" marR="0" lvl="0" indent="0" algn="ctr" defTabSz="914400" eaLnBrk="1" fontAlgn="auto" latinLnBrk="0" hangingPunct="1">
+              <a:lnSpc>
+                <a:spcPct val="100000"/>
+              </a:lnSpc>
+              <a:spcBef>
+                <a:spcPts val="0"/>
+              </a:spcBef>
+              <a:spcAft>
+                <a:spcPts val="0"/>
+              </a:spcAft>
+              <a:buClrTx/>
+              <a:buSzTx/>
+              <a:buFontTx/>
+              <a:buNone/>
+              <a:tabLst/>
+              <a:defRPr/>
+            </a:pPr>
+            <a:r>
+              <a:rPr kumimoji="0" lang="fr-FR" sz="2400" b="0" i="0" u="none" strike="noStrike" kern="0" cap="none" spc="0" normalizeH="0" baseline="0" noProof="0" dirty="0" smtClean="0">
+                <a:ln>
+                  <a:noFill/>
+                </a:ln>
+                <a:solidFill>
+                  <a:sysClr val="windowText" lastClr="000000"/>
+                </a:solidFill>
+                <a:effectLst/>
+                <a:uLnTx/>
+                <a:uFillTx/>
+                <a:latin typeface="Calibri"/>
+                <a:ea typeface="+mn-ea"/>
+                <a:cs typeface="+mn-cs"/>
+              </a:rPr>
+              <a:t>2 * P2(3)</a:t>
+            </a:r>
+            <a:endParaRPr kumimoji="0" lang="fr-FR" sz="2400" b="0" i="0" u="none" strike="noStrike" kern="0" cap="none" spc="0" normalizeH="0" baseline="0" noProof="0" dirty="0">
+              <a:ln>
+                <a:noFill/>
+              </a:ln>
+              <a:solidFill>
+                <a:sysClr val="windowText" lastClr="000000"/>
+              </a:solidFill>
+              <a:effectLst/>
+              <a:uLnTx/>
+              <a:uFillTx/>
+              <a:latin typeface="Calibri"/>
+              <a:ea typeface="+mn-ea"/>
+              <a:cs typeface="+mn-cs"/>
+            </a:endParaRPr>
+          </a:p>
+        </p:txBody>
+      </p:sp>
+      <p:sp>
+        <p:nvSpPr>
+          <p:cNvPr id="33" name="Rectangle 32"/>
+          <p:cNvSpPr/>
+          <p:nvPr/>
+        </p:nvSpPr>
+        <p:spPr>
+          <a:xfrm>
+            <a:off x="4998304" y="4148234"/>
+            <a:ext cx="1443358" cy="722409"/>
+          </a:xfrm>
+          <a:prstGeom prst="rect">
+            <a:avLst/>
+          </a:prstGeom>
+          <a:solidFill>
+            <a:srgbClr val="4BACC6">
+              <a:lumMod val="20000"/>
+              <a:lumOff val="80000"/>
+            </a:srgbClr>
+          </a:solidFill>
+          <a:ln w="25400" cap="flat" cmpd="sng" algn="ctr">
+            <a:solidFill>
+              <a:srgbClr val="4BACC6">
+                <a:lumMod val="50000"/>
+              </a:srgbClr>
+            </a:solidFill>
+            <a:prstDash val="solid"/>
+          </a:ln>
+          <a:effectLst/>
+        </p:spPr>
+        <p:txBody>
+          <a:bodyPr rtlCol="0" anchor="ctr"/>
+          <a:lstStyle/>
+          <a:p>
+            <a:pPr marL="0" marR="0" lvl="0" indent="0" algn="ctr" defTabSz="914400" eaLnBrk="1" fontAlgn="auto" latinLnBrk="0" hangingPunct="1">
+              <a:lnSpc>
+                <a:spcPct val="100000"/>
+              </a:lnSpc>
+              <a:spcBef>
+                <a:spcPts val="0"/>
+              </a:spcBef>
+              <a:spcAft>
+                <a:spcPts val="0"/>
+              </a:spcAft>
+              <a:buClrTx/>
+              <a:buSzTx/>
+              <a:buFontTx/>
+              <a:buNone/>
+              <a:tabLst/>
+              <a:defRPr/>
+            </a:pPr>
+            <a:r>
+              <a:rPr kumimoji="0" lang="fr-FR" sz="2400" b="0" i="0" u="none" strike="noStrike" kern="0" cap="none" spc="0" normalizeH="0" baseline="0" noProof="0" dirty="0" smtClean="0">
+                <a:ln>
+                  <a:noFill/>
+                </a:ln>
+                <a:solidFill>
+                  <a:sysClr val="windowText" lastClr="000000"/>
+                </a:solidFill>
+                <a:effectLst/>
+                <a:uLnTx/>
+                <a:uFillTx/>
+                <a:latin typeface="Calibri"/>
+                <a:ea typeface="+mn-ea"/>
+                <a:cs typeface="+mn-cs"/>
+              </a:rPr>
+              <a:t>2 * P2(2)</a:t>
+            </a:r>
+            <a:endParaRPr kumimoji="0" lang="fr-FR" sz="2400" b="0" i="0" u="none" strike="noStrike" kern="0" cap="none" spc="0" normalizeH="0" baseline="0" noProof="0" dirty="0">
+              <a:ln>
+                <a:noFill/>
+              </a:ln>
+              <a:solidFill>
+                <a:sysClr val="windowText" lastClr="000000"/>
+              </a:solidFill>
+              <a:effectLst/>
+              <a:uLnTx/>
+              <a:uFillTx/>
+              <a:latin typeface="Calibri"/>
+              <a:ea typeface="+mn-ea"/>
+              <a:cs typeface="+mn-cs"/>
+            </a:endParaRPr>
+          </a:p>
+        </p:txBody>
+      </p:sp>
+      <p:sp>
+        <p:nvSpPr>
+          <p:cNvPr id="34" name="Rectangle 33"/>
+          <p:cNvSpPr/>
+          <p:nvPr/>
+        </p:nvSpPr>
+        <p:spPr>
+          <a:xfrm>
+            <a:off x="4998303" y="3425696"/>
+            <a:ext cx="1443360" cy="722540"/>
+          </a:xfrm>
+          <a:prstGeom prst="rect">
+            <a:avLst/>
+          </a:prstGeom>
+          <a:solidFill>
+            <a:srgbClr val="4BACC6">
+              <a:lumMod val="20000"/>
+              <a:lumOff val="80000"/>
+            </a:srgbClr>
+          </a:solidFill>
+          <a:ln w="25400" cap="flat" cmpd="sng" algn="ctr">
+            <a:solidFill>
+              <a:srgbClr val="4BACC6">
+                <a:lumMod val="50000"/>
+              </a:srgbClr>
+            </a:solidFill>
+            <a:prstDash val="solid"/>
+          </a:ln>
+          <a:effectLst/>
+        </p:spPr>
+        <p:txBody>
+          <a:bodyPr rtlCol="0" anchor="ctr"/>
+          <a:lstStyle/>
+          <a:p>
+            <a:pPr marL="0" marR="0" lvl="0" indent="0" algn="ctr" defTabSz="914400" eaLnBrk="1" fontAlgn="auto" latinLnBrk="0" hangingPunct="1">
+              <a:lnSpc>
+                <a:spcPct val="100000"/>
+              </a:lnSpc>
+              <a:spcBef>
+                <a:spcPts val="0"/>
+              </a:spcBef>
+              <a:spcAft>
+                <a:spcPts val="0"/>
+              </a:spcAft>
+              <a:buClrTx/>
+              <a:buSzTx/>
+              <a:buFontTx/>
+              <a:buNone/>
+              <a:tabLst/>
+              <a:defRPr/>
+            </a:pPr>
+            <a:r>
+              <a:rPr kumimoji="0" lang="fr-FR" sz="2400" b="0" i="0" u="none" strike="noStrike" kern="0" cap="none" spc="0" normalizeH="0" baseline="0" noProof="0" dirty="0" smtClean="0">
+                <a:ln>
+                  <a:noFill/>
+                </a:ln>
+                <a:solidFill>
+                  <a:sysClr val="windowText" lastClr="000000"/>
+                </a:solidFill>
+                <a:effectLst/>
+                <a:uLnTx/>
+                <a:uFillTx/>
+                <a:latin typeface="Calibri"/>
+                <a:ea typeface="+mn-ea"/>
+                <a:cs typeface="+mn-cs"/>
+              </a:rPr>
+              <a:t>2 * P2(1)</a:t>
+            </a:r>
+            <a:endParaRPr kumimoji="0" lang="fr-FR" sz="2400" b="0" i="0" u="none" strike="noStrike" kern="0" cap="none" spc="0" normalizeH="0" baseline="0" noProof="0" dirty="0">
+              <a:ln>
+                <a:noFill/>
+              </a:ln>
+              <a:solidFill>
+                <a:sysClr val="windowText" lastClr="000000"/>
+              </a:solidFill>
+              <a:effectLst/>
+              <a:uLnTx/>
+              <a:uFillTx/>
+              <a:latin typeface="Calibri"/>
+              <a:ea typeface="+mn-ea"/>
+              <a:cs typeface="+mn-cs"/>
+            </a:endParaRPr>
+          </a:p>
+        </p:txBody>
+      </p:sp>
+      <p:sp>
+        <p:nvSpPr>
+          <p:cNvPr id="35" name="Rectangle 34"/>
+          <p:cNvSpPr/>
+          <p:nvPr/>
+        </p:nvSpPr>
+        <p:spPr>
+          <a:xfrm>
+            <a:off x="4998303" y="2706398"/>
+            <a:ext cx="1443359" cy="722602"/>
+          </a:xfrm>
+          <a:prstGeom prst="rect">
+            <a:avLst/>
+          </a:prstGeom>
+          <a:solidFill>
+            <a:srgbClr val="4BACC6">
+              <a:lumMod val="20000"/>
+              <a:lumOff val="80000"/>
+            </a:srgbClr>
+          </a:solidFill>
+          <a:ln w="25400" cap="flat" cmpd="sng" algn="ctr">
+            <a:solidFill>
+              <a:srgbClr val="4BACC6">
+                <a:lumMod val="50000"/>
+              </a:srgbClr>
+            </a:solidFill>
+            <a:prstDash val="solid"/>
+          </a:ln>
+          <a:effectLst/>
+        </p:spPr>
+        <p:txBody>
+          <a:bodyPr rtlCol="0" anchor="ctr"/>
+          <a:lstStyle/>
+          <a:p>
+            <a:pPr marL="0" marR="0" lvl="0" indent="0" algn="ctr" defTabSz="914400" eaLnBrk="1" fontAlgn="auto" latinLnBrk="0" hangingPunct="1">
+              <a:lnSpc>
+                <a:spcPct val="100000"/>
+              </a:lnSpc>
+              <a:spcBef>
+                <a:spcPts val="0"/>
+              </a:spcBef>
+              <a:spcAft>
+                <a:spcPts val="0"/>
+              </a:spcAft>
+              <a:buClrTx/>
+              <a:buSzTx/>
+              <a:buFontTx/>
+              <a:buNone/>
+              <a:tabLst/>
+              <a:defRPr/>
+            </a:pPr>
+            <a:r>
+              <a:rPr kumimoji="0" lang="fr-FR" sz="2400" b="0" i="0" u="none" strike="noStrike" kern="0" cap="none" spc="0" normalizeH="0" baseline="0" noProof="0" dirty="0" smtClean="0">
+                <a:ln>
+                  <a:noFill/>
+                </a:ln>
+                <a:solidFill>
+                  <a:sysClr val="windowText" lastClr="000000"/>
+                </a:solidFill>
+                <a:effectLst/>
+                <a:uLnTx/>
+                <a:uFillTx/>
+                <a:latin typeface="Calibri"/>
+                <a:ea typeface="+mn-ea"/>
+                <a:cs typeface="+mn-cs"/>
+              </a:rPr>
+              <a:t>2 * P2(0)</a:t>
+            </a:r>
+            <a:endParaRPr kumimoji="0" lang="fr-FR" sz="2400" b="0" i="0" u="none" strike="noStrike" kern="0" cap="none" spc="0" normalizeH="0" baseline="0" noProof="0" dirty="0">
+              <a:ln>
+                <a:noFill/>
+              </a:ln>
+              <a:solidFill>
+                <a:sysClr val="windowText" lastClr="000000"/>
+              </a:solidFill>
+              <a:effectLst/>
+              <a:uLnTx/>
+              <a:uFillTx/>
+              <a:latin typeface="Calibri"/>
+              <a:ea typeface="+mn-ea"/>
+              <a:cs typeface="+mn-cs"/>
+            </a:endParaRPr>
           </a:p>
         </p:txBody>
       </p:sp>
       <p:cxnSp>
         <p:nvCxnSpPr>
-          <p:cNvPr id="15" name="Connecteur droit 14"/>
-          <p:cNvCxnSpPr>
-            <a:stCxn id="1026" idx="3"/>
-            <a:endCxn id="11" idx="2"/>
-          </p:cNvCxnSpPr>
+          <p:cNvPr id="37" name="Connecteur droit 36"/>
+          <p:cNvCxnSpPr/>
           <p:nvPr/>
         </p:nvCxnSpPr>
         <p:spPr>
           <a:xfrm>
-            <a:off x="1264102" y="3789040"/>
-            <a:ext cx="787618" cy="876879"/>
+            <a:off x="6657688" y="1977809"/>
+            <a:ext cx="0" cy="3755447"/>
           </a:xfrm>
           <a:prstGeom prst="line">
             <a:avLst/>
           </a:prstGeom>
-        </p:spPr>
-        <p:style>
-          <a:lnRef idx="2">
-            <a:schemeClr val="accent1"/>
-          </a:lnRef>
-          <a:fillRef idx="1">
-            <a:schemeClr val="lt1"/>
-          </a:fillRef>
-          <a:effectRef idx="0">
-            <a:schemeClr val="accent1"/>
-          </a:effectRef>
-          <a:fontRef idx="minor">
-            <a:schemeClr val="dk1"/>
-          </a:fontRef>
-        </p:style>
+          <a:solidFill>
+            <a:srgbClr val="4BACC6">
+              <a:lumMod val="20000"/>
+              <a:lumOff val="80000"/>
+            </a:srgbClr>
+          </a:solidFill>
+          <a:ln w="25400" cap="flat" cmpd="sng" algn="ctr">
+            <a:solidFill>
+              <a:srgbClr val="4BACC6">
+                <a:lumMod val="50000"/>
+              </a:srgbClr>
+            </a:solidFill>
+            <a:prstDash val="solid"/>
+          </a:ln>
+          <a:effectLst/>
+        </p:spPr>
       </p:cxnSp>
       <p:cxnSp>
         <p:nvCxnSpPr>
-          <p:cNvPr id="19" name="Connecteur droit 18"/>
-          <p:cNvCxnSpPr>
-            <a:stCxn id="8" idx="2"/>
-            <a:endCxn id="1026" idx="3"/>
-          </p:cNvCxnSpPr>
+          <p:cNvPr id="38" name="Connecteur droit 37"/>
+          <p:cNvCxnSpPr/>
           <p:nvPr/>
         </p:nvCxnSpPr>
         <p:spPr>
           <a:xfrm flipH="1">
-            <a:off x="1264102" y="3038355"/>
-            <a:ext cx="787618" cy="750685"/>
+            <a:off x="4785480" y="5715113"/>
+            <a:ext cx="1872208" cy="0"/>
           </a:xfrm>
           <a:prstGeom prst="line">
             <a:avLst/>
           </a:prstGeom>
-        </p:spPr>
-        <p:style>
-          <a:lnRef idx="2">
-            <a:schemeClr val="accent1"/>
-          </a:lnRef>
-          <a:fillRef idx="1">
-            <a:schemeClr val="lt1"/>
-          </a:fillRef>
-          <a:effectRef idx="0">
-            <a:schemeClr val="accent1"/>
-          </a:effectRef>
-          <a:fontRef idx="minor">
-            <a:schemeClr val="dk1"/>
-          </a:fontRef>
-        </p:style>
+          <a:solidFill>
+            <a:srgbClr val="4BACC6">
+              <a:lumMod val="20000"/>
+              <a:lumOff val="80000"/>
+            </a:srgbClr>
+          </a:solidFill>
+          <a:ln w="25400" cap="flat" cmpd="sng" algn="ctr">
+            <a:solidFill>
+              <a:srgbClr val="4BACC6">
+                <a:lumMod val="50000"/>
+              </a:srgbClr>
+            </a:solidFill>
+            <a:prstDash val="solid"/>
+          </a:ln>
+          <a:effectLst/>
+        </p:spPr>
       </p:cxnSp>
       <p:cxnSp>
         <p:nvCxnSpPr>
-          <p:cNvPr id="22" name="Connecteur droit 21"/>
-          <p:cNvCxnSpPr>
-            <a:stCxn id="11" idx="6"/>
-            <a:endCxn id="13" idx="2"/>
-          </p:cNvCxnSpPr>
-          <p:nvPr/>
-        </p:nvCxnSpPr>
-        <p:spPr>
-          <a:xfrm flipV="1">
-            <a:off x="4275873" y="4017847"/>
-            <a:ext cx="656167" cy="648072"/>
-          </a:xfrm>
-          <a:prstGeom prst="line">
-            <a:avLst/>
-          </a:prstGeom>
-          <a:ln>
-            <a:headEnd type="triangle"/>
-            <a:tailEnd w="lg" len="lg"/>
-          </a:ln>
-        </p:spPr>
-        <p:style>
-          <a:lnRef idx="2">
-            <a:schemeClr val="accent1"/>
-          </a:lnRef>
-          <a:fillRef idx="1">
-            <a:schemeClr val="lt1"/>
-          </a:fillRef>
-          <a:effectRef idx="0">
-            <a:schemeClr val="accent1"/>
-          </a:effectRef>
-          <a:fontRef idx="minor">
-            <a:schemeClr val="dk1"/>
-          </a:fontRef>
-        </p:style>
-      </p:cxnSp>
-      <p:cxnSp>
-        <p:nvCxnSpPr>
-          <p:cNvPr id="25" name="Connecteur droit 24"/>
-          <p:cNvCxnSpPr>
-            <a:stCxn id="11" idx="6"/>
-            <a:endCxn id="12" idx="2"/>
-          </p:cNvCxnSpPr>
+          <p:cNvPr id="39" name="Connecteur droit avec flèche 38"/>
+          <p:cNvCxnSpPr/>
           <p:nvPr/>
         </p:nvCxnSpPr>
         <p:spPr>
           <a:xfrm>
-            <a:off x="4275873" y="4665919"/>
-            <a:ext cx="656167" cy="360040"/>
+            <a:off x="4379329" y="5229942"/>
+            <a:ext cx="618974" cy="0"/>
+          </a:xfrm>
+          <a:prstGeom prst="straightConnector1">
+            <a:avLst/>
+          </a:prstGeom>
+          <a:solidFill>
+            <a:srgbClr val="4BACC6">
+              <a:lumMod val="20000"/>
+              <a:lumOff val="80000"/>
+            </a:srgbClr>
+          </a:solidFill>
+          <a:ln w="25400" cap="flat" cmpd="sng" algn="ctr">
+            <a:solidFill>
+              <a:srgbClr val="4BACC6">
+                <a:lumMod val="50000"/>
+              </a:srgbClr>
+            </a:solidFill>
+            <a:prstDash val="solid"/>
+            <a:tailEnd type="stealth" w="med" len="lg"/>
+          </a:ln>
+          <a:effectLst/>
+        </p:spPr>
+      </p:cxnSp>
+      <p:sp>
+        <p:nvSpPr>
+          <p:cNvPr id="40" name="Rectangle 39"/>
+          <p:cNvSpPr/>
+          <p:nvPr/>
+        </p:nvSpPr>
+        <p:spPr>
+          <a:xfrm>
+            <a:off x="2483768" y="5045276"/>
+            <a:ext cx="1893467" cy="369332"/>
+          </a:xfrm>
+          <a:prstGeom prst="rect">
+            <a:avLst/>
+          </a:prstGeom>
+        </p:spPr>
+        <p:txBody>
+          <a:bodyPr wrap="none">
+            <a:spAutoFit/>
+          </a:bodyPr>
+          <a:lstStyle/>
+          <a:p>
+            <a:pPr marL="0" marR="0" lvl="0" indent="0" defTabSz="914400" eaLnBrk="1" fontAlgn="auto" latinLnBrk="0" hangingPunct="1">
+              <a:lnSpc>
+                <a:spcPct val="100000"/>
+              </a:lnSpc>
+              <a:spcBef>
+                <a:spcPts val="0"/>
+              </a:spcBef>
+              <a:spcAft>
+                <a:spcPts val="0"/>
+              </a:spcAft>
+              <a:buClrTx/>
+              <a:buSzTx/>
+              <a:buFontTx/>
+              <a:buNone/>
+              <a:tabLst/>
+              <a:defRPr/>
+            </a:pPr>
+            <a:r>
+              <a:rPr kumimoji="0" lang="fr-FR" b="0" i="0" u="none" strike="noStrike" kern="0" cap="none" spc="0" normalizeH="0" baseline="0" noProof="0" dirty="0" smtClean="0">
+                <a:ln>
+                  <a:noFill/>
+                </a:ln>
+                <a:solidFill>
+                  <a:sysClr val="windowText" lastClr="000000"/>
+                </a:solidFill>
+                <a:effectLst/>
+                <a:uLnTx/>
+                <a:uFillTx/>
+              </a:rPr>
+              <a:t>Entrée dans la pile</a:t>
+            </a:r>
+            <a:endParaRPr kumimoji="0" lang="fr-FR" b="0" i="0" u="none" strike="noStrike" kern="0" cap="none" spc="0" normalizeH="0" baseline="0" noProof="0" dirty="0">
+              <a:ln>
+                <a:noFill/>
+              </a:ln>
+              <a:solidFill>
+                <a:sysClr val="windowText" lastClr="000000"/>
+              </a:solidFill>
+              <a:effectLst/>
+              <a:uLnTx/>
+              <a:uFillTx/>
+            </a:endParaRPr>
+          </a:p>
+        </p:txBody>
+      </p:sp>
+      <p:sp>
+        <p:nvSpPr>
+          <p:cNvPr id="46" name="Rectangle 45"/>
+          <p:cNvSpPr/>
+          <p:nvPr/>
+        </p:nvSpPr>
+        <p:spPr>
+          <a:xfrm>
+            <a:off x="4998304" y="1988840"/>
+            <a:ext cx="1443359" cy="720080"/>
+          </a:xfrm>
+          <a:prstGeom prst="rect">
+            <a:avLst/>
+          </a:prstGeom>
+          <a:solidFill>
+            <a:srgbClr val="4BACC6">
+              <a:lumMod val="20000"/>
+              <a:lumOff val="80000"/>
+            </a:srgbClr>
+          </a:solidFill>
+          <a:ln w="25400" cap="flat" cmpd="sng" algn="ctr">
+            <a:solidFill>
+              <a:srgbClr val="4BACC6">
+                <a:lumMod val="50000"/>
+              </a:srgbClr>
+            </a:solidFill>
+            <a:prstDash val="solid"/>
+          </a:ln>
+          <a:effectLst/>
+        </p:spPr>
+        <p:txBody>
+          <a:bodyPr rtlCol="0" anchor="ctr"/>
+          <a:lstStyle/>
+          <a:p>
+            <a:pPr marL="0" marR="0" lvl="0" indent="0" algn="ctr" defTabSz="914400" eaLnBrk="1" fontAlgn="auto" latinLnBrk="0" hangingPunct="1">
+              <a:lnSpc>
+                <a:spcPct val="100000"/>
+              </a:lnSpc>
+              <a:spcBef>
+                <a:spcPts val="0"/>
+              </a:spcBef>
+              <a:spcAft>
+                <a:spcPts val="0"/>
+              </a:spcAft>
+              <a:buClrTx/>
+              <a:buSzTx/>
+              <a:buFontTx/>
+              <a:buNone/>
+              <a:tabLst/>
+              <a:defRPr/>
+            </a:pPr>
+            <a:r>
+              <a:rPr kumimoji="0" lang="fr-FR" sz="2400" b="0" i="0" u="none" strike="noStrike" kern="0" cap="none" spc="0" normalizeH="0" baseline="0" noProof="0" dirty="0" smtClean="0">
+                <a:ln>
+                  <a:noFill/>
+                </a:ln>
+                <a:solidFill>
+                  <a:sysClr val="windowText" lastClr="000000"/>
+                </a:solidFill>
+                <a:effectLst/>
+                <a:uLnTx/>
+                <a:uFillTx/>
+                <a:latin typeface="Calibri"/>
+                <a:ea typeface="+mn-ea"/>
+                <a:cs typeface="+mn-cs"/>
+              </a:rPr>
+              <a:t>1</a:t>
+            </a:r>
+            <a:endParaRPr kumimoji="0" lang="fr-FR" sz="2400" b="0" i="0" u="none" strike="noStrike" kern="0" cap="none" spc="0" normalizeH="0" baseline="0" noProof="0" dirty="0">
+              <a:ln>
+                <a:noFill/>
+              </a:ln>
+              <a:solidFill>
+                <a:sysClr val="windowText" lastClr="000000"/>
+              </a:solidFill>
+              <a:effectLst/>
+              <a:uLnTx/>
+              <a:uFillTx/>
+              <a:latin typeface="Calibri"/>
+              <a:ea typeface="+mn-ea"/>
+              <a:cs typeface="+mn-cs"/>
+            </a:endParaRPr>
+          </a:p>
+        </p:txBody>
+      </p:sp>
+      <p:sp>
+        <p:nvSpPr>
+          <p:cNvPr id="48" name="Arc 47"/>
+          <p:cNvSpPr/>
+          <p:nvPr/>
+        </p:nvSpPr>
+        <p:spPr>
+          <a:xfrm rot="10800000">
+            <a:off x="6047526" y="2355787"/>
+            <a:ext cx="788267" cy="711912"/>
+          </a:xfrm>
+          <a:prstGeom prst="arc">
+            <a:avLst>
+              <a:gd name="adj1" fmla="val 5498357"/>
+              <a:gd name="adj2" fmla="val 16200544"/>
+            </a:avLst>
+          </a:prstGeom>
+          <a:noFill/>
+          <a:ln w="28575" cap="flat" cmpd="sng" algn="ctr">
+            <a:solidFill>
+              <a:srgbClr val="4BACC6">
+                <a:lumMod val="50000"/>
+              </a:srgbClr>
+            </a:solidFill>
+            <a:prstDash val="solid"/>
+            <a:tailEnd type="stealth" w="sm" len="med"/>
+          </a:ln>
+          <a:effectLst/>
+        </p:spPr>
+        <p:txBody>
+          <a:bodyPr rtlCol="0" anchor="ctr"/>
+          <a:lstStyle/>
+          <a:p>
+            <a:pPr marL="0" marR="0" lvl="0" indent="0" algn="ctr" defTabSz="914400" eaLnBrk="1" fontAlgn="auto" latinLnBrk="0" hangingPunct="1">
+              <a:lnSpc>
+                <a:spcPct val="100000"/>
+              </a:lnSpc>
+              <a:spcBef>
+                <a:spcPts val="0"/>
+              </a:spcBef>
+              <a:spcAft>
+                <a:spcPts val="0"/>
+              </a:spcAft>
+              <a:buClrTx/>
+              <a:buSzTx/>
+              <a:buFontTx/>
+              <a:buNone/>
+              <a:tabLst/>
+              <a:defRPr/>
+            </a:pPr>
+            <a:endParaRPr kumimoji="0" lang="fr-FR" sz="4000" b="0" i="0" u="none" strike="noStrike" kern="0" cap="none" spc="0" normalizeH="0" baseline="0" noProof="0">
+              <a:ln>
+                <a:noFill/>
+              </a:ln>
+              <a:solidFill>
+                <a:sysClr val="window" lastClr="FFFFFF"/>
+              </a:solidFill>
+              <a:effectLst/>
+              <a:uLnTx/>
+              <a:uFillTx/>
+              <a:latin typeface="Calibri"/>
+              <a:ea typeface="+mn-ea"/>
+              <a:cs typeface="+mn-cs"/>
+            </a:endParaRPr>
+          </a:p>
+        </p:txBody>
+      </p:sp>
+      <p:sp>
+        <p:nvSpPr>
+          <p:cNvPr id="50" name="Rectangle 49"/>
+          <p:cNvSpPr/>
+          <p:nvPr/>
+        </p:nvSpPr>
+        <p:spPr>
+          <a:xfrm>
+            <a:off x="6891358" y="2480910"/>
+            <a:ext cx="338555" cy="461665"/>
+          </a:xfrm>
+          <a:prstGeom prst="rect">
+            <a:avLst/>
+          </a:prstGeom>
+        </p:spPr>
+        <p:txBody>
+          <a:bodyPr wrap="none">
+            <a:spAutoFit/>
+          </a:bodyPr>
+          <a:lstStyle/>
+          <a:p>
+            <a:pPr marL="0" marR="0" lvl="0" indent="0" algn="ctr" defTabSz="914400" eaLnBrk="1" fontAlgn="auto" latinLnBrk="0" hangingPunct="1">
+              <a:lnSpc>
+                <a:spcPct val="100000"/>
+              </a:lnSpc>
+              <a:spcBef>
+                <a:spcPts val="0"/>
+              </a:spcBef>
+              <a:spcAft>
+                <a:spcPts val="0"/>
+              </a:spcAft>
+              <a:buClrTx/>
+              <a:buSzTx/>
+              <a:buFontTx/>
+              <a:buNone/>
+              <a:tabLst/>
+              <a:defRPr/>
+            </a:pPr>
+            <a:r>
+              <a:rPr kumimoji="0" lang="fr-FR" sz="2400" b="0" i="0" u="none" strike="noStrike" kern="0" cap="none" spc="0" normalizeH="0" baseline="0" noProof="0" dirty="0">
+                <a:ln>
+                  <a:noFill/>
+                </a:ln>
+                <a:solidFill>
+                  <a:sysClr val="windowText" lastClr="000000"/>
+                </a:solidFill>
+                <a:effectLst/>
+                <a:uLnTx/>
+                <a:uFillTx/>
+              </a:rPr>
+              <a:t>1</a:t>
+            </a:r>
+          </a:p>
+        </p:txBody>
+      </p:sp>
+      <p:sp>
+        <p:nvSpPr>
+          <p:cNvPr id="51" name="Rectangle 50"/>
+          <p:cNvSpPr/>
+          <p:nvPr/>
+        </p:nvSpPr>
+        <p:spPr>
+          <a:xfrm>
+            <a:off x="6891358" y="3194863"/>
+            <a:ext cx="338555" cy="461665"/>
+          </a:xfrm>
+          <a:prstGeom prst="rect">
+            <a:avLst/>
+          </a:prstGeom>
+        </p:spPr>
+        <p:txBody>
+          <a:bodyPr wrap="none">
+            <a:spAutoFit/>
+          </a:bodyPr>
+          <a:lstStyle/>
+          <a:p>
+            <a:pPr marL="0" marR="0" lvl="0" indent="0" algn="ctr" defTabSz="914400" eaLnBrk="1" fontAlgn="auto" latinLnBrk="0" hangingPunct="1">
+              <a:lnSpc>
+                <a:spcPct val="100000"/>
+              </a:lnSpc>
+              <a:spcBef>
+                <a:spcPts val="0"/>
+              </a:spcBef>
+              <a:spcAft>
+                <a:spcPts val="0"/>
+              </a:spcAft>
+              <a:buClrTx/>
+              <a:buSzTx/>
+              <a:buFontTx/>
+              <a:buNone/>
+              <a:tabLst/>
+              <a:defRPr/>
+            </a:pPr>
+            <a:r>
+              <a:rPr kumimoji="0" lang="fr-FR" sz="2400" b="0" i="0" u="none" strike="noStrike" kern="0" cap="none" spc="0" normalizeH="0" baseline="0" noProof="0" dirty="0" smtClean="0">
+                <a:ln>
+                  <a:noFill/>
+                </a:ln>
+                <a:solidFill>
+                  <a:sysClr val="windowText" lastClr="000000"/>
+                </a:solidFill>
+                <a:effectLst/>
+                <a:uLnTx/>
+                <a:uFillTx/>
+              </a:rPr>
+              <a:t>2</a:t>
+            </a:r>
+            <a:endParaRPr kumimoji="0" lang="fr-FR" sz="2400" b="0" i="0" u="none" strike="noStrike" kern="0" cap="none" spc="0" normalizeH="0" baseline="0" noProof="0" dirty="0">
+              <a:ln>
+                <a:noFill/>
+              </a:ln>
+              <a:solidFill>
+                <a:sysClr val="windowText" lastClr="000000"/>
+              </a:solidFill>
+              <a:effectLst/>
+              <a:uLnTx/>
+              <a:uFillTx/>
+            </a:endParaRPr>
+          </a:p>
+        </p:txBody>
+      </p:sp>
+      <p:sp>
+        <p:nvSpPr>
+          <p:cNvPr id="52" name="Rectangle 51"/>
+          <p:cNvSpPr/>
+          <p:nvPr/>
+        </p:nvSpPr>
+        <p:spPr>
+          <a:xfrm>
+            <a:off x="6891358" y="3919444"/>
+            <a:ext cx="338555" cy="461665"/>
+          </a:xfrm>
+          <a:prstGeom prst="rect">
+            <a:avLst/>
+          </a:prstGeom>
+        </p:spPr>
+        <p:txBody>
+          <a:bodyPr wrap="none">
+            <a:spAutoFit/>
+          </a:bodyPr>
+          <a:lstStyle/>
+          <a:p>
+            <a:pPr marL="0" marR="0" lvl="0" indent="0" algn="ctr" defTabSz="914400" eaLnBrk="1" fontAlgn="auto" latinLnBrk="0" hangingPunct="1">
+              <a:lnSpc>
+                <a:spcPct val="100000"/>
+              </a:lnSpc>
+              <a:spcBef>
+                <a:spcPts val="0"/>
+              </a:spcBef>
+              <a:spcAft>
+                <a:spcPts val="0"/>
+              </a:spcAft>
+              <a:buClrTx/>
+              <a:buSzTx/>
+              <a:buFontTx/>
+              <a:buNone/>
+              <a:tabLst/>
+              <a:defRPr/>
+            </a:pPr>
+            <a:r>
+              <a:rPr kumimoji="0" lang="fr-FR" sz="2400" b="0" i="0" u="none" strike="noStrike" kern="0" cap="none" spc="0" normalizeH="0" baseline="0" noProof="0" dirty="0" smtClean="0">
+                <a:ln>
+                  <a:noFill/>
+                </a:ln>
+                <a:solidFill>
+                  <a:sysClr val="windowText" lastClr="000000"/>
+                </a:solidFill>
+                <a:effectLst/>
+                <a:uLnTx/>
+                <a:uFillTx/>
+              </a:rPr>
+              <a:t>4</a:t>
+            </a:r>
+            <a:endParaRPr kumimoji="0" lang="fr-FR" sz="2400" b="0" i="0" u="none" strike="noStrike" kern="0" cap="none" spc="0" normalizeH="0" baseline="0" noProof="0" dirty="0">
+              <a:ln>
+                <a:noFill/>
+              </a:ln>
+              <a:solidFill>
+                <a:sysClr val="windowText" lastClr="000000"/>
+              </a:solidFill>
+              <a:effectLst/>
+              <a:uLnTx/>
+              <a:uFillTx/>
+            </a:endParaRPr>
+          </a:p>
+        </p:txBody>
+      </p:sp>
+      <p:sp>
+        <p:nvSpPr>
+          <p:cNvPr id="53" name="Rectangle 52"/>
+          <p:cNvSpPr/>
+          <p:nvPr/>
+        </p:nvSpPr>
+        <p:spPr>
+          <a:xfrm>
+            <a:off x="6891357" y="4613328"/>
+            <a:ext cx="338555" cy="461665"/>
+          </a:xfrm>
+          <a:prstGeom prst="rect">
+            <a:avLst/>
+          </a:prstGeom>
+        </p:spPr>
+        <p:txBody>
+          <a:bodyPr wrap="none">
+            <a:spAutoFit/>
+          </a:bodyPr>
+          <a:lstStyle/>
+          <a:p>
+            <a:pPr marL="0" marR="0" lvl="0" indent="0" algn="ctr" defTabSz="914400" eaLnBrk="1" fontAlgn="auto" latinLnBrk="0" hangingPunct="1">
+              <a:lnSpc>
+                <a:spcPct val="100000"/>
+              </a:lnSpc>
+              <a:spcBef>
+                <a:spcPts val="0"/>
+              </a:spcBef>
+              <a:spcAft>
+                <a:spcPts val="0"/>
+              </a:spcAft>
+              <a:buClrTx/>
+              <a:buSzTx/>
+              <a:buFontTx/>
+              <a:buNone/>
+              <a:tabLst/>
+              <a:defRPr/>
+            </a:pPr>
+            <a:r>
+              <a:rPr kumimoji="0" lang="fr-FR" sz="2400" b="0" i="0" u="none" strike="noStrike" kern="0" cap="none" spc="0" normalizeH="0" baseline="0" noProof="0" dirty="0">
+                <a:ln>
+                  <a:noFill/>
+                </a:ln>
+                <a:solidFill>
+                  <a:sysClr val="windowText" lastClr="000000"/>
+                </a:solidFill>
+                <a:effectLst/>
+                <a:uLnTx/>
+                <a:uFillTx/>
+              </a:rPr>
+              <a:t>8</a:t>
+            </a:r>
+          </a:p>
+        </p:txBody>
+      </p:sp>
+      <p:cxnSp>
+        <p:nvCxnSpPr>
+          <p:cNvPr id="54" name="Connecteur droit avec flèche 53"/>
+          <p:cNvCxnSpPr/>
+          <p:nvPr/>
+        </p:nvCxnSpPr>
+        <p:spPr>
+          <a:xfrm>
+            <a:off x="6441662" y="5229942"/>
+            <a:ext cx="618974" cy="0"/>
+          </a:xfrm>
+          <a:prstGeom prst="straightConnector1">
+            <a:avLst/>
+          </a:prstGeom>
+          <a:solidFill>
+            <a:srgbClr val="4BACC6">
+              <a:lumMod val="20000"/>
+              <a:lumOff val="80000"/>
+            </a:srgbClr>
+          </a:solidFill>
+          <a:ln w="25400" cap="flat" cmpd="sng" algn="ctr">
+            <a:solidFill>
+              <a:srgbClr val="4BACC6">
+                <a:lumMod val="50000"/>
+              </a:srgbClr>
+            </a:solidFill>
+            <a:prstDash val="solid"/>
+            <a:tailEnd type="stealth" w="med" len="lg"/>
+          </a:ln>
+          <a:effectLst/>
+        </p:spPr>
+      </p:cxnSp>
+      <p:sp>
+        <p:nvSpPr>
+          <p:cNvPr id="55" name="Rectangle 54"/>
+          <p:cNvSpPr/>
+          <p:nvPr/>
+        </p:nvSpPr>
+        <p:spPr>
+          <a:xfrm>
+            <a:off x="7119251" y="5035242"/>
+            <a:ext cx="2055371" cy="369332"/>
+          </a:xfrm>
+          <a:prstGeom prst="rect">
+            <a:avLst/>
+          </a:prstGeom>
+        </p:spPr>
+        <p:txBody>
+          <a:bodyPr wrap="none">
+            <a:spAutoFit/>
+          </a:bodyPr>
+          <a:lstStyle/>
+          <a:p>
+            <a:pPr marL="0" marR="0" lvl="0" indent="0" defTabSz="914400" eaLnBrk="1" fontAlgn="auto" latinLnBrk="0" hangingPunct="1">
+              <a:lnSpc>
+                <a:spcPct val="100000"/>
+              </a:lnSpc>
+              <a:spcBef>
+                <a:spcPts val="0"/>
+              </a:spcBef>
+              <a:spcAft>
+                <a:spcPts val="0"/>
+              </a:spcAft>
+              <a:buClrTx/>
+              <a:buSzTx/>
+              <a:buFontTx/>
+              <a:buNone/>
+              <a:tabLst/>
+              <a:defRPr/>
+            </a:pPr>
+            <a:r>
+              <a:rPr kumimoji="0" lang="fr-FR" b="0" i="0" u="none" strike="noStrike" kern="0" cap="none" spc="0" normalizeH="0" baseline="0" noProof="0" dirty="0" smtClean="0">
+                <a:ln>
+                  <a:noFill/>
+                </a:ln>
+                <a:solidFill>
+                  <a:sysClr val="windowText" lastClr="000000"/>
+                </a:solidFill>
+                <a:effectLst/>
+                <a:uLnTx/>
+                <a:uFillTx/>
+              </a:rPr>
+              <a:t>Sortie de la pile : 16</a:t>
+            </a:r>
+            <a:endParaRPr kumimoji="0" lang="fr-FR" b="0" i="0" u="none" strike="noStrike" kern="0" cap="none" spc="0" normalizeH="0" baseline="0" noProof="0" dirty="0">
+              <a:ln>
+                <a:noFill/>
+              </a:ln>
+              <a:solidFill>
+                <a:sysClr val="windowText" lastClr="000000"/>
+              </a:solidFill>
+              <a:effectLst/>
+              <a:uLnTx/>
+              <a:uFillTx/>
+            </a:endParaRPr>
+          </a:p>
+        </p:txBody>
+      </p:sp>
+      <p:cxnSp>
+        <p:nvCxnSpPr>
+          <p:cNvPr id="62" name="Connecteur droit 61"/>
+          <p:cNvCxnSpPr/>
+          <p:nvPr/>
+        </p:nvCxnSpPr>
+        <p:spPr>
+          <a:xfrm>
+            <a:off x="4785480" y="1959666"/>
+            <a:ext cx="0" cy="3755447"/>
           </a:xfrm>
           <a:prstGeom prst="line">
             <a:avLst/>
           </a:prstGeom>
+          <a:solidFill>
+            <a:srgbClr val="4BACC6">
+              <a:lumMod val="20000"/>
+              <a:lumOff val="80000"/>
+            </a:srgbClr>
+          </a:solidFill>
+          <a:ln w="25400" cap="flat" cmpd="sng" algn="ctr">
+            <a:solidFill>
+              <a:srgbClr val="4BACC6">
+                <a:lumMod val="50000"/>
+              </a:srgbClr>
+            </a:solidFill>
+            <a:prstDash val="solid"/>
+          </a:ln>
+          <a:effectLst/>
+        </p:spPr>
+      </p:cxnSp>
+      <p:sp>
+        <p:nvSpPr>
+          <p:cNvPr id="64" name="Arc 63"/>
+          <p:cNvSpPr/>
+          <p:nvPr/>
+        </p:nvSpPr>
+        <p:spPr>
+          <a:xfrm rot="10800000">
+            <a:off x="6047529" y="3075054"/>
+            <a:ext cx="788267" cy="711912"/>
+          </a:xfrm>
+          <a:prstGeom prst="arc">
+            <a:avLst>
+              <a:gd name="adj1" fmla="val 5498357"/>
+              <a:gd name="adj2" fmla="val 16200544"/>
+            </a:avLst>
+          </a:prstGeom>
+          <a:noFill/>
+          <a:ln w="28575" cap="flat" cmpd="sng" algn="ctr">
+            <a:solidFill>
+              <a:srgbClr val="4BACC6">
+                <a:lumMod val="50000"/>
+              </a:srgbClr>
+            </a:solidFill>
+            <a:prstDash val="solid"/>
+            <a:tailEnd type="stealth" w="sm" len="med"/>
+          </a:ln>
+          <a:effectLst/>
+        </p:spPr>
+        <p:txBody>
+          <a:bodyPr rtlCol="0" anchor="ctr"/>
+          <a:lstStyle/>
+          <a:p>
+            <a:pPr marL="0" marR="0" lvl="0" indent="0" algn="ctr" defTabSz="914400" eaLnBrk="1" fontAlgn="auto" latinLnBrk="0" hangingPunct="1">
+              <a:lnSpc>
+                <a:spcPct val="100000"/>
+              </a:lnSpc>
+              <a:spcBef>
+                <a:spcPts val="0"/>
+              </a:spcBef>
+              <a:spcAft>
+                <a:spcPts val="0"/>
+              </a:spcAft>
+              <a:buClrTx/>
+              <a:buSzTx/>
+              <a:buFontTx/>
+              <a:buNone/>
+              <a:tabLst/>
+              <a:defRPr/>
+            </a:pPr>
+            <a:endParaRPr kumimoji="0" lang="fr-FR" sz="4000" b="0" i="0" u="none" strike="noStrike" kern="0" cap="none" spc="0" normalizeH="0" baseline="0" noProof="0">
+              <a:ln>
+                <a:noFill/>
+              </a:ln>
+              <a:solidFill>
+                <a:sysClr val="window" lastClr="FFFFFF"/>
+              </a:solidFill>
+              <a:effectLst/>
+              <a:uLnTx/>
+              <a:uFillTx/>
+              <a:latin typeface="Calibri"/>
+              <a:ea typeface="+mn-ea"/>
+              <a:cs typeface="+mn-cs"/>
+            </a:endParaRPr>
+          </a:p>
+        </p:txBody>
+      </p:sp>
+      <p:sp>
+        <p:nvSpPr>
+          <p:cNvPr id="65" name="Arc 64"/>
+          <p:cNvSpPr/>
+          <p:nvPr/>
+        </p:nvSpPr>
+        <p:spPr>
+          <a:xfrm rot="10800000">
+            <a:off x="6047532" y="3794321"/>
+            <a:ext cx="788267" cy="711912"/>
+          </a:xfrm>
+          <a:prstGeom prst="arc">
+            <a:avLst>
+              <a:gd name="adj1" fmla="val 5498357"/>
+              <a:gd name="adj2" fmla="val 16200544"/>
+            </a:avLst>
+          </a:prstGeom>
+          <a:noFill/>
+          <a:ln w="28575" cap="flat" cmpd="sng" algn="ctr">
+            <a:solidFill>
+              <a:srgbClr val="4BACC6">
+                <a:lumMod val="50000"/>
+              </a:srgbClr>
+            </a:solidFill>
+            <a:prstDash val="solid"/>
+            <a:tailEnd type="stealth" w="sm" len="med"/>
+          </a:ln>
+          <a:effectLst/>
+        </p:spPr>
+        <p:txBody>
+          <a:bodyPr rtlCol="0" anchor="ctr"/>
+          <a:lstStyle/>
+          <a:p>
+            <a:pPr marL="0" marR="0" lvl="0" indent="0" algn="ctr" defTabSz="914400" eaLnBrk="1" fontAlgn="auto" latinLnBrk="0" hangingPunct="1">
+              <a:lnSpc>
+                <a:spcPct val="100000"/>
+              </a:lnSpc>
+              <a:spcBef>
+                <a:spcPts val="0"/>
+              </a:spcBef>
+              <a:spcAft>
+                <a:spcPts val="0"/>
+              </a:spcAft>
+              <a:buClrTx/>
+              <a:buSzTx/>
+              <a:buFontTx/>
+              <a:buNone/>
+              <a:tabLst/>
+              <a:defRPr/>
+            </a:pPr>
+            <a:endParaRPr kumimoji="0" lang="fr-FR" sz="4000" b="0" i="0" u="none" strike="noStrike" kern="0" cap="none" spc="0" normalizeH="0" baseline="0" noProof="0">
+              <a:ln>
+                <a:noFill/>
+              </a:ln>
+              <a:solidFill>
+                <a:sysClr val="window" lastClr="FFFFFF"/>
+              </a:solidFill>
+              <a:effectLst/>
+              <a:uLnTx/>
+              <a:uFillTx/>
+              <a:latin typeface="Calibri"/>
+              <a:ea typeface="+mn-ea"/>
+              <a:cs typeface="+mn-cs"/>
+            </a:endParaRPr>
+          </a:p>
+        </p:txBody>
+      </p:sp>
+      <p:sp>
+        <p:nvSpPr>
+          <p:cNvPr id="66" name="Arc 65"/>
+          <p:cNvSpPr/>
+          <p:nvPr/>
+        </p:nvSpPr>
+        <p:spPr>
+          <a:xfrm rot="10800000">
+            <a:off x="6047525" y="4506234"/>
+            <a:ext cx="788267" cy="711912"/>
+          </a:xfrm>
+          <a:prstGeom prst="arc">
+            <a:avLst>
+              <a:gd name="adj1" fmla="val 5498357"/>
+              <a:gd name="adj2" fmla="val 16200544"/>
+            </a:avLst>
+          </a:prstGeom>
+          <a:noFill/>
+          <a:ln w="28575" cap="flat" cmpd="sng" algn="ctr">
+            <a:solidFill>
+              <a:srgbClr val="4BACC6">
+                <a:lumMod val="50000"/>
+              </a:srgbClr>
+            </a:solidFill>
+            <a:prstDash val="solid"/>
+            <a:tailEnd type="stealth" w="sm" len="med"/>
+          </a:ln>
+          <a:effectLst/>
+        </p:spPr>
+        <p:txBody>
+          <a:bodyPr rtlCol="0" anchor="ctr"/>
+          <a:lstStyle/>
+          <a:p>
+            <a:pPr marL="0" marR="0" lvl="0" indent="0" algn="ctr" defTabSz="914400" eaLnBrk="1" fontAlgn="auto" latinLnBrk="0" hangingPunct="1">
+              <a:lnSpc>
+                <a:spcPct val="100000"/>
+              </a:lnSpc>
+              <a:spcBef>
+                <a:spcPts val="0"/>
+              </a:spcBef>
+              <a:spcAft>
+                <a:spcPts val="0"/>
+              </a:spcAft>
+              <a:buClrTx/>
+              <a:buSzTx/>
+              <a:buFontTx/>
+              <a:buNone/>
+              <a:tabLst/>
+              <a:defRPr/>
+            </a:pPr>
+            <a:endParaRPr kumimoji="0" lang="fr-FR" sz="4000" b="0" i="0" u="none" strike="noStrike" kern="0" cap="none" spc="0" normalizeH="0" baseline="0" noProof="0">
+              <a:ln>
+                <a:noFill/>
+              </a:ln>
+              <a:solidFill>
+                <a:sysClr val="window" lastClr="FFFFFF"/>
+              </a:solidFill>
+              <a:effectLst/>
+              <a:uLnTx/>
+              <a:uFillTx/>
+              <a:latin typeface="Calibri"/>
+              <a:ea typeface="+mn-ea"/>
+              <a:cs typeface="+mn-cs"/>
+            </a:endParaRPr>
+          </a:p>
+        </p:txBody>
+      </p:sp>
+      <p:grpSp>
+        <p:nvGrpSpPr>
+          <p:cNvPr id="61" name="Groupe 60"/>
+          <p:cNvGrpSpPr/>
+          <p:nvPr/>
+        </p:nvGrpSpPr>
+        <p:grpSpPr>
+          <a:xfrm rot="10800000">
+            <a:off x="4604166" y="2355786"/>
+            <a:ext cx="788274" cy="2862359"/>
+            <a:chOff x="5050341" y="2508187"/>
+            <a:chExt cx="788274" cy="2862359"/>
+          </a:xfrm>
+        </p:grpSpPr>
+        <p:sp>
+          <p:nvSpPr>
+            <p:cNvPr id="67" name="Arc 66"/>
+            <p:cNvSpPr/>
+            <p:nvPr/>
+          </p:nvSpPr>
+          <p:spPr>
+            <a:xfrm rot="10800000">
+              <a:off x="5050342" y="2508187"/>
+              <a:ext cx="788267" cy="711912"/>
+            </a:xfrm>
+            <a:prstGeom prst="arc">
+              <a:avLst>
+                <a:gd name="adj1" fmla="val 5498357"/>
+                <a:gd name="adj2" fmla="val 16200544"/>
+              </a:avLst>
+            </a:prstGeom>
+            <a:noFill/>
+            <a:ln w="28575" cap="flat" cmpd="sng" algn="ctr">
+              <a:solidFill>
+                <a:srgbClr val="4BACC6">
+                  <a:lumMod val="50000"/>
+                </a:srgbClr>
+              </a:solidFill>
+              <a:prstDash val="solid"/>
+              <a:tailEnd type="stealth" w="sm" len="med"/>
+            </a:ln>
+            <a:effectLst/>
+          </p:spPr>
+          <p:txBody>
+            <a:bodyPr rtlCol="0" anchor="ctr"/>
+            <a:lstStyle/>
+            <a:p>
+              <a:pPr marL="0" marR="0" lvl="0" indent="0" algn="ctr" defTabSz="914400" eaLnBrk="1" fontAlgn="auto" latinLnBrk="0" hangingPunct="1">
+                <a:lnSpc>
+                  <a:spcPct val="100000"/>
+                </a:lnSpc>
+                <a:spcBef>
+                  <a:spcPts val="0"/>
+                </a:spcBef>
+                <a:spcAft>
+                  <a:spcPts val="0"/>
+                </a:spcAft>
+                <a:buClrTx/>
+                <a:buSzTx/>
+                <a:buFontTx/>
+                <a:buNone/>
+                <a:tabLst/>
+                <a:defRPr/>
+              </a:pPr>
+              <a:endParaRPr kumimoji="0" lang="fr-FR" sz="4000" b="0" i="0" u="none" strike="noStrike" kern="0" cap="none" spc="0" normalizeH="0" baseline="0" noProof="0">
+                <a:ln>
+                  <a:noFill/>
+                </a:ln>
+                <a:solidFill>
+                  <a:sysClr val="window" lastClr="FFFFFF"/>
+                </a:solidFill>
+                <a:effectLst/>
+                <a:uLnTx/>
+                <a:uFillTx/>
+                <a:latin typeface="Calibri"/>
+                <a:ea typeface="+mn-ea"/>
+                <a:cs typeface="+mn-cs"/>
+              </a:endParaRPr>
+            </a:p>
+          </p:txBody>
+        </p:sp>
+        <p:sp>
+          <p:nvSpPr>
+            <p:cNvPr id="68" name="Arc 67"/>
+            <p:cNvSpPr/>
+            <p:nvPr/>
+          </p:nvSpPr>
+          <p:spPr>
+            <a:xfrm rot="10800000">
+              <a:off x="5050345" y="3227454"/>
+              <a:ext cx="788267" cy="711912"/>
+            </a:xfrm>
+            <a:prstGeom prst="arc">
+              <a:avLst>
+                <a:gd name="adj1" fmla="val 5498357"/>
+                <a:gd name="adj2" fmla="val 16200544"/>
+              </a:avLst>
+            </a:prstGeom>
+            <a:noFill/>
+            <a:ln w="28575" cap="flat" cmpd="sng" algn="ctr">
+              <a:solidFill>
+                <a:srgbClr val="4BACC6">
+                  <a:lumMod val="50000"/>
+                </a:srgbClr>
+              </a:solidFill>
+              <a:prstDash val="solid"/>
+              <a:tailEnd type="stealth" w="sm" len="med"/>
+            </a:ln>
+            <a:effectLst/>
+          </p:spPr>
+          <p:txBody>
+            <a:bodyPr rtlCol="0" anchor="ctr"/>
+            <a:lstStyle/>
+            <a:p>
+              <a:pPr marL="0" marR="0" lvl="0" indent="0" algn="ctr" defTabSz="914400" eaLnBrk="1" fontAlgn="auto" latinLnBrk="0" hangingPunct="1">
+                <a:lnSpc>
+                  <a:spcPct val="100000"/>
+                </a:lnSpc>
+                <a:spcBef>
+                  <a:spcPts val="0"/>
+                </a:spcBef>
+                <a:spcAft>
+                  <a:spcPts val="0"/>
+                </a:spcAft>
+                <a:buClrTx/>
+                <a:buSzTx/>
+                <a:buFontTx/>
+                <a:buNone/>
+                <a:tabLst/>
+                <a:defRPr/>
+              </a:pPr>
+              <a:endParaRPr kumimoji="0" lang="fr-FR" sz="4000" b="0" i="0" u="none" strike="noStrike" kern="0" cap="none" spc="0" normalizeH="0" baseline="0" noProof="0">
+                <a:ln>
+                  <a:noFill/>
+                </a:ln>
+                <a:solidFill>
+                  <a:sysClr val="window" lastClr="FFFFFF"/>
+                </a:solidFill>
+                <a:effectLst/>
+                <a:uLnTx/>
+                <a:uFillTx/>
+                <a:latin typeface="Calibri"/>
+                <a:ea typeface="+mn-ea"/>
+                <a:cs typeface="+mn-cs"/>
+              </a:endParaRPr>
+            </a:p>
+          </p:txBody>
+        </p:sp>
+        <p:sp>
+          <p:nvSpPr>
+            <p:cNvPr id="69" name="Arc 68"/>
+            <p:cNvSpPr/>
+            <p:nvPr/>
+          </p:nvSpPr>
+          <p:spPr>
+            <a:xfrm rot="10800000">
+              <a:off x="5050348" y="3946721"/>
+              <a:ext cx="788267" cy="711912"/>
+            </a:xfrm>
+            <a:prstGeom prst="arc">
+              <a:avLst>
+                <a:gd name="adj1" fmla="val 5498357"/>
+                <a:gd name="adj2" fmla="val 16200544"/>
+              </a:avLst>
+            </a:prstGeom>
+            <a:noFill/>
+            <a:ln w="28575" cap="flat" cmpd="sng" algn="ctr">
+              <a:solidFill>
+                <a:srgbClr val="4BACC6">
+                  <a:lumMod val="50000"/>
+                </a:srgbClr>
+              </a:solidFill>
+              <a:prstDash val="solid"/>
+              <a:tailEnd type="stealth" w="sm" len="med"/>
+            </a:ln>
+            <a:effectLst/>
+          </p:spPr>
+          <p:txBody>
+            <a:bodyPr rtlCol="0" anchor="ctr"/>
+            <a:lstStyle/>
+            <a:p>
+              <a:pPr marL="0" marR="0" lvl="0" indent="0" algn="ctr" defTabSz="914400" eaLnBrk="1" fontAlgn="auto" latinLnBrk="0" hangingPunct="1">
+                <a:lnSpc>
+                  <a:spcPct val="100000"/>
+                </a:lnSpc>
+                <a:spcBef>
+                  <a:spcPts val="0"/>
+                </a:spcBef>
+                <a:spcAft>
+                  <a:spcPts val="0"/>
+                </a:spcAft>
+                <a:buClrTx/>
+                <a:buSzTx/>
+                <a:buFontTx/>
+                <a:buNone/>
+                <a:tabLst/>
+                <a:defRPr/>
+              </a:pPr>
+              <a:endParaRPr kumimoji="0" lang="fr-FR" sz="4000" b="0" i="0" u="none" strike="noStrike" kern="0" cap="none" spc="0" normalizeH="0" baseline="0" noProof="0">
+                <a:ln>
+                  <a:noFill/>
+                </a:ln>
+                <a:solidFill>
+                  <a:sysClr val="window" lastClr="FFFFFF"/>
+                </a:solidFill>
+                <a:effectLst/>
+                <a:uLnTx/>
+                <a:uFillTx/>
+                <a:latin typeface="Calibri"/>
+                <a:ea typeface="+mn-ea"/>
+                <a:cs typeface="+mn-cs"/>
+              </a:endParaRPr>
+            </a:p>
+          </p:txBody>
+        </p:sp>
+        <p:sp>
+          <p:nvSpPr>
+            <p:cNvPr id="70" name="Arc 69"/>
+            <p:cNvSpPr/>
+            <p:nvPr/>
+          </p:nvSpPr>
+          <p:spPr>
+            <a:xfrm rot="10800000">
+              <a:off x="5050341" y="4658634"/>
+              <a:ext cx="788267" cy="711912"/>
+            </a:xfrm>
+            <a:prstGeom prst="arc">
+              <a:avLst>
+                <a:gd name="adj1" fmla="val 5498357"/>
+                <a:gd name="adj2" fmla="val 16200544"/>
+              </a:avLst>
+            </a:prstGeom>
+            <a:noFill/>
+            <a:ln w="28575" cap="flat" cmpd="sng" algn="ctr">
+              <a:solidFill>
+                <a:srgbClr val="4BACC6">
+                  <a:lumMod val="50000"/>
+                </a:srgbClr>
+              </a:solidFill>
+              <a:prstDash val="solid"/>
+              <a:tailEnd type="stealth" w="sm" len="med"/>
+            </a:ln>
+            <a:effectLst/>
+          </p:spPr>
+          <p:txBody>
+            <a:bodyPr rtlCol="0" anchor="ctr"/>
+            <a:lstStyle/>
+            <a:p>
+              <a:pPr marL="0" marR="0" lvl="0" indent="0" algn="ctr" defTabSz="914400" eaLnBrk="1" fontAlgn="auto" latinLnBrk="0" hangingPunct="1">
+                <a:lnSpc>
+                  <a:spcPct val="100000"/>
+                </a:lnSpc>
+                <a:spcBef>
+                  <a:spcPts val="0"/>
+                </a:spcBef>
+                <a:spcAft>
+                  <a:spcPts val="0"/>
+                </a:spcAft>
+                <a:buClrTx/>
+                <a:buSzTx/>
+                <a:buFontTx/>
+                <a:buNone/>
+                <a:tabLst/>
+                <a:defRPr/>
+              </a:pPr>
+              <a:endParaRPr kumimoji="0" lang="fr-FR" sz="4000" b="0" i="0" u="none" strike="noStrike" kern="0" cap="none" spc="0" normalizeH="0" baseline="0" noProof="0">
+                <a:ln>
+                  <a:noFill/>
+                </a:ln>
+                <a:solidFill>
+                  <a:sysClr val="window" lastClr="FFFFFF"/>
+                </a:solidFill>
+                <a:effectLst/>
+                <a:uLnTx/>
+                <a:uFillTx/>
+                <a:latin typeface="Calibri"/>
+                <a:ea typeface="+mn-ea"/>
+                <a:cs typeface="+mn-cs"/>
+              </a:endParaRPr>
+            </a:p>
+          </p:txBody>
+        </p:sp>
+      </p:grpSp>
+      <p:pic>
+        <p:nvPicPr>
+          <p:cNvPr id="6147" name="Picture 3"/>
+          <p:cNvPicPr>
+            <a:picLocks noChangeAspect="1" noChangeArrowheads="1"/>
+          </p:cNvPicPr>
+          <p:nvPr/>
+        </p:nvPicPr>
+        <p:blipFill>
+          <a:blip r:embed="rId3">
+            <a:extLst>
+              <a:ext uri="{28A0092B-C50C-407E-A947-70E740481C1C}">
+                <a14:useLocalDpi xmlns:a14="http://schemas.microsoft.com/office/drawing/2010/main" val="0"/>
+              </a:ext>
+            </a:extLst>
+          </a:blip>
+          <a:srcRect/>
+          <a:stretch>
+            <a:fillRect/>
+          </a:stretch>
+        </p:blipFill>
+        <p:spPr bwMode="auto">
+          <a:xfrm>
+            <a:off x="251520" y="1822218"/>
+            <a:ext cx="4038600" cy="2981325"/>
+          </a:xfrm>
+          <a:prstGeom prst="rect">
+            <a:avLst/>
+          </a:prstGeom>
+          <a:noFill/>
           <a:ln>
-            <a:headEnd type="triangle"/>
-            <a:tailEnd w="lg" len="lg"/>
+            <a:noFill/>
           </a:ln>
-        </p:spPr>
-        <p:style>
-          <a:lnRef idx="2">
-            <a:schemeClr val="accent1"/>
-          </a:lnRef>
-          <a:fillRef idx="1">
-            <a:schemeClr val="lt1"/>
-          </a:fillRef>
-          <a:effectRef idx="0">
-            <a:schemeClr val="accent1"/>
-          </a:effectRef>
-          <a:fontRef idx="minor">
-            <a:schemeClr val="dk1"/>
-          </a:fontRef>
-        </p:style>
-      </p:cxnSp>
-      <p:sp>
-        <p:nvSpPr>
-          <p:cNvPr id="29" name="Titre 28"/>
+          <a:effectLst/>
+          <a:extLst>
+            <a:ext uri="{909E8E84-426E-40DD-AFC4-6F175D3DCCD1}">
+              <a14:hiddenFill xmlns:a14="http://schemas.microsoft.com/office/drawing/2010/main">
+                <a:solidFill>
+                  <a:schemeClr val="accent1"/>
+                </a:solidFill>
+              </a14:hiddenFill>
+            </a:ext>
+            <a:ext uri="{91240B29-F687-4F45-9708-019B960494DF}">
+              <a14:hiddenLine xmlns:a14="http://schemas.microsoft.com/office/drawing/2010/main" w="9525">
+                <a:solidFill>
+                  <a:schemeClr val="tx1"/>
+                </a:solidFill>
+                <a:miter lim="800000"/>
+                <a:headEnd/>
+                <a:tailEnd/>
+              </a14:hiddenLine>
+            </a:ext>
+            <a:ext uri="{AF507438-7753-43E0-B8FC-AC1667EBCBE1}">
+              <a14:hiddenEffects xmlns:a14="http://schemas.microsoft.com/office/drawing/2010/main">
+                <a:effectLst>
+                  <a:outerShdw dist="35921" dir="2700000" algn="ctr" rotWithShape="0">
+                    <a:schemeClr val="bg2"/>
+                  </a:outerShdw>
+                </a:effectLst>
+              </a14:hiddenEffects>
+            </a:ext>
+          </a:extLst>
+        </p:spPr>
+      </p:pic>
+    </p:spTree>
+    <p:extLst>
+      <p:ext uri="{BB962C8B-B14F-4D97-AF65-F5344CB8AC3E}">
+        <p14:creationId xmlns:p14="http://schemas.microsoft.com/office/powerpoint/2010/main" val="3302655917"/>
+      </p:ext>
+    </p:extLst>
+  </p:cSld>
+  <p:clrMapOvr>
+    <a:masterClrMapping/>
+  </p:clrMapOvr>
+  <p:timing>
+    <p:tnLst>
+      <p:par>
+        <p:cTn id="1" dur="indefinite" restart="never" nodeType="tmRoot"/>
+      </p:par>
+    </p:tnLst>
+  </p:timing>
+</p:sld>
+</file>
+
+<file path=ppt/slides/slide7.xml><?xml version="1.0" encoding="utf-8"?>
+<p:sld xmlns:a="http://schemas.openxmlformats.org/drawingml/2006/main" xmlns:r="http://schemas.openxmlformats.org/officeDocument/2006/relationships" xmlns:p="http://schemas.openxmlformats.org/presentationml/2006/main">
+  <p:cSld>
+    <p:spTree>
+      <p:nvGrpSpPr>
+        <p:cNvPr id="1" name=""/>
+        <p:cNvGrpSpPr/>
+        <p:nvPr/>
+      </p:nvGrpSpPr>
+      <p:grpSpPr>
+        <a:xfrm>
+          <a:off x="0" y="0"/>
+          <a:ext cx="0" cy="0"/>
+          <a:chOff x="0" y="0"/>
+          <a:chExt cx="0" cy="0"/>
+        </a:xfrm>
+      </p:grpSpPr>
+      <p:sp>
+        <p:nvSpPr>
+          <p:cNvPr id="2" name="Titre 1"/>
           <p:cNvSpPr>
             <a:spLocks noGrp="1"/>
           </p:cNvSpPr>
@@ -5147,126 +8834,868 @@
         </p:nvSpPr>
         <p:spPr/>
         <p:txBody>
-          <a:bodyPr>
-            <a:normAutofit fontScale="90000"/>
+          <a:bodyPr/>
+          <a:lstStyle/>
+          <a:p>
+            <a:r>
+              <a:rPr lang="fr-FR" dirty="0" smtClean="0"/>
+              <a:t>Analyse des algorithmes récursifs</a:t>
+            </a:r>
+            <a:br>
+              <a:rPr lang="fr-FR" dirty="0" smtClean="0"/>
+            </a:br>
+            <a:r>
+              <a:rPr lang="fr-FR" dirty="0" smtClean="0"/>
+              <a:t>Avantages et inconvénients</a:t>
+            </a:r>
+            <a:endParaRPr lang="fr-FR" dirty="0"/>
+          </a:p>
+        </p:txBody>
+      </p:sp>
+      <p:sp>
+        <p:nvSpPr>
+          <p:cNvPr id="3" name="Espace réservé du pied de page 2"/>
+          <p:cNvSpPr>
+            <a:spLocks noGrp="1"/>
+          </p:cNvSpPr>
+          <p:nvPr>
+            <p:ph type="ftr" sz="quarter" idx="11"/>
+          </p:nvPr>
+        </p:nvSpPr>
+        <p:spPr/>
+        <p:txBody>
+          <a:bodyPr/>
+          <a:lstStyle/>
+          <a:p>
+            <a:r>
+              <a:rPr lang="fr-FR" smtClean="0"/>
+              <a:t>Programmation récursive - Xavier PESSOLES</a:t>
+            </a:r>
+            <a:endParaRPr lang="fr-FR" dirty="0"/>
+          </a:p>
+        </p:txBody>
+      </p:sp>
+      <p:sp>
+        <p:nvSpPr>
+          <p:cNvPr id="4" name="Espace réservé du numéro de diapositive 3"/>
+          <p:cNvSpPr>
+            <a:spLocks noGrp="1"/>
+          </p:cNvSpPr>
+          <p:nvPr>
+            <p:ph type="sldNum" sz="quarter" idx="12"/>
+          </p:nvPr>
+        </p:nvSpPr>
+        <p:spPr/>
+        <p:txBody>
+          <a:bodyPr/>
+          <a:lstStyle/>
+          <a:p>
+            <a:fld id="{3F1D8263-54E8-442D-88B4-DA252C595E3D}" type="slidenum">
+              <a:rPr lang="fr-FR" smtClean="0"/>
+              <a:pPr/>
+              <a:t>7</a:t>
+            </a:fld>
+            <a:endParaRPr lang="fr-FR"/>
+          </a:p>
+        </p:txBody>
+      </p:sp>
+      <p:sp>
+        <p:nvSpPr>
+          <p:cNvPr id="5" name="Espace réservé du contenu 4"/>
+          <p:cNvSpPr>
+            <a:spLocks noGrp="1"/>
+          </p:cNvSpPr>
+          <p:nvPr>
+            <p:ph sz="quarter" idx="1"/>
+          </p:nvPr>
+        </p:nvSpPr>
+        <p:spPr>
+          <a:xfrm>
+            <a:off x="457200" y="1219200"/>
+            <a:ext cx="3898776" cy="4937760"/>
+          </a:xfrm>
+        </p:spPr>
+        <p:txBody>
+          <a:bodyPr/>
+          <a:lstStyle/>
+          <a:p>
+            <a:r>
+              <a:rPr lang="fr-FR" dirty="0" smtClean="0"/>
+              <a:t>Avantages</a:t>
+            </a:r>
+          </a:p>
+          <a:p>
+            <a:pPr lvl="1"/>
+            <a:r>
+              <a:rPr lang="fr-FR" dirty="0" smtClean="0"/>
+              <a:t>Écriture parfois plus naturelle qu’une écriture itérative.</a:t>
+            </a:r>
+          </a:p>
+          <a:p>
+            <a:pPr lvl="1"/>
+            <a:r>
+              <a:rPr lang="fr-FR" dirty="0" smtClean="0"/>
+              <a:t>Lecture parfois plus aisée…</a:t>
+            </a:r>
+          </a:p>
+          <a:p>
+            <a:pPr lvl="1"/>
+            <a:endParaRPr lang="fr-FR" dirty="0"/>
+          </a:p>
+        </p:txBody>
+      </p:sp>
+      <p:sp>
+        <p:nvSpPr>
+          <p:cNvPr id="6" name="Espace réservé du contenu 4"/>
+          <p:cNvSpPr txBox="1">
+            <a:spLocks/>
+          </p:cNvSpPr>
+          <p:nvPr/>
+        </p:nvSpPr>
+        <p:spPr>
+          <a:xfrm>
+            <a:off x="4860032" y="1235193"/>
+            <a:ext cx="3898776" cy="4937760"/>
+          </a:xfrm>
+          <a:prstGeom prst="rect">
+            <a:avLst/>
+          </a:prstGeom>
+        </p:spPr>
+        <p:txBody>
+          <a:bodyPr vert="horz">
+            <a:normAutofit/>
           </a:bodyPr>
-          <a:lstStyle/>
-          <a:p>
-            <a:r>
-              <a:rPr lang="fr-FR" b="1" dirty="0"/>
-              <a:t>Présentation</a:t>
+          <a:lstStyle>
+            <a:lvl1pPr marL="274320" indent="-274320" algn="l" rtl="0" eaLnBrk="1" latinLnBrk="0" hangingPunct="1">
+              <a:spcBef>
+                <a:spcPts val="600"/>
+              </a:spcBef>
+              <a:buClr>
+                <a:schemeClr val="accent1"/>
+              </a:buClr>
+              <a:buSzPct val="76000"/>
+              <a:buFont typeface="Wingdings 3"/>
+              <a:buChar char=""/>
+              <a:defRPr kumimoji="0" sz="2400" kern="1200">
+                <a:solidFill>
+                  <a:schemeClr val="tx1"/>
+                </a:solidFill>
+                <a:latin typeface="+mn-lt"/>
+                <a:ea typeface="+mn-ea"/>
+                <a:cs typeface="+mn-cs"/>
+              </a:defRPr>
+            </a:lvl1pPr>
+            <a:lvl2pPr marL="548640" indent="-274320" algn="l" rtl="0" eaLnBrk="1" latinLnBrk="0" hangingPunct="1">
+              <a:spcBef>
+                <a:spcPts val="500"/>
+              </a:spcBef>
+              <a:buClr>
+                <a:schemeClr val="accent2"/>
+              </a:buClr>
+              <a:buSzPct val="76000"/>
+              <a:buFont typeface="Wingdings 3"/>
+              <a:buChar char=""/>
+              <a:defRPr kumimoji="0" sz="2000" kern="1200">
+                <a:solidFill>
+                  <a:schemeClr val="tx2"/>
+                </a:solidFill>
+                <a:latin typeface="+mn-lt"/>
+                <a:ea typeface="+mn-ea"/>
+                <a:cs typeface="+mn-cs"/>
+              </a:defRPr>
+            </a:lvl2pPr>
+            <a:lvl3pPr marL="822960" indent="-228600" algn="l" rtl="0" eaLnBrk="1" latinLnBrk="0" hangingPunct="1">
+              <a:spcBef>
+                <a:spcPts val="500"/>
+              </a:spcBef>
+              <a:buClr>
+                <a:schemeClr val="bg1">
+                  <a:shade val="50000"/>
+                </a:schemeClr>
+              </a:buClr>
+              <a:buSzPct val="76000"/>
+              <a:buFont typeface="Wingdings 3"/>
+              <a:buChar char=""/>
+              <a:defRPr kumimoji="0" sz="1800" kern="1200">
+                <a:solidFill>
+                  <a:schemeClr val="tx1"/>
+                </a:solidFill>
+                <a:latin typeface="+mn-lt"/>
+                <a:ea typeface="+mn-ea"/>
+                <a:cs typeface="+mn-cs"/>
+              </a:defRPr>
+            </a:lvl3pPr>
+            <a:lvl4pPr marL="1097280" indent="-228600" algn="l" rtl="0" eaLnBrk="1" latinLnBrk="0" hangingPunct="1">
+              <a:spcBef>
+                <a:spcPts val="400"/>
+              </a:spcBef>
+              <a:buClr>
+                <a:schemeClr val="accent2">
+                  <a:shade val="75000"/>
+                </a:schemeClr>
+              </a:buClr>
+              <a:buSzPct val="70000"/>
+              <a:buFont typeface="Wingdings"/>
+              <a:buChar char=""/>
+              <a:defRPr kumimoji="0" sz="1600" kern="1200">
+                <a:solidFill>
+                  <a:schemeClr val="tx1"/>
+                </a:solidFill>
+                <a:latin typeface="+mn-lt"/>
+                <a:ea typeface="+mn-ea"/>
+                <a:cs typeface="+mn-cs"/>
+              </a:defRPr>
+            </a:lvl4pPr>
+            <a:lvl5pPr marL="1371600" indent="-228600" algn="l" rtl="0" eaLnBrk="1" latinLnBrk="0" hangingPunct="1">
+              <a:spcBef>
+                <a:spcPts val="300"/>
+              </a:spcBef>
+              <a:buClr>
+                <a:schemeClr val="accent2"/>
+              </a:buClr>
+              <a:buSzPct val="70000"/>
+              <a:buFont typeface="Wingdings"/>
+              <a:buChar char=""/>
+              <a:defRPr kumimoji="0" sz="1400" kern="1200">
+                <a:solidFill>
+                  <a:schemeClr val="tx1"/>
+                </a:solidFill>
+                <a:latin typeface="+mn-lt"/>
+                <a:ea typeface="+mn-ea"/>
+                <a:cs typeface="+mn-cs"/>
+              </a:defRPr>
+            </a:lvl5pPr>
+            <a:lvl6pPr marL="1645920" indent="-182880" algn="l" rtl="0" eaLnBrk="1" latinLnBrk="0" hangingPunct="1">
+              <a:spcBef>
+                <a:spcPts val="300"/>
+              </a:spcBef>
+              <a:buClr>
+                <a:srgbClr val="9FB8CD">
+                  <a:shade val="75000"/>
+                </a:srgbClr>
+              </a:buClr>
+              <a:buSzPct val="75000"/>
+              <a:buFont typeface="Wingdings 3"/>
+              <a:buChar char=""/>
+              <a:defRPr kumimoji="0" lang="en-US" sz="1600" kern="1200" smtClean="0">
+                <a:solidFill>
+                  <a:schemeClr val="tx1"/>
+                </a:solidFill>
+                <a:latin typeface="+mn-lt"/>
+                <a:ea typeface="+mn-ea"/>
+                <a:cs typeface="+mn-cs"/>
+              </a:defRPr>
+            </a:lvl6pPr>
+            <a:lvl7pPr marL="1828800" indent="-182880" algn="l" rtl="0" eaLnBrk="1" latinLnBrk="0" hangingPunct="1">
+              <a:spcBef>
+                <a:spcPts val="300"/>
+              </a:spcBef>
+              <a:buClr>
+                <a:srgbClr val="727CA3">
+                  <a:shade val="75000"/>
+                </a:srgbClr>
+              </a:buClr>
+              <a:buSzPct val="75000"/>
+              <a:buFont typeface="Wingdings 3"/>
+              <a:buChar char=""/>
+              <a:defRPr kumimoji="0" lang="en-US" sz="1400" kern="1200" smtClean="0">
+                <a:solidFill>
+                  <a:schemeClr val="tx1"/>
+                </a:solidFill>
+                <a:latin typeface="+mn-lt"/>
+                <a:ea typeface="+mn-ea"/>
+                <a:cs typeface="+mn-cs"/>
+              </a:defRPr>
+            </a:lvl7pPr>
+            <a:lvl8pPr marL="2011680" indent="-182880" algn="l" rtl="0" eaLnBrk="1" latinLnBrk="0" hangingPunct="1">
+              <a:spcBef>
+                <a:spcPts val="300"/>
+              </a:spcBef>
+              <a:buClr>
+                <a:prstClr val="white">
+                  <a:shade val="50000"/>
+                </a:prstClr>
+              </a:buClr>
+              <a:buSzPct val="75000"/>
+              <a:buFont typeface="Wingdings 3"/>
+              <a:buChar char=""/>
+              <a:defRPr kumimoji="0" lang="en-US" sz="1400" kern="1200" smtClean="0">
+                <a:solidFill>
+                  <a:schemeClr val="tx1"/>
+                </a:solidFill>
+                <a:latin typeface="+mn-lt"/>
+                <a:ea typeface="+mn-ea"/>
+                <a:cs typeface="+mn-cs"/>
+              </a:defRPr>
+            </a:lvl8pPr>
+            <a:lvl9pPr marL="2194560" indent="-182880" algn="l" rtl="0" eaLnBrk="1" latinLnBrk="0" hangingPunct="1">
+              <a:spcBef>
+                <a:spcPts val="300"/>
+              </a:spcBef>
+              <a:buClr>
+                <a:srgbClr val="9FB8CD"/>
+              </a:buClr>
+              <a:buSzPct val="75000"/>
+              <a:buFont typeface="Wingdings 3"/>
+              <a:buChar char=""/>
+              <a:defRPr kumimoji="0" lang="en-US" sz="1200" kern="1200" smtClean="0">
+                <a:solidFill>
+                  <a:schemeClr val="tx1"/>
+                </a:solidFill>
+                <a:latin typeface="+mn-lt"/>
+                <a:ea typeface="+mn-ea"/>
+                <a:cs typeface="+mn-cs"/>
+              </a:defRPr>
+            </a:lvl9pPr>
+          </a:lstStyle>
+          <a:p>
+            <a:r>
+              <a:rPr lang="fr-FR" dirty="0" smtClean="0"/>
+              <a:t>Inconvénients</a:t>
+            </a:r>
+          </a:p>
+          <a:p>
+            <a:pPr lvl="1"/>
+            <a:r>
+              <a:rPr lang="fr-FR" dirty="0" smtClean="0"/>
+              <a:t>Coût de la complexité en mémoire</a:t>
+            </a:r>
+          </a:p>
+          <a:p>
+            <a:pPr lvl="1"/>
+            <a:endParaRPr lang="fr-FR" dirty="0"/>
+          </a:p>
+        </p:txBody>
+      </p:sp>
+    </p:spTree>
+    <p:extLst>
+      <p:ext uri="{BB962C8B-B14F-4D97-AF65-F5344CB8AC3E}">
+        <p14:creationId xmlns:p14="http://schemas.microsoft.com/office/powerpoint/2010/main" val="3455280848"/>
+      </p:ext>
+    </p:extLst>
+  </p:cSld>
+  <p:clrMapOvr>
+    <a:masterClrMapping/>
+  </p:clrMapOvr>
+  <p:timing>
+    <p:tnLst>
+      <p:par>
+        <p:cTn id="1" dur="indefinite" restart="never" nodeType="tmRoot"/>
+      </p:par>
+    </p:tnLst>
+  </p:timing>
+</p:sld>
+</file>
+
+<file path=ppt/slides/slide8.xml><?xml version="1.0" encoding="utf-8"?>
+<p:sld xmlns:a="http://schemas.openxmlformats.org/drawingml/2006/main" xmlns:r="http://schemas.openxmlformats.org/officeDocument/2006/relationships" xmlns:p="http://schemas.openxmlformats.org/presentationml/2006/main">
+  <p:cSld>
+    <p:spTree>
+      <p:nvGrpSpPr>
+        <p:cNvPr id="1" name=""/>
+        <p:cNvGrpSpPr/>
+        <p:nvPr/>
+      </p:nvGrpSpPr>
+      <p:grpSpPr>
+        <a:xfrm>
+          <a:off x="0" y="0"/>
+          <a:ext cx="0" cy="0"/>
+          <a:chOff x="0" y="0"/>
+          <a:chExt cx="0" cy="0"/>
+        </a:xfrm>
+      </p:grpSpPr>
+      <p:sp>
+        <p:nvSpPr>
+          <p:cNvPr id="2" name="Titre 1"/>
+          <p:cNvSpPr>
+            <a:spLocks noGrp="1"/>
+          </p:cNvSpPr>
+          <p:nvPr>
+            <p:ph type="title"/>
+          </p:nvPr>
+        </p:nvSpPr>
+        <p:spPr/>
+        <p:txBody>
+          <a:bodyPr/>
+          <a:lstStyle/>
+          <a:p>
+            <a:r>
+              <a:rPr lang="fr-FR" dirty="0" smtClean="0"/>
+              <a:t>Analyse des algorithmes récursifs</a:t>
             </a:r>
             <a:br>
-              <a:rPr lang="fr-FR" b="1" dirty="0"/>
+              <a:rPr lang="fr-FR" dirty="0" smtClean="0"/>
             </a:br>
             <a:r>
+              <a:rPr lang="fr-FR" dirty="0" smtClean="0"/>
+              <a:t>Terminaison des algorithmes</a:t>
+            </a:r>
+            <a:endParaRPr lang="fr-FR" dirty="0"/>
+          </a:p>
+        </p:txBody>
+      </p:sp>
+      <p:sp>
+        <p:nvSpPr>
+          <p:cNvPr id="3" name="Espace réservé du pied de page 2"/>
+          <p:cNvSpPr>
+            <a:spLocks noGrp="1"/>
+          </p:cNvSpPr>
+          <p:nvPr>
+            <p:ph type="ftr" sz="quarter" idx="11"/>
+          </p:nvPr>
+        </p:nvSpPr>
+        <p:spPr/>
+        <p:txBody>
+          <a:bodyPr/>
+          <a:lstStyle/>
+          <a:p>
+            <a:r>
+              <a:rPr lang="fr-FR" smtClean="0"/>
+              <a:t>Programmation récursive - Xavier PESSOLES</a:t>
+            </a:r>
+            <a:endParaRPr lang="fr-FR" dirty="0"/>
+          </a:p>
+        </p:txBody>
+      </p:sp>
+      <p:sp>
+        <p:nvSpPr>
+          <p:cNvPr id="4" name="Espace réservé du numéro de diapositive 3"/>
+          <p:cNvSpPr>
+            <a:spLocks noGrp="1"/>
+          </p:cNvSpPr>
+          <p:nvPr>
+            <p:ph type="sldNum" sz="quarter" idx="12"/>
+          </p:nvPr>
+        </p:nvSpPr>
+        <p:spPr/>
+        <p:txBody>
+          <a:bodyPr/>
+          <a:lstStyle/>
+          <a:p>
+            <a:fld id="{3F1D8263-54E8-442D-88B4-DA252C595E3D}" type="slidenum">
+              <a:rPr lang="fr-FR" smtClean="0"/>
+              <a:pPr/>
+              <a:t>8</a:t>
+            </a:fld>
+            <a:endParaRPr lang="fr-FR"/>
+          </a:p>
+        </p:txBody>
+      </p:sp>
+      <p:sp>
+        <p:nvSpPr>
+          <p:cNvPr id="5" name="Espace réservé du contenu 4"/>
+          <p:cNvSpPr>
+            <a:spLocks noGrp="1"/>
+          </p:cNvSpPr>
+          <p:nvPr>
+            <p:ph sz="quarter" idx="1"/>
+          </p:nvPr>
+        </p:nvSpPr>
+        <p:spPr/>
+        <p:txBody>
+          <a:bodyPr/>
+          <a:lstStyle/>
+          <a:p>
+            <a:pPr lvl="1"/>
+            <a:endParaRPr lang="fr-FR" dirty="0"/>
+          </a:p>
+        </p:txBody>
+      </p:sp>
+      <p:pic>
+        <p:nvPicPr>
+          <p:cNvPr id="7170" name="Picture 2"/>
+          <p:cNvPicPr>
+            <a:picLocks noChangeAspect="1" noChangeArrowheads="1"/>
+          </p:cNvPicPr>
+          <p:nvPr/>
+        </p:nvPicPr>
+        <p:blipFill>
+          <a:blip r:embed="rId2">
+            <a:extLst>
+              <a:ext uri="{28A0092B-C50C-407E-A947-70E740481C1C}">
+                <a14:useLocalDpi xmlns:a14="http://schemas.microsoft.com/office/drawing/2010/main" val="0"/>
+              </a:ext>
+            </a:extLst>
+          </a:blip>
+          <a:srcRect/>
+          <a:stretch>
+            <a:fillRect/>
+          </a:stretch>
+        </p:blipFill>
+        <p:spPr bwMode="auto">
+          <a:xfrm>
+            <a:off x="0" y="1196752"/>
+            <a:ext cx="8829675" cy="3457575"/>
+          </a:xfrm>
+          <a:prstGeom prst="rect">
+            <a:avLst/>
+          </a:prstGeom>
+          <a:noFill/>
+          <a:ln>
+            <a:noFill/>
+          </a:ln>
+          <a:effectLst/>
+          <a:extLst>
+            <a:ext uri="{909E8E84-426E-40DD-AFC4-6F175D3DCCD1}">
+              <a14:hiddenFill xmlns:a14="http://schemas.microsoft.com/office/drawing/2010/main">
+                <a:solidFill>
+                  <a:schemeClr val="accent1"/>
+                </a:solidFill>
+              </a14:hiddenFill>
+            </a:ext>
+            <a:ext uri="{91240B29-F687-4F45-9708-019B960494DF}">
+              <a14:hiddenLine xmlns:a14="http://schemas.microsoft.com/office/drawing/2010/main" w="9525">
+                <a:solidFill>
+                  <a:schemeClr val="tx1"/>
+                </a:solidFill>
+                <a:miter lim="800000"/>
+                <a:headEnd/>
+                <a:tailEnd/>
+              </a14:hiddenLine>
+            </a:ext>
+            <a:ext uri="{AF507438-7753-43E0-B8FC-AC1667EBCBE1}">
+              <a14:hiddenEffects xmlns:a14="http://schemas.microsoft.com/office/drawing/2010/main">
+                <a:effectLst>
+                  <a:outerShdw dist="35921" dir="2700000" algn="ctr" rotWithShape="0">
+                    <a:schemeClr val="bg2"/>
+                  </a:outerShdw>
+                </a:effectLst>
+              </a14:hiddenEffects>
+            </a:ext>
+          </a:extLst>
+        </p:spPr>
+      </p:pic>
+      <p:pic>
+        <p:nvPicPr>
+          <p:cNvPr id="8" name="Picture 3"/>
+          <p:cNvPicPr>
+            <a:picLocks noChangeAspect="1" noChangeArrowheads="1"/>
+          </p:cNvPicPr>
+          <p:nvPr/>
+        </p:nvPicPr>
+        <p:blipFill>
+          <a:blip r:embed="rId3">
+            <a:extLst>
+              <a:ext uri="{28A0092B-C50C-407E-A947-70E740481C1C}">
+                <a14:useLocalDpi xmlns:a14="http://schemas.microsoft.com/office/drawing/2010/main" val="0"/>
+              </a:ext>
+            </a:extLst>
+          </a:blip>
+          <a:srcRect/>
+          <a:stretch>
+            <a:fillRect/>
+          </a:stretch>
+        </p:blipFill>
+        <p:spPr bwMode="auto">
+          <a:xfrm>
+            <a:off x="5940152" y="3551343"/>
+            <a:ext cx="3316508" cy="2448272"/>
+          </a:xfrm>
+          <a:prstGeom prst="rect">
+            <a:avLst/>
+          </a:prstGeom>
+          <a:noFill/>
+          <a:ln>
+            <a:noFill/>
+          </a:ln>
+          <a:effectLst/>
+          <a:extLst>
+            <a:ext uri="{909E8E84-426E-40DD-AFC4-6F175D3DCCD1}">
+              <a14:hiddenFill xmlns:a14="http://schemas.microsoft.com/office/drawing/2010/main">
+                <a:solidFill>
+                  <a:schemeClr val="accent1"/>
+                </a:solidFill>
+              </a14:hiddenFill>
+            </a:ext>
+            <a:ext uri="{91240B29-F687-4F45-9708-019B960494DF}">
+              <a14:hiddenLine xmlns:a14="http://schemas.microsoft.com/office/drawing/2010/main" w="9525">
+                <a:solidFill>
+                  <a:schemeClr val="tx1"/>
+                </a:solidFill>
+                <a:miter lim="800000"/>
+                <a:headEnd/>
+                <a:tailEnd/>
+              </a14:hiddenLine>
+            </a:ext>
+            <a:ext uri="{AF507438-7753-43E0-B8FC-AC1667EBCBE1}">
+              <a14:hiddenEffects xmlns:a14="http://schemas.microsoft.com/office/drawing/2010/main">
+                <a:effectLst>
+                  <a:outerShdw dist="35921" dir="2700000" algn="ctr" rotWithShape="0">
+                    <a:schemeClr val="bg2"/>
+                  </a:outerShdw>
+                </a:effectLst>
+              </a14:hiddenEffects>
+            </a:ext>
+          </a:extLst>
+        </p:spPr>
+      </p:pic>
+    </p:spTree>
+    <p:extLst>
+      <p:ext uri="{BB962C8B-B14F-4D97-AF65-F5344CB8AC3E}">
+        <p14:creationId xmlns:p14="http://schemas.microsoft.com/office/powerpoint/2010/main" val="3374901030"/>
+      </p:ext>
+    </p:extLst>
+  </p:cSld>
+  <p:clrMapOvr>
+    <a:masterClrMapping/>
+  </p:clrMapOvr>
+  <p:timing>
+    <p:tnLst>
+      <p:par>
+        <p:cTn id="1" dur="indefinite" restart="never" nodeType="tmRoot"/>
+      </p:par>
+    </p:tnLst>
+  </p:timing>
+</p:sld>
+</file>
+
+<file path=ppt/slides/slide9.xml><?xml version="1.0" encoding="utf-8"?>
+<p:sld xmlns:a="http://schemas.openxmlformats.org/drawingml/2006/main" xmlns:r="http://schemas.openxmlformats.org/officeDocument/2006/relationships" xmlns:p="http://schemas.openxmlformats.org/presentationml/2006/main">
+  <p:cSld>
+    <p:spTree>
+      <p:nvGrpSpPr>
+        <p:cNvPr id="1" name=""/>
+        <p:cNvGrpSpPr/>
+        <p:nvPr/>
+      </p:nvGrpSpPr>
+      <p:grpSpPr>
+        <a:xfrm>
+          <a:off x="0" y="0"/>
+          <a:ext cx="0" cy="0"/>
+          <a:chOff x="0" y="0"/>
+          <a:chExt cx="0" cy="0"/>
+        </a:xfrm>
+      </p:grpSpPr>
+      <p:sp>
+        <p:nvSpPr>
+          <p:cNvPr id="2" name="Titre 1"/>
+          <p:cNvSpPr>
+            <a:spLocks noGrp="1"/>
+          </p:cNvSpPr>
+          <p:nvPr>
+            <p:ph type="title"/>
+          </p:nvPr>
+        </p:nvSpPr>
+        <p:spPr/>
+        <p:txBody>
+          <a:bodyPr/>
+          <a:lstStyle/>
+          <a:p>
+            <a:r>
               <a:rPr lang="fr-FR" dirty="0"/>
-              <a:t>Validation de l’exigence 1.1</a:t>
+              <a:t>Analyse des algorithmes récursifs</a:t>
             </a:r>
             <a:br>
               <a:rPr lang="fr-FR" dirty="0"/>
             </a:br>
             <a:r>
-              <a:rPr lang="fr-FR" dirty="0"/>
-              <a:t>Validation de l’exigence 1.2</a:t>
-            </a:r>
-            <a:br>
-              <a:rPr lang="fr-FR" dirty="0"/>
-            </a:br>
-            <a:r>
-              <a:rPr lang="fr-FR" dirty="0"/>
-              <a:t>Conclusion</a:t>
-            </a:r>
-          </a:p>
-        </p:txBody>
-      </p:sp>
-      <p:sp>
-        <p:nvSpPr>
-          <p:cNvPr id="32" name="Titre 1"/>
-          <p:cNvSpPr txBox="1">
-            <a:spLocks/>
-          </p:cNvSpPr>
+              <a:rPr lang="fr-FR" dirty="0" smtClean="0"/>
+              <a:t>Correction des algorithmes</a:t>
+            </a:r>
+            <a:endParaRPr lang="fr-FR" dirty="0"/>
+          </a:p>
+        </p:txBody>
+      </p:sp>
+      <p:sp>
+        <p:nvSpPr>
+          <p:cNvPr id="3" name="Espace réservé du pied de page 2"/>
+          <p:cNvSpPr>
+            <a:spLocks noGrp="1"/>
+          </p:cNvSpPr>
+          <p:nvPr>
+            <p:ph type="ftr" sz="quarter" idx="11"/>
+          </p:nvPr>
+        </p:nvSpPr>
+        <p:spPr/>
+        <p:txBody>
+          <a:bodyPr/>
+          <a:lstStyle/>
+          <a:p>
+            <a:r>
+              <a:rPr lang="fr-FR" smtClean="0"/>
+              <a:t>Programmation récursive - Xavier PESSOLES</a:t>
+            </a:r>
+            <a:endParaRPr lang="fr-FR" dirty="0"/>
+          </a:p>
+        </p:txBody>
+      </p:sp>
+      <p:sp>
+        <p:nvSpPr>
+          <p:cNvPr id="4" name="Espace réservé du numéro de diapositive 3"/>
+          <p:cNvSpPr>
+            <a:spLocks noGrp="1"/>
+          </p:cNvSpPr>
+          <p:nvPr>
+            <p:ph type="sldNum" sz="quarter" idx="12"/>
+          </p:nvPr>
+        </p:nvSpPr>
+        <p:spPr/>
+        <p:txBody>
+          <a:bodyPr/>
+          <a:lstStyle/>
+          <a:p>
+            <a:fld id="{3F1D8263-54E8-442D-88B4-DA252C595E3D}" type="slidenum">
+              <a:rPr lang="fr-FR" smtClean="0"/>
+              <a:pPr/>
+              <a:t>9</a:t>
+            </a:fld>
+            <a:endParaRPr lang="fr-FR"/>
+          </a:p>
+        </p:txBody>
+      </p:sp>
+      <p:sp>
+        <p:nvSpPr>
+          <p:cNvPr id="5" name="Espace réservé du contenu 4"/>
+          <p:cNvSpPr>
+            <a:spLocks noGrp="1"/>
+          </p:cNvSpPr>
+          <p:nvPr>
+            <p:ph sz="quarter" idx="1"/>
+          </p:nvPr>
+        </p:nvSpPr>
+        <p:spPr/>
+        <p:txBody>
+          <a:bodyPr/>
+          <a:lstStyle/>
+          <a:p>
+            <a:endParaRPr lang="fr-FR" dirty="0"/>
+          </a:p>
+        </p:txBody>
+      </p:sp>
+      <p:pic>
+        <p:nvPicPr>
+          <p:cNvPr id="8194" name="Picture 2"/>
+          <p:cNvPicPr>
+            <a:picLocks noChangeAspect="1" noChangeArrowheads="1"/>
+          </p:cNvPicPr>
           <p:nvPr/>
-        </p:nvSpPr>
-        <p:spPr>
+        </p:nvPicPr>
+        <p:blipFill>
+          <a:blip r:embed="rId2">
+            <a:extLst>
+              <a:ext uri="{28A0092B-C50C-407E-A947-70E740481C1C}">
+                <a14:useLocalDpi xmlns:a14="http://schemas.microsoft.com/office/drawing/2010/main" val="0"/>
+              </a:ext>
+            </a:extLst>
+          </a:blip>
+          <a:srcRect/>
+          <a:stretch>
+            <a:fillRect/>
+          </a:stretch>
+        </p:blipFill>
+        <p:spPr bwMode="auto">
           <a:xfrm>
-            <a:off x="4643438" y="142852"/>
-            <a:ext cx="4043362" cy="990600"/>
+            <a:off x="0" y="1340767"/>
+            <a:ext cx="8892480" cy="2992019"/>
           </a:xfrm>
           <a:prstGeom prst="rect">
             <a:avLst/>
           </a:prstGeom>
-        </p:spPr>
-        <p:txBody>
-          <a:bodyPr vert="horz" anchor="ctr" anchorCtr="0">
-            <a:normAutofit fontScale="97500"/>
-          </a:bodyPr>
-          <a:lstStyle/>
-          <a:p>
-            <a:pPr lvl="0">
-              <a:spcBef>
-                <a:spcPct val="0"/>
-              </a:spcBef>
-              <a:defRPr/>
-            </a:pPr>
-            <a:r>
-              <a:rPr lang="fr-FR" sz="1400" dirty="0">
+          <a:noFill/>
+          <a:ln>
+            <a:noFill/>
+          </a:ln>
+          <a:effectLst/>
+          <a:extLst>
+            <a:ext uri="{909E8E84-426E-40DD-AFC4-6F175D3DCCD1}">
+              <a14:hiddenFill xmlns:a14="http://schemas.microsoft.com/office/drawing/2010/main">
                 <a:solidFill>
-                  <a:schemeClr val="tx2"/>
+                  <a:schemeClr val="accent1"/>
                 </a:solidFill>
-                <a:latin typeface="Calibri" pitchFamily="34" charset="0"/>
-              </a:rPr>
-              <a:t>Présentation</a:t>
-            </a:r>
-          </a:p>
-          <a:p>
-            <a:pPr lvl="0">
-              <a:spcBef>
-                <a:spcPct val="0"/>
-              </a:spcBef>
-              <a:defRPr/>
-            </a:pPr>
-            <a:r>
-              <a:rPr lang="fr-FR" sz="1400" b="1" dirty="0">
+              </a14:hiddenFill>
+            </a:ext>
+            <a:ext uri="{91240B29-F687-4F45-9708-019B960494DF}">
+              <a14:hiddenLine xmlns:a14="http://schemas.microsoft.com/office/drawing/2010/main" w="9525">
                 <a:solidFill>
-                  <a:schemeClr val="tx2"/>
+                  <a:schemeClr val="tx1"/>
                 </a:solidFill>
-                <a:latin typeface="Calibri" pitchFamily="34" charset="0"/>
-              </a:rPr>
-              <a:t>Cas d’utilisation</a:t>
-            </a:r>
-          </a:p>
-        </p:txBody>
-      </p:sp>
-      <p:sp>
-        <p:nvSpPr>
-          <p:cNvPr id="33" name="Espace réservé du contenu 2"/>
-          <p:cNvSpPr>
-            <a:spLocks noGrp="1"/>
-          </p:cNvSpPr>
-          <p:nvPr>
-            <p:ph sz="quarter" idx="1"/>
-          </p:nvPr>
-        </p:nvSpPr>
-        <p:spPr>
+                <a:miter lim="800000"/>
+                <a:headEnd/>
+                <a:tailEnd/>
+              </a14:hiddenLine>
+            </a:ext>
+            <a:ext uri="{AF507438-7753-43E0-B8FC-AC1667EBCBE1}">
+              <a14:hiddenEffects xmlns:a14="http://schemas.microsoft.com/office/drawing/2010/main">
+                <a:effectLst>
+                  <a:outerShdw dist="35921" dir="2700000" algn="ctr" rotWithShape="0">
+                    <a:schemeClr val="bg2"/>
+                  </a:outerShdw>
+                </a:effectLst>
+              </a14:hiddenEffects>
+            </a:ext>
+          </a:extLst>
+        </p:spPr>
+      </p:pic>
+      <p:pic>
+        <p:nvPicPr>
+          <p:cNvPr id="7" name="Picture 3"/>
+          <p:cNvPicPr>
+            <a:picLocks noChangeAspect="1" noChangeArrowheads="1"/>
+          </p:cNvPicPr>
+          <p:nvPr/>
+        </p:nvPicPr>
+        <p:blipFill>
+          <a:blip r:embed="rId3">
+            <a:extLst>
+              <a:ext uri="{28A0092B-C50C-407E-A947-70E740481C1C}">
+                <a14:useLocalDpi xmlns:a14="http://schemas.microsoft.com/office/drawing/2010/main" val="0"/>
+              </a:ext>
+            </a:extLst>
+          </a:blip>
+          <a:srcRect/>
+          <a:stretch>
+            <a:fillRect/>
+          </a:stretch>
+        </p:blipFill>
+        <p:spPr bwMode="auto">
           <a:xfrm>
-            <a:off x="457200" y="1219200"/>
-            <a:ext cx="8229600" cy="4937760"/>
-          </a:xfrm>
-        </p:spPr>
-        <p:txBody>
-          <a:bodyPr/>
-          <a:lstStyle/>
-          <a:p>
-            <a:r>
-              <a:rPr lang="fr-FR" dirty="0" smtClean="0"/>
-              <a:t>Cas d’utilisation</a:t>
-            </a:r>
-            <a:endParaRPr lang="fr-FR" dirty="0"/>
-          </a:p>
-        </p:txBody>
-      </p:sp>
+            <a:off x="5798714" y="3861048"/>
+            <a:ext cx="3316508" cy="2448272"/>
+          </a:xfrm>
+          <a:prstGeom prst="rect">
+            <a:avLst/>
+          </a:prstGeom>
+          <a:noFill/>
+          <a:ln>
+            <a:noFill/>
+          </a:ln>
+          <a:effectLst/>
+          <a:extLst>
+            <a:ext uri="{909E8E84-426E-40DD-AFC4-6F175D3DCCD1}">
+              <a14:hiddenFill xmlns:a14="http://schemas.microsoft.com/office/drawing/2010/main">
+                <a:solidFill>
+                  <a:schemeClr val="accent1"/>
+                </a:solidFill>
+              </a14:hiddenFill>
+            </a:ext>
+            <a:ext uri="{91240B29-F687-4F45-9708-019B960494DF}">
+              <a14:hiddenLine xmlns:a14="http://schemas.microsoft.com/office/drawing/2010/main" w="9525">
+                <a:solidFill>
+                  <a:schemeClr val="tx1"/>
+                </a:solidFill>
+                <a:miter lim="800000"/>
+                <a:headEnd/>
+                <a:tailEnd/>
+              </a14:hiddenLine>
+            </a:ext>
+            <a:ext uri="{AF507438-7753-43E0-B8FC-AC1667EBCBE1}">
+              <a14:hiddenEffects xmlns:a14="http://schemas.microsoft.com/office/drawing/2010/main">
+                <a:effectLst>
+                  <a:outerShdw dist="35921" dir="2700000" algn="ctr" rotWithShape="0">
+                    <a:schemeClr val="bg2"/>
+                  </a:outerShdw>
+                </a:effectLst>
+              </a14:hiddenEffects>
+            </a:ext>
+          </a:extLst>
+        </p:spPr>
+      </p:pic>
     </p:spTree>
+    <p:extLst>
+      <p:ext uri="{BB962C8B-B14F-4D97-AF65-F5344CB8AC3E}">
+        <p14:creationId xmlns:p14="http://schemas.microsoft.com/office/powerpoint/2010/main" val="429140487"/>
+      </p:ext>
+    </p:extLst>
   </p:cSld>
   <p:clrMapOvr>
     <a:masterClrMapping/>

--- a/P_05_AlgorithmiqueProgrammation/01_Recursivite/Presentation/P_05_01_Recursivite_Cours_PPT.pptx
+++ b/P_05_AlgorithmiqueProgrammation/01_Recursivite/Presentation/P_05_01_Recursivite_Cours_PPT.pptx
@@ -145,6 +145,20 @@
         </p14:section>
       </p14:sectionLst>
     </p:ext>
+    <p:ext uri="{EFAFB233-063F-42B5-8137-9DF3F51BA10A}">
+      <p15:sldGuideLst xmlns:p15="http://schemas.microsoft.com/office/powerpoint/2012/main">
+        <p15:guide id="1" orient="horz" pos="2160">
+          <p15:clr>
+            <a:srgbClr val="A4A3A4"/>
+          </p15:clr>
+        </p15:guide>
+        <p15:guide id="2" pos="2880">
+          <p15:clr>
+            <a:srgbClr val="A4A3A4"/>
+          </p15:clr>
+        </p15:guide>
+      </p15:sldGuideLst>
+    </p:ext>
   </p:extLst>
 </p:presentation>
 </file>
@@ -232,7 +246,7 @@
             <a:fld id="{E494A05E-DEA9-4CEA-A63B-3593EEF3AC45}" type="datetimeFigureOut">
               <a:rPr lang="fr-FR" smtClean="0"/>
               <a:pPr/>
-              <a:t>04/10/2015</a:t>
+              <a:t>12/09/2016</a:t>
             </a:fld>
             <a:endParaRPr lang="fr-FR"/>
           </a:p>
@@ -298,38 +312,37 @@
           <a:p>
             <a:pPr lvl="0"/>
             <a:r>
-              <a:rPr lang="fr-FR" smtClean="0"/>
+              <a:rPr lang="fr-FR"/>
               <a:t>Cliquez pour modifier les styles du texte du masque</a:t>
             </a:r>
           </a:p>
           <a:p>
             <a:pPr lvl="1"/>
             <a:r>
-              <a:rPr lang="fr-FR" smtClean="0"/>
+              <a:rPr lang="fr-FR"/>
               <a:t>Deuxième niveau</a:t>
             </a:r>
           </a:p>
           <a:p>
             <a:pPr lvl="2"/>
             <a:r>
-              <a:rPr lang="fr-FR" smtClean="0"/>
+              <a:rPr lang="fr-FR"/>
               <a:t>Troisième niveau</a:t>
             </a:r>
           </a:p>
           <a:p>
             <a:pPr lvl="3"/>
             <a:r>
-              <a:rPr lang="fr-FR" smtClean="0"/>
+              <a:rPr lang="fr-FR"/>
               <a:t>Quatrième niveau</a:t>
             </a:r>
           </a:p>
           <a:p>
             <a:pPr lvl="4"/>
             <a:r>
-              <a:rPr lang="fr-FR" smtClean="0"/>
+              <a:rPr lang="fr-FR"/>
               <a:t>Cinquième niveau</a:t>
             </a:r>
-            <a:endParaRPr lang="fr-FR"/>
           </a:p>
         </p:txBody>
       </p:sp>
@@ -720,7 +733,7 @@
           </a:lstStyle>
           <a:p>
             <a:r>
-              <a:rPr kumimoji="0" lang="fr-FR" dirty="0" smtClean="0"/>
+              <a:rPr kumimoji="0" lang="fr-FR" dirty="0"/>
               <a:t>Cliquez pour modifier le style du titre</a:t>
             </a:r>
             <a:endParaRPr kumimoji="0" lang="en-US" dirty="0"/>
@@ -786,7 +799,7 @@
           </a:lstStyle>
           <a:p>
             <a:r>
-              <a:rPr kumimoji="0" lang="fr-FR" dirty="0" smtClean="0"/>
+              <a:rPr kumimoji="0" lang="fr-FR" dirty="0"/>
               <a:t>Cliquez pour modifier le style des sous-titres du masque</a:t>
             </a:r>
             <a:endParaRPr kumimoji="0" lang="en-US" dirty="0"/>
@@ -819,7 +832,7 @@
           <a:p>
             <a:fld id="{6F3208CB-8F26-4BC3-8552-71446892877A}" type="datetime1">
               <a:rPr lang="fr-FR" smtClean="0"/>
-              <a:t>04/10/2015</a:t>
+              <a:t>12/09/2016</a:t>
             </a:fld>
             <a:endParaRPr lang="fr-FR"/>
           </a:p>
@@ -846,10 +859,9 @@
           <a:lstStyle/>
           <a:p>
             <a:r>
-              <a:rPr lang="fr-FR" smtClean="0"/>
+              <a:rPr lang="fr-FR"/>
               <a:t>Programmation récursive - Xavier PESSOLES</a:t>
             </a:r>
-            <a:endParaRPr lang="fr-FR"/>
           </a:p>
         </p:txBody>
       </p:sp>
@@ -1071,13 +1083,6 @@
   <p:clrMapOvr>
     <a:masterClrMapping/>
   </p:clrMapOvr>
-  <p:timing>
-    <p:tnLst>
-      <p:par>
-        <p:cTn id="1" dur="indefinite" restart="never" nodeType="tmRoot"/>
-      </p:par>
-    </p:tnLst>
-  </p:timing>
 </p:sldLayout>
 </file>
 
@@ -1114,7 +1119,7 @@
           <a:lstStyle/>
           <a:p>
             <a:r>
-              <a:rPr kumimoji="0" lang="fr-FR" smtClean="0"/>
+              <a:rPr kumimoji="0" lang="fr-FR"/>
               <a:t>Cliquez pour modifier le style du titre</a:t>
             </a:r>
             <a:endParaRPr kumimoji="0" lang="en-US"/>
@@ -1138,35 +1143,35 @@
           <a:p>
             <a:pPr lvl="0" eaLnBrk="1" latinLnBrk="0" hangingPunct="1"/>
             <a:r>
-              <a:rPr lang="fr-FR" smtClean="0"/>
+              <a:rPr lang="fr-FR"/>
               <a:t>Cliquez pour modifier les styles du texte du masque</a:t>
             </a:r>
           </a:p>
           <a:p>
             <a:pPr lvl="1" eaLnBrk="1" latinLnBrk="0" hangingPunct="1"/>
             <a:r>
-              <a:rPr lang="fr-FR" smtClean="0"/>
+              <a:rPr lang="fr-FR"/>
               <a:t>Deuxième niveau</a:t>
             </a:r>
           </a:p>
           <a:p>
             <a:pPr lvl="2" eaLnBrk="1" latinLnBrk="0" hangingPunct="1"/>
             <a:r>
-              <a:rPr lang="fr-FR" smtClean="0"/>
+              <a:rPr lang="fr-FR"/>
               <a:t>Troisième niveau</a:t>
             </a:r>
           </a:p>
           <a:p>
             <a:pPr lvl="3" eaLnBrk="1" latinLnBrk="0" hangingPunct="1"/>
             <a:r>
-              <a:rPr lang="fr-FR" smtClean="0"/>
+              <a:rPr lang="fr-FR"/>
               <a:t>Quatrième niveau</a:t>
             </a:r>
           </a:p>
           <a:p>
             <a:pPr lvl="4" eaLnBrk="1" latinLnBrk="0" hangingPunct="1"/>
             <a:r>
-              <a:rPr lang="fr-FR" smtClean="0"/>
+              <a:rPr lang="fr-FR"/>
               <a:t>Cinquième niveau</a:t>
             </a:r>
             <a:endParaRPr kumimoji="0" lang="en-US"/>
@@ -1190,7 +1195,7 @@
           <a:p>
             <a:fld id="{AB2537EC-3472-4E92-A8DF-A6D471C1F02A}" type="datetime1">
               <a:rPr lang="fr-FR" smtClean="0"/>
-              <a:t>04/10/2015</a:t>
+              <a:t>12/09/2016</a:t>
             </a:fld>
             <a:endParaRPr lang="fr-FR"/>
           </a:p>
@@ -1212,10 +1217,9 @@
           <a:lstStyle/>
           <a:p>
             <a:r>
-              <a:rPr lang="fr-FR" smtClean="0"/>
+              <a:rPr lang="fr-FR"/>
               <a:t>Programmation récursive - Xavier PESSOLES</a:t>
             </a:r>
-            <a:endParaRPr lang="fr-FR"/>
           </a:p>
         </p:txBody>
       </p:sp>
@@ -1289,7 +1293,7 @@
           <a:lstStyle/>
           <a:p>
             <a:r>
-              <a:rPr kumimoji="0" lang="fr-FR" smtClean="0"/>
+              <a:rPr kumimoji="0" lang="fr-FR"/>
               <a:t>Cliquez pour modifier le style du titre</a:t>
             </a:r>
             <a:endParaRPr kumimoji="0" lang="en-US"/>
@@ -1318,35 +1322,35 @@
           <a:p>
             <a:pPr lvl="0" eaLnBrk="1" latinLnBrk="0" hangingPunct="1"/>
             <a:r>
-              <a:rPr lang="fr-FR" smtClean="0"/>
+              <a:rPr lang="fr-FR"/>
               <a:t>Cliquez pour modifier les styles du texte du masque</a:t>
             </a:r>
           </a:p>
           <a:p>
             <a:pPr lvl="1" eaLnBrk="1" latinLnBrk="0" hangingPunct="1"/>
             <a:r>
-              <a:rPr lang="fr-FR" smtClean="0"/>
+              <a:rPr lang="fr-FR"/>
               <a:t>Deuxième niveau</a:t>
             </a:r>
           </a:p>
           <a:p>
             <a:pPr lvl="2" eaLnBrk="1" latinLnBrk="0" hangingPunct="1"/>
             <a:r>
-              <a:rPr lang="fr-FR" smtClean="0"/>
+              <a:rPr lang="fr-FR"/>
               <a:t>Troisième niveau</a:t>
             </a:r>
           </a:p>
           <a:p>
             <a:pPr lvl="3" eaLnBrk="1" latinLnBrk="0" hangingPunct="1"/>
             <a:r>
-              <a:rPr lang="fr-FR" smtClean="0"/>
+              <a:rPr lang="fr-FR"/>
               <a:t>Quatrième niveau</a:t>
             </a:r>
           </a:p>
           <a:p>
             <a:pPr lvl="4" eaLnBrk="1" latinLnBrk="0" hangingPunct="1"/>
             <a:r>
-              <a:rPr lang="fr-FR" smtClean="0"/>
+              <a:rPr lang="fr-FR"/>
               <a:t>Cinquième niveau</a:t>
             </a:r>
             <a:endParaRPr kumimoji="0" lang="en-US"/>
@@ -1370,7 +1374,7 @@
           <a:p>
             <a:fld id="{E9E4FAC4-F9E9-485C-9DAD-4241257C02F3}" type="datetime1">
               <a:rPr lang="fr-FR" smtClean="0"/>
-              <a:t>04/10/2015</a:t>
+              <a:t>12/09/2016</a:t>
             </a:fld>
             <a:endParaRPr lang="fr-FR"/>
           </a:p>
@@ -1392,10 +1396,9 @@
           <a:lstStyle/>
           <a:p>
             <a:r>
-              <a:rPr lang="fr-FR" smtClean="0"/>
+              <a:rPr lang="fr-FR"/>
               <a:t>Programmation récursive - Xavier PESSOLES</a:t>
             </a:r>
-            <a:endParaRPr lang="fr-FR"/>
           </a:p>
         </p:txBody>
       </p:sp>
@@ -1597,7 +1600,7 @@
           </a:lstStyle>
           <a:p>
             <a:r>
-              <a:rPr kumimoji="0" lang="fr-FR" dirty="0" smtClean="0"/>
+              <a:rPr kumimoji="0" lang="fr-FR" dirty="0"/>
               <a:t>Cliquez pour modifier le style du titre</a:t>
             </a:r>
             <a:endParaRPr kumimoji="0" lang="en-US" dirty="0"/>
@@ -1621,7 +1624,7 @@
           <a:p>
             <a:fld id="{5DBBE032-2739-41E9-BFFA-D79554DBCF20}" type="datetime1">
               <a:rPr lang="fr-FR" smtClean="0"/>
-              <a:t>04/10/2015</a:t>
+              <a:t>12/09/2016</a:t>
             </a:fld>
             <a:endParaRPr lang="fr-FR"/>
           </a:p>
@@ -1648,7 +1651,7 @@
           <a:lstStyle/>
           <a:p>
             <a:r>
-              <a:rPr lang="fr-FR" smtClean="0"/>
+              <a:rPr lang="fr-FR"/>
               <a:t>Programmation récursive - Xavier PESSOLES</a:t>
             </a:r>
             <a:endParaRPr lang="fr-FR" dirty="0"/>
@@ -1701,35 +1704,35 @@
           <a:p>
             <a:pPr lvl="0" eaLnBrk="1" latinLnBrk="0" hangingPunct="1"/>
             <a:r>
-              <a:rPr lang="fr-FR" smtClean="0"/>
+              <a:rPr lang="fr-FR"/>
               <a:t>Cliquez pour modifier les styles du texte du masque</a:t>
             </a:r>
           </a:p>
           <a:p>
             <a:pPr lvl="1" eaLnBrk="1" latinLnBrk="0" hangingPunct="1"/>
             <a:r>
-              <a:rPr lang="fr-FR" smtClean="0"/>
+              <a:rPr lang="fr-FR"/>
               <a:t>Deuxième niveau</a:t>
             </a:r>
           </a:p>
           <a:p>
             <a:pPr lvl="2" eaLnBrk="1" latinLnBrk="0" hangingPunct="1"/>
             <a:r>
-              <a:rPr lang="fr-FR" smtClean="0"/>
+              <a:rPr lang="fr-FR"/>
               <a:t>Troisième niveau</a:t>
             </a:r>
           </a:p>
           <a:p>
             <a:pPr lvl="3" eaLnBrk="1" latinLnBrk="0" hangingPunct="1"/>
             <a:r>
-              <a:rPr lang="fr-FR" smtClean="0"/>
+              <a:rPr lang="fr-FR"/>
               <a:t>Quatrième niveau</a:t>
             </a:r>
           </a:p>
           <a:p>
             <a:pPr lvl="4" eaLnBrk="1" latinLnBrk="0" hangingPunct="1"/>
             <a:r>
-              <a:rPr lang="fr-FR" smtClean="0"/>
+              <a:rPr lang="fr-FR"/>
               <a:t>Cinquième niveau</a:t>
             </a:r>
             <a:endParaRPr kumimoji="0" lang="en-US"/>
@@ -1782,13 +1785,6 @@
   <p:clrMapOvr>
     <a:masterClrMapping/>
   </p:clrMapOvr>
-  <p:timing>
-    <p:tnLst>
-      <p:par>
-        <p:cTn id="1" dur="indefinite" restart="never" nodeType="tmRoot"/>
-      </p:par>
-    </p:tnLst>
-  </p:timing>
 </p:sldLayout>
 </file>
 
@@ -1840,7 +1836,7 @@
           </a:lstStyle>
           <a:p>
             <a:r>
-              <a:rPr kumimoji="0" lang="fr-FR" smtClean="0"/>
+              <a:rPr kumimoji="0" lang="fr-FR"/>
               <a:t>Cliquez pour modifier le style du titre</a:t>
             </a:r>
             <a:endParaRPr kumimoji="0" lang="en-US"/>
@@ -1920,7 +1916,7 @@
           <a:p>
             <a:pPr lvl="0" eaLnBrk="1" latinLnBrk="0" hangingPunct="1"/>
             <a:r>
-              <a:rPr kumimoji="0" lang="fr-FR" smtClean="0"/>
+              <a:rPr kumimoji="0" lang="fr-FR"/>
               <a:t>Cliquez pour modifier les styles du texte du masque</a:t>
             </a:r>
           </a:p>
@@ -1948,7 +1944,7 @@
           <a:p>
             <a:fld id="{0F398640-5EA9-4205-B4E8-4A460D500E75}" type="datetime1">
               <a:rPr lang="fr-FR" smtClean="0"/>
-              <a:t>04/10/2015</a:t>
+              <a:t>12/09/2016</a:t>
             </a:fld>
             <a:endParaRPr lang="fr-FR"/>
           </a:p>
@@ -1975,10 +1971,9 @@
           <a:lstStyle/>
           <a:p>
             <a:r>
-              <a:rPr lang="fr-FR" smtClean="0"/>
+              <a:rPr lang="fr-FR"/>
               <a:t>Programmation récursive - Xavier PESSOLES</a:t>
             </a:r>
-            <a:endParaRPr lang="fr-FR"/>
           </a:p>
         </p:txBody>
       </p:sp>
@@ -2149,7 +2144,7 @@
           <a:lstStyle/>
           <a:p>
             <a:r>
-              <a:rPr kumimoji="0" lang="fr-FR" smtClean="0"/>
+              <a:rPr kumimoji="0" lang="fr-FR"/>
               <a:t>Cliquez pour modifier le style du titre</a:t>
             </a:r>
             <a:endParaRPr kumimoji="0" lang="en-US"/>
@@ -2173,7 +2168,7 @@
           <a:p>
             <a:fld id="{9D59B31E-2A1F-4679-9525-5D5C5E70AA1B}" type="datetime1">
               <a:rPr lang="fr-FR" smtClean="0"/>
-              <a:t>04/10/2015</a:t>
+              <a:t>12/09/2016</a:t>
             </a:fld>
             <a:endParaRPr lang="fr-FR"/>
           </a:p>
@@ -2195,10 +2190,9 @@
           <a:lstStyle/>
           <a:p>
             <a:r>
-              <a:rPr lang="fr-FR" smtClean="0"/>
+              <a:rPr lang="fr-FR"/>
               <a:t>Programmation récursive - Xavier PESSOLES</a:t>
             </a:r>
-            <a:endParaRPr lang="fr-FR"/>
           </a:p>
         </p:txBody>
       </p:sp>
@@ -2248,35 +2242,35 @@
           <a:p>
             <a:pPr lvl="0" eaLnBrk="1" latinLnBrk="0" hangingPunct="1"/>
             <a:r>
-              <a:rPr lang="fr-FR" smtClean="0"/>
+              <a:rPr lang="fr-FR"/>
               <a:t>Cliquez pour modifier les styles du texte du masque</a:t>
             </a:r>
           </a:p>
           <a:p>
             <a:pPr lvl="1" eaLnBrk="1" latinLnBrk="0" hangingPunct="1"/>
             <a:r>
-              <a:rPr lang="fr-FR" smtClean="0"/>
+              <a:rPr lang="fr-FR"/>
               <a:t>Deuxième niveau</a:t>
             </a:r>
           </a:p>
           <a:p>
             <a:pPr lvl="2" eaLnBrk="1" latinLnBrk="0" hangingPunct="1"/>
             <a:r>
-              <a:rPr lang="fr-FR" smtClean="0"/>
+              <a:rPr lang="fr-FR"/>
               <a:t>Troisième niveau</a:t>
             </a:r>
           </a:p>
           <a:p>
             <a:pPr lvl="3" eaLnBrk="1" latinLnBrk="0" hangingPunct="1"/>
             <a:r>
-              <a:rPr lang="fr-FR" smtClean="0"/>
+              <a:rPr lang="fr-FR"/>
               <a:t>Quatrième niveau</a:t>
             </a:r>
           </a:p>
           <a:p>
             <a:pPr lvl="4" eaLnBrk="1" latinLnBrk="0" hangingPunct="1"/>
             <a:r>
-              <a:rPr lang="fr-FR" smtClean="0"/>
+              <a:rPr lang="fr-FR"/>
               <a:t>Cinquième niveau</a:t>
             </a:r>
             <a:endParaRPr kumimoji="0" lang="en-US"/>
@@ -2305,35 +2299,35 @@
           <a:p>
             <a:pPr lvl="0" eaLnBrk="1" latinLnBrk="0" hangingPunct="1"/>
             <a:r>
-              <a:rPr lang="fr-FR" smtClean="0"/>
+              <a:rPr lang="fr-FR"/>
               <a:t>Cliquez pour modifier les styles du texte du masque</a:t>
             </a:r>
           </a:p>
           <a:p>
             <a:pPr lvl="1" eaLnBrk="1" latinLnBrk="0" hangingPunct="1"/>
             <a:r>
-              <a:rPr lang="fr-FR" smtClean="0"/>
+              <a:rPr lang="fr-FR"/>
               <a:t>Deuxième niveau</a:t>
             </a:r>
           </a:p>
           <a:p>
             <a:pPr lvl="2" eaLnBrk="1" latinLnBrk="0" hangingPunct="1"/>
             <a:r>
-              <a:rPr lang="fr-FR" smtClean="0"/>
+              <a:rPr lang="fr-FR"/>
               <a:t>Troisième niveau</a:t>
             </a:r>
           </a:p>
           <a:p>
             <a:pPr lvl="3" eaLnBrk="1" latinLnBrk="0" hangingPunct="1"/>
             <a:r>
-              <a:rPr lang="fr-FR" smtClean="0"/>
+              <a:rPr lang="fr-FR"/>
               <a:t>Quatrième niveau</a:t>
             </a:r>
           </a:p>
           <a:p>
             <a:pPr lvl="4" eaLnBrk="1" latinLnBrk="0" hangingPunct="1"/>
             <a:r>
-              <a:rPr lang="fr-FR" smtClean="0"/>
+              <a:rPr lang="fr-FR"/>
               <a:t>Cinquième niveau</a:t>
             </a:r>
             <a:endParaRPr kumimoji="0" lang="en-US"/>
@@ -2390,7 +2384,7 @@
           </a:lstStyle>
           <a:p>
             <a:r>
-              <a:rPr kumimoji="0" lang="fr-FR" smtClean="0"/>
+              <a:rPr kumimoji="0" lang="fr-FR"/>
               <a:t>Cliquez pour modifier le style du titre</a:t>
             </a:r>
             <a:endParaRPr kumimoji="0" lang="en-US"/>
@@ -2450,7 +2444,7 @@
           <a:p>
             <a:pPr lvl="0" eaLnBrk="1" latinLnBrk="0" hangingPunct="1"/>
             <a:r>
-              <a:rPr kumimoji="0" lang="fr-FR" smtClean="0"/>
+              <a:rPr kumimoji="0" lang="fr-FR"/>
               <a:t>Cliquez pour modifier les styles du texte du masque</a:t>
             </a:r>
           </a:p>
@@ -2507,7 +2501,7 @@
           <a:p>
             <a:pPr lvl="0" eaLnBrk="1" latinLnBrk="0" hangingPunct="1"/>
             <a:r>
-              <a:rPr kumimoji="0" lang="fr-FR" smtClean="0"/>
+              <a:rPr kumimoji="0" lang="fr-FR"/>
               <a:t>Cliquez pour modifier les styles du texte du masque</a:t>
             </a:r>
           </a:p>
@@ -2530,7 +2524,7 @@
           <a:p>
             <a:fld id="{C8F5E3A9-B003-4E22-B657-208D1CAF043C}" type="datetime1">
               <a:rPr lang="fr-FR" smtClean="0"/>
-              <a:t>04/10/2015</a:t>
+              <a:t>12/09/2016</a:t>
             </a:fld>
             <a:endParaRPr lang="fr-FR"/>
           </a:p>
@@ -2552,10 +2546,9 @@
           <a:lstStyle/>
           <a:p>
             <a:r>
-              <a:rPr lang="fr-FR" smtClean="0"/>
+              <a:rPr lang="fr-FR"/>
               <a:t>Programmation récursive - Xavier PESSOLES</a:t>
             </a:r>
-            <a:endParaRPr lang="fr-FR"/>
           </a:p>
         </p:txBody>
       </p:sp>
@@ -2605,35 +2598,35 @@
           <a:p>
             <a:pPr lvl="0" eaLnBrk="1" latinLnBrk="0" hangingPunct="1"/>
             <a:r>
-              <a:rPr lang="fr-FR" smtClean="0"/>
+              <a:rPr lang="fr-FR"/>
               <a:t>Cliquez pour modifier les styles du texte du masque</a:t>
             </a:r>
           </a:p>
           <a:p>
             <a:pPr lvl="1" eaLnBrk="1" latinLnBrk="0" hangingPunct="1"/>
             <a:r>
-              <a:rPr lang="fr-FR" smtClean="0"/>
+              <a:rPr lang="fr-FR"/>
               <a:t>Deuxième niveau</a:t>
             </a:r>
           </a:p>
           <a:p>
             <a:pPr lvl="2" eaLnBrk="1" latinLnBrk="0" hangingPunct="1"/>
             <a:r>
-              <a:rPr lang="fr-FR" smtClean="0"/>
+              <a:rPr lang="fr-FR"/>
               <a:t>Troisième niveau</a:t>
             </a:r>
           </a:p>
           <a:p>
             <a:pPr lvl="3" eaLnBrk="1" latinLnBrk="0" hangingPunct="1"/>
             <a:r>
-              <a:rPr lang="fr-FR" smtClean="0"/>
+              <a:rPr lang="fr-FR"/>
               <a:t>Quatrième niveau</a:t>
             </a:r>
           </a:p>
           <a:p>
             <a:pPr lvl="4" eaLnBrk="1" latinLnBrk="0" hangingPunct="1"/>
             <a:r>
-              <a:rPr lang="fr-FR" smtClean="0"/>
+              <a:rPr lang="fr-FR"/>
               <a:t>Cinquième niveau</a:t>
             </a:r>
             <a:endParaRPr kumimoji="0" lang="en-US"/>
@@ -2662,35 +2655,35 @@
           <a:p>
             <a:pPr lvl="0" eaLnBrk="1" latinLnBrk="0" hangingPunct="1"/>
             <a:r>
-              <a:rPr lang="fr-FR" smtClean="0"/>
+              <a:rPr lang="fr-FR"/>
               <a:t>Cliquez pour modifier les styles du texte du masque</a:t>
             </a:r>
           </a:p>
           <a:p>
             <a:pPr lvl="1" eaLnBrk="1" latinLnBrk="0" hangingPunct="1"/>
             <a:r>
-              <a:rPr lang="fr-FR" smtClean="0"/>
+              <a:rPr lang="fr-FR"/>
               <a:t>Deuxième niveau</a:t>
             </a:r>
           </a:p>
           <a:p>
             <a:pPr lvl="2" eaLnBrk="1" latinLnBrk="0" hangingPunct="1"/>
             <a:r>
-              <a:rPr lang="fr-FR" smtClean="0"/>
+              <a:rPr lang="fr-FR"/>
               <a:t>Troisième niveau</a:t>
             </a:r>
           </a:p>
           <a:p>
             <a:pPr lvl="3" eaLnBrk="1" latinLnBrk="0" hangingPunct="1"/>
             <a:r>
-              <a:rPr lang="fr-FR" smtClean="0"/>
+              <a:rPr lang="fr-FR"/>
               <a:t>Quatrième niveau</a:t>
             </a:r>
           </a:p>
           <a:p>
             <a:pPr lvl="4" eaLnBrk="1" latinLnBrk="0" hangingPunct="1"/>
             <a:r>
-              <a:rPr lang="fr-FR" smtClean="0"/>
+              <a:rPr lang="fr-FR"/>
               <a:t>Cinquième niveau</a:t>
             </a:r>
             <a:endParaRPr kumimoji="0" lang="en-US"/>
@@ -2743,7 +2736,7 @@
           <a:lstStyle/>
           <a:p>
             <a:r>
-              <a:rPr kumimoji="0" lang="fr-FR" smtClean="0"/>
+              <a:rPr kumimoji="0" lang="fr-FR"/>
               <a:t>Cliquez pour modifier le style du titre</a:t>
             </a:r>
             <a:endParaRPr kumimoji="0" lang="en-US"/>
@@ -2767,7 +2760,7 @@
           <a:p>
             <a:fld id="{6CE811C2-721D-4ADE-A8E5-DB9CA684F9A0}" type="datetime1">
               <a:rPr lang="fr-FR" smtClean="0"/>
-              <a:t>04/10/2015</a:t>
+              <a:t>12/09/2016</a:t>
             </a:fld>
             <a:endParaRPr lang="fr-FR"/>
           </a:p>
@@ -2789,10 +2782,9 @@
           <a:lstStyle/>
           <a:p>
             <a:r>
-              <a:rPr lang="fr-FR" smtClean="0"/>
+              <a:rPr lang="fr-FR"/>
               <a:t>Programmation récursive - Xavier PESSOLES</a:t>
             </a:r>
-            <a:endParaRPr lang="fr-FR"/>
           </a:p>
         </p:txBody>
       </p:sp>
@@ -2912,7 +2904,7 @@
           <a:p>
             <a:fld id="{069DEDAF-1EB9-4A8E-B613-32778F5A70AC}" type="datetime1">
               <a:rPr lang="fr-FR" smtClean="0"/>
-              <a:t>04/10/2015</a:t>
+              <a:t>12/09/2016</a:t>
             </a:fld>
             <a:endParaRPr lang="fr-FR"/>
           </a:p>
@@ -2934,10 +2926,9 @@
           <a:lstStyle/>
           <a:p>
             <a:r>
-              <a:rPr lang="fr-FR" smtClean="0"/>
+              <a:rPr lang="fr-FR"/>
               <a:t>Programmation récursive - Xavier PESSOLES</a:t>
             </a:r>
-            <a:endParaRPr lang="fr-FR"/>
           </a:p>
         </p:txBody>
       </p:sp>
@@ -3111,7 +3102,7 @@
           </a:lstStyle>
           <a:p>
             <a:r>
-              <a:rPr kumimoji="0" lang="fr-FR" smtClean="0"/>
+              <a:rPr kumimoji="0" lang="fr-FR"/>
               <a:t>Cliquez pour modifier le style du titre</a:t>
             </a:r>
             <a:endParaRPr kumimoji="0" lang="en-US"/>
@@ -3171,7 +3162,7 @@
           <a:p>
             <a:pPr lvl="0" eaLnBrk="1" latinLnBrk="0" hangingPunct="1"/>
             <a:r>
-              <a:rPr kumimoji="0" lang="fr-FR" smtClean="0"/>
+              <a:rPr kumimoji="0" lang="fr-FR"/>
               <a:t>Cliquez pour modifier les styles du texte du masque</a:t>
             </a:r>
           </a:p>
@@ -3194,7 +3185,7 @@
           <a:p>
             <a:fld id="{A8E390A0-3CAB-45E0-9DB0-49D4ED1C3ED3}" type="datetime1">
               <a:rPr lang="fr-FR" smtClean="0"/>
-              <a:t>04/10/2015</a:t>
+              <a:t>12/09/2016</a:t>
             </a:fld>
             <a:endParaRPr lang="fr-FR"/>
           </a:p>
@@ -3216,10 +3207,9 @@
           <a:lstStyle/>
           <a:p>
             <a:r>
-              <a:rPr lang="fr-FR" smtClean="0"/>
+              <a:rPr lang="fr-FR"/>
               <a:t>Programmation récursive - Xavier PESSOLES</a:t>
             </a:r>
-            <a:endParaRPr lang="fr-FR"/>
           </a:p>
         </p:txBody>
       </p:sp>
@@ -3391,35 +3381,35 @@
           <a:p>
             <a:pPr lvl="0" eaLnBrk="1" latinLnBrk="0" hangingPunct="1"/>
             <a:r>
-              <a:rPr lang="fr-FR" smtClean="0"/>
+              <a:rPr lang="fr-FR"/>
               <a:t>Cliquez pour modifier les styles du texte du masque</a:t>
             </a:r>
           </a:p>
           <a:p>
             <a:pPr lvl="1" eaLnBrk="1" latinLnBrk="0" hangingPunct="1"/>
             <a:r>
-              <a:rPr lang="fr-FR" smtClean="0"/>
+              <a:rPr lang="fr-FR"/>
               <a:t>Deuxième niveau</a:t>
             </a:r>
           </a:p>
           <a:p>
             <a:pPr lvl="2" eaLnBrk="1" latinLnBrk="0" hangingPunct="1"/>
             <a:r>
-              <a:rPr lang="fr-FR" smtClean="0"/>
+              <a:rPr lang="fr-FR"/>
               <a:t>Troisième niveau</a:t>
             </a:r>
           </a:p>
           <a:p>
             <a:pPr lvl="3" eaLnBrk="1" latinLnBrk="0" hangingPunct="1"/>
             <a:r>
-              <a:rPr lang="fr-FR" smtClean="0"/>
+              <a:rPr lang="fr-FR"/>
               <a:t>Quatrième niveau</a:t>
             </a:r>
           </a:p>
           <a:p>
             <a:pPr lvl="4" eaLnBrk="1" latinLnBrk="0" hangingPunct="1"/>
             <a:r>
-              <a:rPr lang="fr-FR" smtClean="0"/>
+              <a:rPr lang="fr-FR"/>
               <a:t>Cinquième niveau</a:t>
             </a:r>
             <a:endParaRPr kumimoji="0" lang="en-US"/>
@@ -3491,7 +3481,7 @@
           </a:lstStyle>
           <a:p>
             <a:r>
-              <a:rPr kumimoji="0" lang="fr-FR" smtClean="0"/>
+              <a:rPr kumimoji="0" lang="fr-FR"/>
               <a:t>Cliquez pour modifier le style du titre</a:t>
             </a:r>
             <a:endParaRPr kumimoji="0" lang="en-US"/>
@@ -3536,7 +3526,7 @@
           </a:lstStyle>
           <a:p>
             <a:r>
-              <a:rPr kumimoji="0" lang="fr-FR" smtClean="0"/>
+              <a:rPr kumimoji="0" lang="fr-FR"/>
               <a:t>Cliquez sur l'icône pour ajouter une image</a:t>
             </a:r>
             <a:endParaRPr kumimoji="0" lang="en-US" dirty="0"/>
@@ -3583,7 +3573,7 @@
           <a:p>
             <a:pPr lvl="0" eaLnBrk="1" latinLnBrk="0" hangingPunct="1"/>
             <a:r>
-              <a:rPr kumimoji="0" lang="fr-FR" smtClean="0"/>
+              <a:rPr kumimoji="0" lang="fr-FR"/>
               <a:t>Cliquez pour modifier les styles du texte du masque</a:t>
             </a:r>
           </a:p>
@@ -3606,7 +3596,7 @@
           <a:p>
             <a:fld id="{138D6DEB-EE8C-4DFD-8DA3-F3E9B3C4A181}" type="datetime1">
               <a:rPr lang="fr-FR" smtClean="0"/>
-              <a:t>04/10/2015</a:t>
+              <a:t>12/09/2016</a:t>
             </a:fld>
             <a:endParaRPr lang="fr-FR"/>
           </a:p>
@@ -3628,10 +3618,9 @@
           <a:lstStyle/>
           <a:p>
             <a:r>
-              <a:rPr lang="fr-FR" smtClean="0"/>
+              <a:rPr lang="fr-FR"/>
               <a:t>Programmation récursive - Xavier PESSOLES</a:t>
             </a:r>
-            <a:endParaRPr lang="fr-FR"/>
           </a:p>
         </p:txBody>
       </p:sp>
@@ -3847,7 +3836,7 @@
           <a:lstStyle/>
           <a:p>
             <a:r>
-              <a:rPr kumimoji="0" lang="fr-FR" dirty="0" smtClean="0"/>
+              <a:rPr kumimoji="0" lang="fr-FR" dirty="0"/>
               <a:t>Cliquez pour modifier le style du titre</a:t>
             </a:r>
             <a:endParaRPr kumimoji="0" lang="en-US" dirty="0"/>
@@ -3881,35 +3870,35 @@
           <a:p>
             <a:pPr lvl="0" eaLnBrk="1" latinLnBrk="0" hangingPunct="1"/>
             <a:r>
-              <a:rPr kumimoji="0" lang="fr-FR" dirty="0" smtClean="0"/>
+              <a:rPr kumimoji="0" lang="fr-FR" dirty="0"/>
               <a:t>Cliquez pour modifier les styles du texte du masque</a:t>
             </a:r>
           </a:p>
           <a:p>
             <a:pPr lvl="1" eaLnBrk="1" latinLnBrk="0" hangingPunct="1"/>
             <a:r>
-              <a:rPr kumimoji="0" lang="fr-FR" dirty="0" smtClean="0"/>
+              <a:rPr kumimoji="0" lang="fr-FR" dirty="0"/>
               <a:t>Deuxième niveau</a:t>
             </a:r>
           </a:p>
           <a:p>
             <a:pPr lvl="2" eaLnBrk="1" latinLnBrk="0" hangingPunct="1"/>
             <a:r>
-              <a:rPr kumimoji="0" lang="fr-FR" dirty="0" smtClean="0"/>
+              <a:rPr kumimoji="0" lang="fr-FR" dirty="0"/>
               <a:t>Troisième niveau</a:t>
             </a:r>
           </a:p>
           <a:p>
             <a:pPr lvl="3" eaLnBrk="1" latinLnBrk="0" hangingPunct="1"/>
             <a:r>
-              <a:rPr kumimoji="0" lang="fr-FR" dirty="0" smtClean="0"/>
+              <a:rPr kumimoji="0" lang="fr-FR" dirty="0"/>
               <a:t>Quatrième niveau</a:t>
             </a:r>
           </a:p>
           <a:p>
             <a:pPr lvl="4" eaLnBrk="1" latinLnBrk="0" hangingPunct="1"/>
             <a:r>
-              <a:rPr kumimoji="0" lang="fr-FR" dirty="0" smtClean="0"/>
+              <a:rPr kumimoji="0" lang="fr-FR" dirty="0"/>
               <a:t>Cinquième niveau</a:t>
             </a:r>
             <a:endParaRPr kumimoji="0" lang="en-US" dirty="0"/>
@@ -3949,7 +3938,7 @@
           <a:p>
             <a:fld id="{A21BA41E-DF15-46EA-A955-C13EC325515C}" type="datetime1">
               <a:rPr lang="fr-FR" smtClean="0"/>
-              <a:t>04/10/2015</a:t>
+              <a:t>12/09/2016</a:t>
             </a:fld>
             <a:endParaRPr lang="fr-FR"/>
           </a:p>
@@ -3987,10 +3976,9 @@
           </a:lstStyle>
           <a:p>
             <a:r>
-              <a:rPr lang="fr-FR" smtClean="0"/>
+              <a:rPr lang="fr-FR"/>
               <a:t>Programmation récursive - Xavier PESSOLES</a:t>
             </a:r>
-            <a:endParaRPr lang="fr-FR"/>
           </a:p>
         </p:txBody>
       </p:sp>
@@ -4172,13 +4160,6 @@
     <p:sldLayoutId id="2147483694" r:id="rId10"/>
     <p:sldLayoutId id="2147483695" r:id="rId11"/>
   </p:sldLayoutIdLst>
-  <p:timing>
-    <p:tnLst>
-      <p:par>
-        <p:cTn id="1" dur="indefinite" restart="never" nodeType="tmRoot"/>
-      </p:par>
-    </p:tnLst>
-  </p:timing>
   <p:hf hdr="0" dt="0"/>
   <p:txStyles>
     <p:titleStyle>
@@ -4510,29 +4491,20 @@
           </a:bodyPr>
           <a:lstStyle/>
           <a:p>
-            <a:r>
-              <a:rPr lang="fr-FR" dirty="0" smtClean="0"/>
-              <a:t/>
-            </a:r>
             <a:br>
-              <a:rPr lang="fr-FR" dirty="0" smtClean="0"/>
+              <a:rPr lang="fr-FR" dirty="0"/>
             </a:br>
             <a:r>
-              <a:rPr lang="fr-FR" dirty="0" smtClean="0"/>
-              <a:t>Partie </a:t>
-            </a:r>
-            <a:r>
-              <a:rPr lang="fr-FR" dirty="0" smtClean="0"/>
-              <a:t>5</a:t>
+              <a:rPr lang="fr-FR" dirty="0"/>
+              <a:t>Partie 5</a:t>
             </a:r>
             <a:br>
-              <a:rPr lang="fr-FR" dirty="0" smtClean="0"/>
+              <a:rPr lang="fr-FR" dirty="0"/>
             </a:br>
             <a:r>
-              <a:rPr lang="fr-FR" dirty="0" smtClean="0"/>
+              <a:rPr lang="fr-FR" dirty="0"/>
               <a:t>Algorithme &amp; Programmation II</a:t>
             </a:r>
-            <a:endParaRPr lang="fr-FR" dirty="0"/>
           </a:p>
         </p:txBody>
       </p:sp>
@@ -4552,15 +4524,14 @@
           <a:lstStyle/>
           <a:p>
             <a:r>
-              <a:rPr lang="fr-FR" dirty="0" smtClean="0"/>
+              <a:rPr lang="fr-FR" dirty="0"/>
               <a:t>Programmation récursive</a:t>
             </a:r>
-            <a:endParaRPr lang="fr-FR" dirty="0"/>
-          </a:p>
-        </p:txBody>
-      </p:sp>
-      <mc:AlternateContent xmlns:mc="http://schemas.openxmlformats.org/markup-compatibility/2006">
-        <mc:Choice xmlns:a14="http://schemas.microsoft.com/office/drawing/2010/main" Requires="a14">
+          </a:p>
+        </p:txBody>
+      </p:sp>
+      <mc:AlternateContent xmlns:mc="http://schemas.openxmlformats.org/markup-compatibility/2006" xmlns:a14="http://schemas.microsoft.com/office/drawing/2010/main">
+        <mc:Choice Requires="a14">
           <p:sp>
             <p:nvSpPr>
               <p:cNvPr id="4" name="Sous-titre 2"/>
@@ -4768,20 +4739,16 @@
               <a:p>
                 <a:pPr algn="ctr"/>
                 <a:r>
-                  <a:rPr lang="fr-FR" dirty="0" smtClean="0"/>
+                  <a:rPr lang="fr-FR" dirty="0"/>
                   <a:t>Lycée de La Martinière </a:t>
                 </a:r>
                 <a:r>
-                  <a:rPr lang="fr-FR" dirty="0" err="1" smtClean="0"/>
+                  <a:rPr lang="fr-FR" dirty="0" err="1"/>
                   <a:t>Monplaisir</a:t>
                 </a:r>
                 <a:r>
                   <a:rPr lang="fr-FR" dirty="0"/>
-                  <a:t> </a:t>
-                </a:r>
-                <a:r>
-                  <a:rPr lang="fr-FR" dirty="0" smtClean="0"/>
-                  <a:t>– PT – PT</a:t>
+                  <a:t> – PT – PT</a:t>
                 </a:r>
                 <a14:m>
                   <m:oMath xmlns:m="http://schemas.openxmlformats.org/officeDocument/2006/math">
@@ -4798,15 +4765,14 @@
               <a:p>
                 <a:pPr algn="ctr"/>
                 <a:r>
-                  <a:rPr lang="fr-FR" dirty="0" smtClean="0"/>
+                  <a:rPr lang="fr-FR" dirty="0"/>
                   <a:t>Xavier PESSOLES </a:t>
                 </a:r>
-                <a:endParaRPr lang="fr-FR" dirty="0"/>
               </a:p>
             </p:txBody>
           </p:sp>
         </mc:Choice>
-        <mc:Fallback>
+        <mc:Fallback xmlns="">
           <p:sp>
             <p:nvSpPr>
               <p:cNvPr id="4" name="Sous-titre 2"/>
@@ -4891,13 +4857,6 @@
   <p:clrMapOvr>
     <a:masterClrMapping/>
   </p:clrMapOvr>
-  <p:timing>
-    <p:tnLst>
-      <p:par>
-        <p:cTn id="1" dur="indefinite" restart="never" nodeType="tmRoot"/>
-      </p:par>
-    </p:tnLst>
-  </p:timing>
 </p:sld>
 </file>
 
@@ -4941,10 +4900,9 @@
               <a:rPr lang="fr-FR" dirty="0"/>
             </a:br>
             <a:r>
-              <a:rPr lang="fr-FR" dirty="0" smtClean="0"/>
+              <a:rPr lang="fr-FR" dirty="0"/>
               <a:t>Notion de pile d’exécution</a:t>
             </a:r>
-            <a:endParaRPr lang="fr-FR" dirty="0"/>
           </a:p>
         </p:txBody>
       </p:sp>
@@ -4964,7 +4922,7 @@
           <a:lstStyle/>
           <a:p>
             <a:r>
-              <a:rPr lang="fr-FR" smtClean="0"/>
+              <a:rPr lang="fr-FR"/>
               <a:t>Programmation récursive - Xavier PESSOLES</a:t>
             </a:r>
             <a:endParaRPr lang="fr-FR" dirty="0"/>
@@ -5088,13 +5046,6 @@
   <p:clrMapOvr>
     <a:masterClrMapping/>
   </p:clrMapOvr>
-  <p:timing>
-    <p:tnLst>
-      <p:par>
-        <p:cTn id="1" dur="indefinite" restart="never" nodeType="tmRoot"/>
-      </p:par>
-    </p:tnLst>
-  </p:timing>
 </p:sld>
 </file>
 
@@ -5138,10 +5089,9 @@
               <a:rPr lang="fr-FR" dirty="0"/>
             </a:br>
             <a:r>
-              <a:rPr lang="fr-FR" dirty="0" smtClean="0"/>
+              <a:rPr lang="fr-FR" dirty="0"/>
               <a:t>Exponentiation rapide</a:t>
             </a:r>
-            <a:endParaRPr lang="fr-FR" dirty="0"/>
           </a:p>
         </p:txBody>
       </p:sp>
@@ -5161,7 +5111,7 @@
           <a:lstStyle/>
           <a:p>
             <a:r>
-              <a:rPr lang="fr-FR" smtClean="0"/>
+              <a:rPr lang="fr-FR"/>
               <a:t>Programmation récursive - Xavier PESSOLES</a:t>
             </a:r>
             <a:endParaRPr lang="fr-FR" dirty="0"/>
@@ -5285,13 +5235,6 @@
   <p:clrMapOvr>
     <a:masterClrMapping/>
   </p:clrMapOvr>
-  <p:timing>
-    <p:tnLst>
-      <p:par>
-        <p:cTn id="1" dur="indefinite" restart="never" nodeType="tmRoot"/>
-      </p:par>
-    </p:tnLst>
-  </p:timing>
 </p:sld>
 </file>
 
@@ -5335,11 +5278,11 @@
               <a:rPr lang="fr-FR" dirty="0"/>
             </a:br>
             <a:r>
-              <a:rPr lang="fr-FR" dirty="0" smtClean="0"/>
+              <a:rPr lang="fr-FR" dirty="0"/>
               <a:t>Pile d’exécution – Power </a:t>
             </a:r>
             <a:r>
-              <a:rPr lang="fr-FR" dirty="0" err="1" smtClean="0"/>
+              <a:rPr lang="fr-FR" dirty="0" err="1"/>
               <a:t>Tree</a:t>
             </a:r>
             <a:endParaRPr lang="fr-FR" dirty="0"/>
@@ -5362,7 +5305,7 @@
           <a:lstStyle/>
           <a:p>
             <a:r>
-              <a:rPr lang="fr-FR" smtClean="0"/>
+              <a:rPr lang="fr-FR"/>
               <a:t>Programmation récursive - Xavier PESSOLES</a:t>
             </a:r>
             <a:endParaRPr lang="fr-FR" dirty="0"/>
@@ -5416,8 +5359,8 @@
         </p:blipFill>
         <p:spPr bwMode="auto">
           <a:xfrm>
-            <a:off x="323528" y="2046071"/>
-            <a:ext cx="3141994" cy="3069232"/>
+            <a:off x="2518966" y="1172162"/>
+            <a:ext cx="4464496" cy="4361108"/>
           </a:xfrm>
           <a:prstGeom prst="rect">
             <a:avLst/>
@@ -5457,47 +5400,6 @@
           </a:extLst>
         </p:spPr>
       </p:pic>
-      <p:pic>
-        <p:nvPicPr>
-          <p:cNvPr id="11268" name="Picture 4" descr="https://comeoncodeon.files.wordpress.com/2009/03/power-tree.jpg"/>
-          <p:cNvPicPr>
-            <a:picLocks noChangeAspect="1" noChangeArrowheads="1"/>
-          </p:cNvPicPr>
-          <p:nvPr/>
-        </p:nvPicPr>
-        <p:blipFill>
-          <a:blip r:embed="rId3" cstate="print">
-            <a:extLst>
-              <a:ext uri="{28A0092B-C50C-407E-A947-70E740481C1C}">
-                <a14:useLocalDpi xmlns:a14="http://schemas.microsoft.com/office/drawing/2010/main" val="0"/>
-              </a:ext>
-            </a:extLst>
-          </a:blip>
-          <a:srcRect/>
-          <a:stretch>
-            <a:fillRect/>
-          </a:stretch>
-        </p:blipFill>
-        <p:spPr bwMode="auto">
-          <a:xfrm>
-            <a:off x="3995935" y="2262095"/>
-            <a:ext cx="5032359" cy="2679073"/>
-          </a:xfrm>
-          <a:prstGeom prst="rect">
-            <a:avLst/>
-          </a:prstGeom>
-          <a:noFill/>
-          <a:extLst>
-            <a:ext uri="{909E8E84-426E-40DD-AFC4-6F175D3DCCD1}">
-              <a14:hiddenFill xmlns:a14="http://schemas.microsoft.com/office/drawing/2010/main">
-                <a:solidFill>
-                  <a:srgbClr val="FFFFFF"/>
-                </a:solidFill>
-              </a14:hiddenFill>
-            </a:ext>
-          </a:extLst>
-        </p:spPr>
-      </p:pic>
     </p:spTree>
     <p:extLst>
       <p:ext uri="{BB962C8B-B14F-4D97-AF65-F5344CB8AC3E}">
@@ -5508,13 +5410,6 @@
   <p:clrMapOvr>
     <a:masterClrMapping/>
   </p:clrMapOvr>
-  <p:timing>
-    <p:tnLst>
-      <p:par>
-        <p:cTn id="1" dur="indefinite" restart="never" nodeType="tmRoot"/>
-      </p:par>
-    </p:tnLst>
-  </p:timing>
 </p:sld>
 </file>
 
@@ -5558,10 +5453,9 @@
               <a:rPr lang="fr-FR" dirty="0"/>
             </a:br>
             <a:r>
-              <a:rPr lang="fr-FR" dirty="0" smtClean="0"/>
+              <a:rPr lang="fr-FR" dirty="0"/>
               <a:t>Complexité algorithmique</a:t>
             </a:r>
-            <a:endParaRPr lang="fr-FR" dirty="0"/>
           </a:p>
         </p:txBody>
       </p:sp>
@@ -5581,7 +5475,7 @@
           <a:lstStyle/>
           <a:p>
             <a:r>
-              <a:rPr lang="fr-FR" smtClean="0"/>
+              <a:rPr lang="fr-FR"/>
               <a:t>Programmation récursive - Xavier PESSOLES</a:t>
             </a:r>
             <a:endParaRPr lang="fr-FR" dirty="0"/>
@@ -5833,13 +5727,6 @@
   <p:clrMapOvr>
     <a:masterClrMapping/>
   </p:clrMapOvr>
-  <p:timing>
-    <p:tnLst>
-      <p:par>
-        <p:cTn id="1" dur="indefinite" restart="never" nodeType="tmRoot"/>
-      </p:par>
-    </p:tnLst>
-  </p:timing>
 </p:sld>
 </file>
 
@@ -5876,10 +5763,9 @@
           <a:lstStyle/>
           <a:p>
             <a:r>
-              <a:rPr lang="fr-FR" dirty="0" smtClean="0"/>
+              <a:rPr lang="fr-FR" dirty="0"/>
               <a:t>Exemple d’algorithme récursif</a:t>
             </a:r>
-            <a:endParaRPr lang="fr-FR" dirty="0"/>
           </a:p>
         </p:txBody>
       </p:sp>
@@ -5899,7 +5785,7 @@
           <a:lstStyle/>
           <a:p>
             <a:r>
-              <a:rPr lang="fr-FR" smtClean="0"/>
+              <a:rPr lang="fr-FR"/>
               <a:t>Programmation récursive - Xavier PESSOLES</a:t>
             </a:r>
             <a:endParaRPr lang="fr-FR" dirty="0"/>
@@ -6023,13 +5909,6 @@
   <p:clrMapOvr>
     <a:masterClrMapping/>
   </p:clrMapOvr>
-  <p:timing>
-    <p:tnLst>
-      <p:par>
-        <p:cTn id="1" dur="indefinite" restart="never" nodeType="tmRoot"/>
-      </p:par>
-    </p:tnLst>
-  </p:timing>
 </p:sld>
 </file>
 
@@ -6066,7 +5945,7 @@
           <a:lstStyle/>
           <a:p>
             <a:r>
-              <a:rPr lang="fr-FR" smtClean="0"/>
+              <a:rPr lang="fr-FR"/>
               <a:t>Exemple d’algorithme récursif</a:t>
             </a:r>
             <a:endParaRPr lang="fr-FR" dirty="0"/>
@@ -6089,7 +5968,7 @@
           <a:lstStyle/>
           <a:p>
             <a:r>
-              <a:rPr lang="fr-FR" smtClean="0"/>
+              <a:rPr lang="fr-FR"/>
               <a:t>Programmation récursive - Xavier PESSOLES</a:t>
             </a:r>
             <a:endParaRPr lang="fr-FR" dirty="0"/>
@@ -6213,13 +6092,6 @@
   <p:clrMapOvr>
     <a:masterClrMapping/>
   </p:clrMapOvr>
-  <p:timing>
-    <p:tnLst>
-      <p:par>
-        <p:cTn id="1" dur="indefinite" restart="never" nodeType="tmRoot"/>
-      </p:par>
-    </p:tnLst>
-  </p:timing>
 </p:sld>
 </file>
 
@@ -6263,7 +6135,7 @@
           <a:lstStyle/>
           <a:p>
             <a:r>
-              <a:rPr lang="fr-FR" b="1" dirty="0" smtClean="0"/>
+              <a:rPr lang="fr-FR" b="1" dirty="0"/>
               <a:t>Présentation</a:t>
             </a:r>
             <a:endParaRPr lang="fr-FR" dirty="0"/>
@@ -6310,10 +6182,9 @@
           <a:lstStyle/>
           <a:p>
             <a:r>
-              <a:rPr lang="fr-FR" smtClean="0"/>
+              <a:rPr lang="fr-FR"/>
               <a:t>Programmation récursive - Xavier PESSOLES</a:t>
             </a:r>
-            <a:endParaRPr lang="fr-FR"/>
           </a:p>
         </p:txBody>
       </p:sp>
@@ -6405,13 +6276,6 @@
   <p:clrMapOvr>
     <a:masterClrMapping/>
   </p:clrMapOvr>
-  <p:timing>
-    <p:tnLst>
-      <p:par>
-        <p:cTn id="1" dur="indefinite" restart="never" nodeType="tmRoot"/>
-      </p:par>
-    </p:tnLst>
-  </p:timing>
 </p:sld>
 </file>
 
@@ -6448,17 +6312,16 @@
           <a:lstStyle/>
           <a:p>
             <a:r>
-              <a:rPr lang="fr-FR" dirty="0" smtClean="0"/>
+              <a:rPr lang="fr-FR" dirty="0"/>
               <a:t>Exemple d’un algorithme récursif</a:t>
             </a:r>
             <a:br>
-              <a:rPr lang="fr-FR" dirty="0" smtClean="0"/>
+              <a:rPr lang="fr-FR" dirty="0"/>
             </a:br>
             <a:r>
-              <a:rPr lang="fr-FR" dirty="0" smtClean="0"/>
+              <a:rPr lang="fr-FR" dirty="0"/>
               <a:t>Calcul explicite des puissances de 2</a:t>
             </a:r>
-            <a:endParaRPr lang="fr-FR" dirty="0"/>
           </a:p>
         </p:txBody>
       </p:sp>
@@ -6478,7 +6341,7 @@
           <a:lstStyle/>
           <a:p>
             <a:r>
-              <a:rPr lang="fr-FR" smtClean="0"/>
+              <a:rPr lang="fr-FR"/>
               <a:t>Programmation récursive - Xavier PESSOLES</a:t>
             </a:r>
             <a:endParaRPr lang="fr-FR" dirty="0"/>
@@ -6602,13 +6465,6 @@
   <p:clrMapOvr>
     <a:masterClrMapping/>
   </p:clrMapOvr>
-  <p:timing>
-    <p:tnLst>
-      <p:par>
-        <p:cTn id="1" dur="indefinite" restart="never" nodeType="tmRoot"/>
-      </p:par>
-    </p:tnLst>
-  </p:timing>
 </p:sld>
 </file>
 
@@ -6653,15 +6509,7 @@
             </a:br>
             <a:r>
               <a:rPr lang="fr-FR" dirty="0"/>
-              <a:t>Calcul </a:t>
-            </a:r>
-            <a:r>
-              <a:rPr lang="fr-FR" dirty="0" smtClean="0"/>
-              <a:t>récursif des </a:t>
-            </a:r>
-            <a:r>
-              <a:rPr lang="fr-FR" dirty="0"/>
-              <a:t>puissances de 2</a:t>
+              <a:t>Calcul récursif des puissances de 2</a:t>
             </a:r>
           </a:p>
         </p:txBody>
@@ -6682,7 +6530,7 @@
           <a:lstStyle/>
           <a:p>
             <a:r>
-              <a:rPr lang="fr-FR" smtClean="0"/>
+              <a:rPr lang="fr-FR"/>
               <a:t>Programmation récursive - Xavier PESSOLES</a:t>
             </a:r>
             <a:endParaRPr lang="fr-FR" dirty="0"/>
@@ -6806,13 +6654,6 @@
   <p:clrMapOvr>
     <a:masterClrMapping/>
   </p:clrMapOvr>
-  <p:timing>
-    <p:tnLst>
-      <p:par>
-        <p:cTn id="1" dur="indefinite" restart="never" nodeType="tmRoot"/>
-      </p:par>
-    </p:tnLst>
-  </p:timing>
 </p:sld>
 </file>
 
@@ -6857,15 +6698,7 @@
             </a:br>
             <a:r>
               <a:rPr lang="fr-FR" dirty="0"/>
-              <a:t>Calcul </a:t>
-            </a:r>
-            <a:r>
-              <a:rPr lang="fr-FR" dirty="0" smtClean="0"/>
-              <a:t>récursif des </a:t>
-            </a:r>
-            <a:r>
-              <a:rPr lang="fr-FR" dirty="0"/>
-              <a:t>puissances de 2</a:t>
+              <a:t>Calcul récursif des puissances de 2</a:t>
             </a:r>
           </a:p>
         </p:txBody>
@@ -6886,7 +6719,7 @@
           <a:lstStyle/>
           <a:p>
             <a:r>
-              <a:rPr lang="fr-FR" smtClean="0"/>
+              <a:rPr lang="fr-FR"/>
               <a:t>Programmation récursive - Xavier PESSOLES</a:t>
             </a:r>
             <a:endParaRPr lang="fr-FR" dirty="0"/>
@@ -7010,13 +6843,6 @@
   <p:clrMapOvr>
     <a:masterClrMapping/>
   </p:clrMapOvr>
-  <p:timing>
-    <p:tnLst>
-      <p:par>
-        <p:cTn id="1" dur="indefinite" restart="never" nodeType="tmRoot"/>
-      </p:par>
-    </p:tnLst>
-  </p:timing>
 </p:sld>
 </file>
 
@@ -7061,15 +6887,7 @@
             </a:br>
             <a:r>
               <a:rPr lang="fr-FR" dirty="0"/>
-              <a:t>Calcul </a:t>
-            </a:r>
-            <a:r>
-              <a:rPr lang="fr-FR" dirty="0" smtClean="0"/>
-              <a:t>récursif des </a:t>
-            </a:r>
-            <a:r>
-              <a:rPr lang="fr-FR" dirty="0"/>
-              <a:t>puissances de 2</a:t>
+              <a:t>Calcul récursif des puissances de 2</a:t>
             </a:r>
           </a:p>
         </p:txBody>
@@ -7090,7 +6908,7 @@
           <a:lstStyle/>
           <a:p>
             <a:r>
-              <a:rPr lang="fr-FR" smtClean="0"/>
+              <a:rPr lang="fr-FR"/>
               <a:t>Programmation récursive - Xavier PESSOLES</a:t>
             </a:r>
             <a:endParaRPr lang="fr-FR" dirty="0"/>
@@ -7121,8 +6939,8 @@
           </a:p>
         </p:txBody>
       </p:sp>
-      <mc:AlternateContent xmlns:mc="http://schemas.openxmlformats.org/markup-compatibility/2006">
-        <mc:Choice xmlns:a14="http://schemas.microsoft.com/office/drawing/2010/main" Requires="a14">
+      <mc:AlternateContent xmlns:mc="http://schemas.openxmlformats.org/markup-compatibility/2006" xmlns:a14="http://schemas.microsoft.com/office/drawing/2010/main">
+        <mc:Choice Requires="a14">
           <p:sp>
             <p:nvSpPr>
               <p:cNvPr id="5" name="Espace réservé du contenu 4"/>
@@ -7139,7 +6957,7 @@
               <a:lstStyle/>
               <a:p>
                 <a:r>
-                  <a:rPr lang="fr-FR" dirty="0" smtClean="0"/>
+                  <a:rPr lang="fr-FR" dirty="0"/>
                   <a:t>Représentation de la pile d’exécution : calcul de </a:t>
                 </a:r>
                 <a14:m>
@@ -7148,7 +6966,7 @@
                       <m:sSupPr>
                         <m:ctrlPr>
                           <a:rPr lang="fr-FR" b="0" i="1" smtClean="0">
-                            <a:latin typeface="Cambria Math"/>
+                            <a:latin typeface="Cambria Math" panose="02040503050406030204" pitchFamily="18" charset="0"/>
                           </a:rPr>
                         </m:ctrlPr>
                       </m:sSupPr>
@@ -7172,15 +6990,14 @@
                   </m:oMath>
                 </a14:m>
                 <a:r>
-                  <a:rPr lang="fr-FR" dirty="0" smtClean="0"/>
+                  <a:rPr lang="fr-FR" dirty="0"/>
                   <a:t> :</a:t>
                 </a:r>
-                <a:endParaRPr lang="fr-FR" dirty="0"/>
               </a:p>
             </p:txBody>
           </p:sp>
         </mc:Choice>
-        <mc:Fallback>
+        <mc:Fallback xmlns="">
           <p:sp>
             <p:nvSpPr>
               <p:cNvPr id="5" name="Espace réservé du contenu 4"/>
@@ -7266,7 +7083,7 @@
               <a:defRPr/>
             </a:pPr>
             <a:r>
-              <a:rPr kumimoji="0" lang="fr-FR" sz="2400" b="0" i="0" u="none" strike="noStrike" kern="0" cap="none" spc="0" normalizeH="0" baseline="0" noProof="0" dirty="0" smtClean="0">
+              <a:rPr kumimoji="0" lang="fr-FR" sz="2400" b="0" i="0" u="none" strike="noStrike" kern="0" cap="none" spc="0" normalizeH="0" baseline="0" noProof="0" dirty="0">
                 <a:ln>
                   <a:noFill/>
                 </a:ln>
@@ -7282,20 +7099,6 @@
               </a:rPr>
               <a:t>2 * P2(3)</a:t>
             </a:r>
-            <a:endParaRPr kumimoji="0" lang="fr-FR" sz="2400" b="0" i="0" u="none" strike="noStrike" kern="0" cap="none" spc="0" normalizeH="0" baseline="0" noProof="0" dirty="0">
-              <a:ln>
-                <a:noFill/>
-              </a:ln>
-              <a:solidFill>
-                <a:sysClr val="windowText" lastClr="000000"/>
-              </a:solidFill>
-              <a:effectLst/>
-              <a:uLnTx/>
-              <a:uFillTx/>
-              <a:latin typeface="Calibri"/>
-              <a:ea typeface="+mn-ea"/>
-              <a:cs typeface="+mn-cs"/>
-            </a:endParaRPr>
           </a:p>
         </p:txBody>
       </p:sp>
@@ -7351,7 +7154,7 @@
               <a:defRPr/>
             </a:pPr>
             <a:r>
-              <a:rPr kumimoji="0" lang="fr-FR" sz="2400" b="0" i="0" u="none" strike="noStrike" kern="0" cap="none" spc="0" normalizeH="0" baseline="0" noProof="0" dirty="0" smtClean="0">
+              <a:rPr kumimoji="0" lang="fr-FR" sz="2400" b="0" i="0" u="none" strike="noStrike" kern="0" cap="none" spc="0" normalizeH="0" baseline="0" noProof="0" dirty="0">
                 <a:ln>
                   <a:noFill/>
                 </a:ln>
@@ -7367,20 +7170,6 @@
               </a:rPr>
               <a:t>2 * P2(2)</a:t>
             </a:r>
-            <a:endParaRPr kumimoji="0" lang="fr-FR" sz="2400" b="0" i="0" u="none" strike="noStrike" kern="0" cap="none" spc="0" normalizeH="0" baseline="0" noProof="0" dirty="0">
-              <a:ln>
-                <a:noFill/>
-              </a:ln>
-              <a:solidFill>
-                <a:sysClr val="windowText" lastClr="000000"/>
-              </a:solidFill>
-              <a:effectLst/>
-              <a:uLnTx/>
-              <a:uFillTx/>
-              <a:latin typeface="Calibri"/>
-              <a:ea typeface="+mn-ea"/>
-              <a:cs typeface="+mn-cs"/>
-            </a:endParaRPr>
           </a:p>
         </p:txBody>
       </p:sp>
@@ -7436,7 +7225,7 @@
               <a:defRPr/>
             </a:pPr>
             <a:r>
-              <a:rPr kumimoji="0" lang="fr-FR" sz="2400" b="0" i="0" u="none" strike="noStrike" kern="0" cap="none" spc="0" normalizeH="0" baseline="0" noProof="0" dirty="0" smtClean="0">
+              <a:rPr kumimoji="0" lang="fr-FR" sz="2400" b="0" i="0" u="none" strike="noStrike" kern="0" cap="none" spc="0" normalizeH="0" baseline="0" noProof="0" dirty="0">
                 <a:ln>
                   <a:noFill/>
                 </a:ln>
@@ -7452,20 +7241,6 @@
               </a:rPr>
               <a:t>2 * P2(1)</a:t>
             </a:r>
-            <a:endParaRPr kumimoji="0" lang="fr-FR" sz="2400" b="0" i="0" u="none" strike="noStrike" kern="0" cap="none" spc="0" normalizeH="0" baseline="0" noProof="0" dirty="0">
-              <a:ln>
-                <a:noFill/>
-              </a:ln>
-              <a:solidFill>
-                <a:sysClr val="windowText" lastClr="000000"/>
-              </a:solidFill>
-              <a:effectLst/>
-              <a:uLnTx/>
-              <a:uFillTx/>
-              <a:latin typeface="Calibri"/>
-              <a:ea typeface="+mn-ea"/>
-              <a:cs typeface="+mn-cs"/>
-            </a:endParaRPr>
           </a:p>
         </p:txBody>
       </p:sp>
@@ -7521,7 +7296,7 @@
               <a:defRPr/>
             </a:pPr>
             <a:r>
-              <a:rPr kumimoji="0" lang="fr-FR" sz="2400" b="0" i="0" u="none" strike="noStrike" kern="0" cap="none" spc="0" normalizeH="0" baseline="0" noProof="0" dirty="0" smtClean="0">
+              <a:rPr kumimoji="0" lang="fr-FR" sz="2400" b="0" i="0" u="none" strike="noStrike" kern="0" cap="none" spc="0" normalizeH="0" baseline="0" noProof="0" dirty="0">
                 <a:ln>
                   <a:noFill/>
                 </a:ln>
@@ -7537,20 +7312,6 @@
               </a:rPr>
               <a:t>2 * P2(0)</a:t>
             </a:r>
-            <a:endParaRPr kumimoji="0" lang="fr-FR" sz="2400" b="0" i="0" u="none" strike="noStrike" kern="0" cap="none" spc="0" normalizeH="0" baseline="0" noProof="0" dirty="0">
-              <a:ln>
-                <a:noFill/>
-              </a:ln>
-              <a:solidFill>
-                <a:sysClr val="windowText" lastClr="000000"/>
-              </a:solidFill>
-              <a:effectLst/>
-              <a:uLnTx/>
-              <a:uFillTx/>
-              <a:latin typeface="Calibri"/>
-              <a:ea typeface="+mn-ea"/>
-              <a:cs typeface="+mn-cs"/>
-            </a:endParaRPr>
           </a:p>
         </p:txBody>
       </p:sp>
@@ -7687,7 +7448,7 @@
               <a:defRPr/>
             </a:pPr>
             <a:r>
-              <a:rPr kumimoji="0" lang="fr-FR" b="0" i="0" u="none" strike="noStrike" kern="0" cap="none" spc="0" normalizeH="0" baseline="0" noProof="0" dirty="0" smtClean="0">
+              <a:rPr kumimoji="0" lang="fr-FR" b="0" i="0" u="none" strike="noStrike" kern="0" cap="none" spc="0" normalizeH="0" baseline="0" noProof="0" dirty="0">
                 <a:ln>
                   <a:noFill/>
                 </a:ln>
@@ -7700,17 +7461,6 @@
               </a:rPr>
               <a:t>Entrée dans la pile</a:t>
             </a:r>
-            <a:endParaRPr kumimoji="0" lang="fr-FR" b="0" i="0" u="none" strike="noStrike" kern="0" cap="none" spc="0" normalizeH="0" baseline="0" noProof="0" dirty="0">
-              <a:ln>
-                <a:noFill/>
-              </a:ln>
-              <a:solidFill>
-                <a:sysClr val="windowText" lastClr="000000"/>
-              </a:solidFill>
-              <a:effectLst/>
-              <a:uLnTx/>
-              <a:uFillTx/>
-            </a:endParaRPr>
           </a:p>
         </p:txBody>
       </p:sp>
@@ -7766,7 +7516,7 @@
               <a:defRPr/>
             </a:pPr>
             <a:r>
-              <a:rPr kumimoji="0" lang="fr-FR" sz="2400" b="0" i="0" u="none" strike="noStrike" kern="0" cap="none" spc="0" normalizeH="0" baseline="0" noProof="0" dirty="0" smtClean="0">
+              <a:rPr kumimoji="0" lang="fr-FR" sz="2400" b="0" i="0" u="none" strike="noStrike" kern="0" cap="none" spc="0" normalizeH="0" baseline="0" noProof="0" dirty="0">
                 <a:ln>
                   <a:noFill/>
                 </a:ln>
@@ -7782,20 +7532,6 @@
               </a:rPr>
               <a:t>1</a:t>
             </a:r>
-            <a:endParaRPr kumimoji="0" lang="fr-FR" sz="2400" b="0" i="0" u="none" strike="noStrike" kern="0" cap="none" spc="0" normalizeH="0" baseline="0" noProof="0" dirty="0">
-              <a:ln>
-                <a:noFill/>
-              </a:ln>
-              <a:solidFill>
-                <a:sysClr val="windowText" lastClr="000000"/>
-              </a:solidFill>
-              <a:effectLst/>
-              <a:uLnTx/>
-              <a:uFillTx/>
-              <a:latin typeface="Calibri"/>
-              <a:ea typeface="+mn-ea"/>
-              <a:cs typeface="+mn-cs"/>
-            </a:endParaRPr>
           </a:p>
         </p:txBody>
       </p:sp>
@@ -7960,7 +7696,7 @@
               <a:defRPr/>
             </a:pPr>
             <a:r>
-              <a:rPr kumimoji="0" lang="fr-FR" sz="2400" b="0" i="0" u="none" strike="noStrike" kern="0" cap="none" spc="0" normalizeH="0" baseline="0" noProof="0" dirty="0" smtClean="0">
+              <a:rPr kumimoji="0" lang="fr-FR" sz="2400" b="0" i="0" u="none" strike="noStrike" kern="0" cap="none" spc="0" normalizeH="0" baseline="0" noProof="0" dirty="0">
                 <a:ln>
                   <a:noFill/>
                 </a:ln>
@@ -7973,17 +7709,6 @@
               </a:rPr>
               <a:t>2</a:t>
             </a:r>
-            <a:endParaRPr kumimoji="0" lang="fr-FR" sz="2400" b="0" i="0" u="none" strike="noStrike" kern="0" cap="none" spc="0" normalizeH="0" baseline="0" noProof="0" dirty="0">
-              <a:ln>
-                <a:noFill/>
-              </a:ln>
-              <a:solidFill>
-                <a:sysClr val="windowText" lastClr="000000"/>
-              </a:solidFill>
-              <a:effectLst/>
-              <a:uLnTx/>
-              <a:uFillTx/>
-            </a:endParaRPr>
           </a:p>
         </p:txBody>
       </p:sp>
@@ -8026,7 +7751,7 @@
               <a:defRPr/>
             </a:pPr>
             <a:r>
-              <a:rPr kumimoji="0" lang="fr-FR" sz="2400" b="0" i="0" u="none" strike="noStrike" kern="0" cap="none" spc="0" normalizeH="0" baseline="0" noProof="0" dirty="0" smtClean="0">
+              <a:rPr kumimoji="0" lang="fr-FR" sz="2400" b="0" i="0" u="none" strike="noStrike" kern="0" cap="none" spc="0" normalizeH="0" baseline="0" noProof="0" dirty="0">
                 <a:ln>
                   <a:noFill/>
                 </a:ln>
@@ -8039,17 +7764,6 @@
               </a:rPr>
               <a:t>4</a:t>
             </a:r>
-            <a:endParaRPr kumimoji="0" lang="fr-FR" sz="2400" b="0" i="0" u="none" strike="noStrike" kern="0" cap="none" spc="0" normalizeH="0" baseline="0" noProof="0" dirty="0">
-              <a:ln>
-                <a:noFill/>
-              </a:ln>
-              <a:solidFill>
-                <a:sysClr val="windowText" lastClr="000000"/>
-              </a:solidFill>
-              <a:effectLst/>
-              <a:uLnTx/>
-              <a:uFillTx/>
-            </a:endParaRPr>
           </a:p>
         </p:txBody>
       </p:sp>
@@ -8179,7 +7893,7 @@
               <a:defRPr/>
             </a:pPr>
             <a:r>
-              <a:rPr kumimoji="0" lang="fr-FR" b="0" i="0" u="none" strike="noStrike" kern="0" cap="none" spc="0" normalizeH="0" baseline="0" noProof="0" dirty="0" smtClean="0">
+              <a:rPr kumimoji="0" lang="fr-FR" b="0" i="0" u="none" strike="noStrike" kern="0" cap="none" spc="0" normalizeH="0" baseline="0" noProof="0" dirty="0">
                 <a:ln>
                   <a:noFill/>
                 </a:ln>
@@ -8192,17 +7906,6 @@
               </a:rPr>
               <a:t>Sortie de la pile : 16</a:t>
             </a:r>
-            <a:endParaRPr kumimoji="0" lang="fr-FR" b="0" i="0" u="none" strike="noStrike" kern="0" cap="none" spc="0" normalizeH="0" baseline="0" noProof="0" dirty="0">
-              <a:ln>
-                <a:noFill/>
-              </a:ln>
-              <a:solidFill>
-                <a:sysClr val="windowText" lastClr="000000"/>
-              </a:solidFill>
-              <a:effectLst/>
-              <a:uLnTx/>
-              <a:uFillTx/>
-            </a:endParaRPr>
           </a:p>
         </p:txBody>
       </p:sp>
@@ -8795,13 +8498,6 @@
   <p:clrMapOvr>
     <a:masterClrMapping/>
   </p:clrMapOvr>
-  <p:timing>
-    <p:tnLst>
-      <p:par>
-        <p:cTn id="1" dur="indefinite" restart="never" nodeType="tmRoot"/>
-      </p:par>
-    </p:tnLst>
-  </p:timing>
 </p:sld>
 </file>
 
@@ -8838,17 +8534,16 @@
           <a:lstStyle/>
           <a:p>
             <a:r>
-              <a:rPr lang="fr-FR" dirty="0" smtClean="0"/>
+              <a:rPr lang="fr-FR" dirty="0"/>
               <a:t>Analyse des algorithmes récursifs</a:t>
             </a:r>
             <a:br>
-              <a:rPr lang="fr-FR" dirty="0" smtClean="0"/>
+              <a:rPr lang="fr-FR" dirty="0"/>
             </a:br>
             <a:r>
-              <a:rPr lang="fr-FR" dirty="0" smtClean="0"/>
+              <a:rPr lang="fr-FR" dirty="0"/>
               <a:t>Avantages et inconvénients</a:t>
             </a:r>
-            <a:endParaRPr lang="fr-FR" dirty="0"/>
           </a:p>
         </p:txBody>
       </p:sp>
@@ -8868,7 +8563,7 @@
           <a:lstStyle/>
           <a:p>
             <a:r>
-              <a:rPr lang="fr-FR" smtClean="0"/>
+              <a:rPr lang="fr-FR"/>
               <a:t>Programmation récursive - Xavier PESSOLES</a:t>
             </a:r>
             <a:endParaRPr lang="fr-FR" dirty="0"/>
@@ -8920,21 +8615,21 @@
           <a:lstStyle/>
           <a:p>
             <a:r>
-              <a:rPr lang="fr-FR" dirty="0" smtClean="0"/>
+              <a:rPr lang="fr-FR" dirty="0"/>
               <a:t>Avantages</a:t>
             </a:r>
           </a:p>
           <a:p>
             <a:pPr lvl="1"/>
             <a:r>
-              <a:rPr lang="fr-FR" dirty="0" smtClean="0"/>
+              <a:rPr lang="fr-FR" dirty="0"/>
               <a:t>Écriture parfois plus naturelle qu’une écriture itérative.</a:t>
             </a:r>
           </a:p>
           <a:p>
             <a:pPr lvl="1"/>
             <a:r>
-              <a:rPr lang="fr-FR" dirty="0" smtClean="0"/>
+              <a:rPr lang="fr-FR" dirty="0"/>
               <a:t>Lecture parfois plus aisée…</a:t>
             </a:r>
           </a:p>
@@ -9150,14 +8845,14 @@
           </a:lstStyle>
           <a:p>
             <a:r>
-              <a:rPr lang="fr-FR" dirty="0" smtClean="0"/>
+              <a:rPr lang="fr-FR" dirty="0"/>
               <a:t>Inconvénients</a:t>
             </a:r>
           </a:p>
           <a:p>
             <a:pPr lvl="1"/>
             <a:r>
-              <a:rPr lang="fr-FR" dirty="0" smtClean="0"/>
+              <a:rPr lang="fr-FR" dirty="0"/>
               <a:t>Coût de la complexité en mémoire</a:t>
             </a:r>
           </a:p>
@@ -9177,13 +8872,6 @@
   <p:clrMapOvr>
     <a:masterClrMapping/>
   </p:clrMapOvr>
-  <p:timing>
-    <p:tnLst>
-      <p:par>
-        <p:cTn id="1" dur="indefinite" restart="never" nodeType="tmRoot"/>
-      </p:par>
-    </p:tnLst>
-  </p:timing>
 </p:sld>
 </file>
 
@@ -9220,17 +8908,16 @@
           <a:lstStyle/>
           <a:p>
             <a:r>
-              <a:rPr lang="fr-FR" dirty="0" smtClean="0"/>
+              <a:rPr lang="fr-FR" dirty="0"/>
               <a:t>Analyse des algorithmes récursifs</a:t>
             </a:r>
             <a:br>
-              <a:rPr lang="fr-FR" dirty="0" smtClean="0"/>
+              <a:rPr lang="fr-FR" dirty="0"/>
             </a:br>
             <a:r>
-              <a:rPr lang="fr-FR" dirty="0" smtClean="0"/>
+              <a:rPr lang="fr-FR" dirty="0"/>
               <a:t>Terminaison des algorithmes</a:t>
             </a:r>
-            <a:endParaRPr lang="fr-FR" dirty="0"/>
           </a:p>
         </p:txBody>
       </p:sp>
@@ -9250,7 +8937,7 @@
           <a:lstStyle/>
           <a:p>
             <a:r>
-              <a:rPr lang="fr-FR" smtClean="0"/>
+              <a:rPr lang="fr-FR"/>
               <a:t>Programmation récursive - Xavier PESSOLES</a:t>
             </a:r>
             <a:endParaRPr lang="fr-FR" dirty="0"/>
@@ -9439,13 +9126,6 @@
   <p:clrMapOvr>
     <a:masterClrMapping/>
   </p:clrMapOvr>
-  <p:timing>
-    <p:tnLst>
-      <p:par>
-        <p:cTn id="1" dur="indefinite" restart="never" nodeType="tmRoot"/>
-      </p:par>
-    </p:tnLst>
-  </p:timing>
 </p:sld>
 </file>
 
@@ -9489,10 +9169,9 @@
               <a:rPr lang="fr-FR" dirty="0"/>
             </a:br>
             <a:r>
-              <a:rPr lang="fr-FR" dirty="0" smtClean="0"/>
+              <a:rPr lang="fr-FR" dirty="0"/>
               <a:t>Correction des algorithmes</a:t>
             </a:r>
-            <a:endParaRPr lang="fr-FR" dirty="0"/>
           </a:p>
         </p:txBody>
       </p:sp>
@@ -9512,7 +9191,7 @@
           <a:lstStyle/>
           <a:p>
             <a:r>
-              <a:rPr lang="fr-FR" smtClean="0"/>
+              <a:rPr lang="fr-FR"/>
               <a:t>Programmation récursive - Xavier PESSOLES</a:t>
             </a:r>
             <a:endParaRPr lang="fr-FR" dirty="0"/>
@@ -9700,13 +9379,6 @@
   <p:clrMapOvr>
     <a:masterClrMapping/>
   </p:clrMapOvr>
-  <p:timing>
-    <p:tnLst>
-      <p:par>
-        <p:cTn id="1" dur="indefinite" restart="never" nodeType="tmRoot"/>
-      </p:par>
-    </p:tnLst>
-  </p:timing>
 </p:sld>
 </file>
 
